--- a/Active Contours Without Edges.pptx
+++ b/Active Contours Without Edges.pptx
@@ -2,12 +2,16 @@
 <file path=ppt/presentation.xml><?xml version="1.0" encoding="utf-8"?>
 <p:presentation xmlns:a="http://schemas.openxmlformats.org/drawingml/2006/main" xmlns:r="http://schemas.openxmlformats.org/officeDocument/2006/relationships" xmlns:p="http://schemas.openxmlformats.org/presentationml/2006/main" saveSubsetFonts="1">
   <p:sldMasterIdLst>
-    <p:sldMasterId id="2147483660" r:id="rId1"/>
+    <p:sldMasterId id="2147483672" r:id="rId1"/>
   </p:sldMasterIdLst>
   <p:sldIdLst>
     <p:sldId id="256" r:id="rId2"/>
     <p:sldId id="258" r:id="rId3"/>
     <p:sldId id="257" r:id="rId4"/>
+    <p:sldId id="259" r:id="rId5"/>
+    <p:sldId id="260" r:id="rId6"/>
+    <p:sldId id="262" r:id="rId7"/>
+    <p:sldId id="261" r:id="rId8"/>
   </p:sldIdLst>
   <p:sldSz cx="9144000" cy="6858000" type="screen4x3"/>
   <p:notesSz cx="6858000" cy="9144000"/>
@@ -138,8 +142,8 @@
         </p:nvSpPr>
         <p:spPr>
           <a:xfrm>
-            <a:off x="1371600" y="1859280"/>
-            <a:ext cx="6400800" cy="1295400"/>
+            <a:off x="685800" y="2130425"/>
+            <a:ext cx="7772400" cy="1470025"/>
           </a:xfrm>
         </p:spPr>
         <p:txBody>
@@ -150,71 +154,35 @@
               <a:rPr lang="en-US" smtClean="0"/>
               <a:t>Click to edit Master title style</a:t>
             </a:r>
-            <a:endParaRPr lang="en-US" dirty="0"/>
-          </a:p>
-        </p:txBody>
-      </p:sp>
-      <p:pic>
-        <p:nvPicPr>
-          <p:cNvPr id="8" name="Picture 7" descr="flourish2.png"/>
-          <p:cNvPicPr>
-            <a:picLocks noChangeAspect="1"/>
-          </p:cNvPicPr>
-          <p:nvPr/>
-        </p:nvPicPr>
-        <p:blipFill>
-          <a:blip r:embed="rId2">
-            <a:duotone>
-              <a:prstClr val="black"/>
-              <a:schemeClr val="tx2">
-                <a:tint val="45000"/>
-                <a:satMod val="400000"/>
-              </a:schemeClr>
-            </a:duotone>
-            <a:lum bright="-14000"/>
-          </a:blip>
-          <a:stretch>
-            <a:fillRect/>
-          </a:stretch>
-        </p:blipFill>
+            <a:endParaRPr lang="en-GB"/>
+          </a:p>
+        </p:txBody>
+      </p:sp>
+      <p:sp>
+        <p:nvSpPr>
+          <p:cNvPr id="3" name="Subtitle 2"/>
+          <p:cNvSpPr>
+            <a:spLocks noGrp="1"/>
+          </p:cNvSpPr>
+          <p:nvPr>
+            <p:ph type="subTitle" idx="1"/>
+          </p:nvPr>
+        </p:nvSpPr>
         <p:spPr>
           <a:xfrm>
-            <a:off x="0" y="2801112"/>
-            <a:ext cx="9144000" cy="932688"/>
-          </a:xfrm>
-          <a:prstGeom prst="rect">
-            <a:avLst/>
-          </a:prstGeom>
-        </p:spPr>
-      </p:pic>
-      <p:sp>
-        <p:nvSpPr>
-          <p:cNvPr id="3" name="Subtitle 2"/>
-          <p:cNvSpPr>
-            <a:spLocks noGrp="1"/>
-          </p:cNvSpPr>
-          <p:nvPr>
-            <p:ph type="subTitle" idx="1"/>
-          </p:nvPr>
-        </p:nvSpPr>
-        <p:spPr>
-          <a:xfrm>
-            <a:off x="1371600" y="3429000"/>
-            <a:ext cx="6400800" cy="762000"/>
+            <a:off x="1371600" y="3886200"/>
+            <a:ext cx="6400800" cy="1752600"/>
           </a:xfrm>
         </p:spPr>
         <p:txBody>
-          <a:bodyPr>
-            <a:normAutofit/>
-          </a:bodyPr>
+          <a:bodyPr/>
           <a:lstStyle>
             <a:lvl1pPr marL="0" indent="0" algn="ctr">
               <a:buNone/>
-              <a:defRPr sz="2000" i="1" baseline="0">
+              <a:defRPr>
                 <a:solidFill>
                   <a:schemeClr val="tx1">
-                    <a:lumMod val="65000"/>
-                    <a:lumOff val="35000"/>
+                    <a:tint val="75000"/>
                   </a:schemeClr>
                 </a:solidFill>
               </a:defRPr>
@@ -305,7 +273,7 @@
               <a:rPr lang="en-US" smtClean="0"/>
               <a:t>Click to edit Master subtitle style</a:t>
             </a:r>
-            <a:endParaRPr lang="en-US" dirty="0"/>
+            <a:endParaRPr lang="en-GB"/>
           </a:p>
         </p:txBody>
       </p:sp>
@@ -319,14 +287,15 @@
             <p:ph type="dt" sz="half" idx="10"/>
           </p:nvPr>
         </p:nvSpPr>
-        <p:spPr bwMode="white"/>
+        <p:spPr/>
         <p:txBody>
           <a:bodyPr/>
           <a:lstStyle/>
           <a:p>
             <a:fld id="{7F97EE62-E3D0-4E7B-B469-EAEE700658EE}" type="datetimeFigureOut">
               <a:rPr lang="en-GB" smtClean="0"/>
-              <a:t>16/02/2012</a:t>
+              <a:pPr/>
+              <a:t>19/02/2012</a:t>
             </a:fld>
             <a:endParaRPr lang="en-GB"/>
           </a:p>
@@ -342,7 +311,7 @@
             <p:ph type="ftr" sz="quarter" idx="11"/>
           </p:nvPr>
         </p:nvSpPr>
-        <p:spPr bwMode="white"/>
+        <p:spPr/>
         <p:txBody>
           <a:bodyPr/>
           <a:lstStyle/>
@@ -368,6 +337,7 @@
           <a:p>
             <a:fld id="{5D8511BD-094F-4FD0-B9E7-C347FC64F4DF}" type="slidenum">
               <a:rPr lang="en-GB" smtClean="0"/>
+              <a:pPr/>
               <a:t>‹#›</a:t>
             </a:fld>
             <a:endParaRPr lang="en-GB"/>
@@ -418,7 +388,7 @@
               <a:rPr lang="en-US" smtClean="0"/>
               <a:t>Click to edit Master title style</a:t>
             </a:r>
-            <a:endParaRPr lang="en-US"/>
+            <a:endParaRPr lang="en-GB"/>
           </a:p>
         </p:txBody>
       </p:sp>
@@ -470,7 +440,7 @@
               <a:rPr lang="en-US" smtClean="0"/>
               <a:t>Fifth level</a:t>
             </a:r>
-            <a:endParaRPr lang="en-US"/>
+            <a:endParaRPr lang="en-GB"/>
           </a:p>
         </p:txBody>
       </p:sp>
@@ -491,7 +461,8 @@
           <a:p>
             <a:fld id="{7F97EE62-E3D0-4E7B-B469-EAEE700658EE}" type="datetimeFigureOut">
               <a:rPr lang="en-GB" smtClean="0"/>
-              <a:t>16/02/2012</a:t>
+              <a:pPr/>
+              <a:t>19/02/2012</a:t>
             </a:fld>
             <a:endParaRPr lang="en-GB"/>
           </a:p>
@@ -533,6 +504,7 @@
           <a:p>
             <a:fld id="{5D8511BD-094F-4FD0-B9E7-C347FC64F4DF}" type="slidenum">
               <a:rPr lang="en-GB" smtClean="0"/>
+              <a:pPr/>
               <a:t>‹#›</a:t>
             </a:fld>
             <a:endParaRPr lang="en-GB"/>
@@ -576,8 +548,8 @@
         </p:nvSpPr>
         <p:spPr>
           <a:xfrm>
-            <a:off x="6629400" y="1209041"/>
-            <a:ext cx="1295400" cy="4318000"/>
+            <a:off x="6629400" y="274638"/>
+            <a:ext cx="2057400" cy="5851525"/>
           </a:xfrm>
         </p:spPr>
         <p:txBody>
@@ -588,7 +560,7 @@
               <a:rPr lang="en-US" smtClean="0"/>
               <a:t>Click to edit Master title style</a:t>
             </a:r>
-            <a:endParaRPr lang="en-US" dirty="0"/>
+            <a:endParaRPr lang="en-GB"/>
           </a:p>
         </p:txBody>
       </p:sp>
@@ -604,8 +576,8 @@
         </p:nvSpPr>
         <p:spPr>
           <a:xfrm>
-            <a:off x="1295400" y="1219199"/>
-            <a:ext cx="5181600" cy="4267201"/>
+            <a:off x="457200" y="274638"/>
+            <a:ext cx="6019800" cy="5851525"/>
           </a:xfrm>
         </p:spPr>
         <p:txBody>
@@ -645,7 +617,7 @@
               <a:rPr lang="en-US" smtClean="0"/>
               <a:t>Fifth level</a:t>
             </a:r>
-            <a:endParaRPr lang="en-US" dirty="0"/>
+            <a:endParaRPr lang="en-GB"/>
           </a:p>
         </p:txBody>
       </p:sp>
@@ -666,7 +638,8 @@
           <a:p>
             <a:fld id="{7F97EE62-E3D0-4E7B-B469-EAEE700658EE}" type="datetimeFigureOut">
               <a:rPr lang="en-GB" smtClean="0"/>
-              <a:t>16/02/2012</a:t>
+              <a:pPr/>
+              <a:t>19/02/2012</a:t>
             </a:fld>
             <a:endParaRPr lang="en-GB"/>
           </a:p>
@@ -708,6 +681,7 @@
           <a:p>
             <a:fld id="{5D8511BD-094F-4FD0-B9E7-C347FC64F4DF}" type="slidenum">
               <a:rPr lang="en-GB" smtClean="0"/>
+              <a:pPr/>
               <a:t>‹#›</a:t>
             </a:fld>
             <a:endParaRPr lang="en-GB"/>
@@ -758,7 +732,7 @@
               <a:rPr lang="en-US" smtClean="0"/>
               <a:t>Click to edit Master title style</a:t>
             </a:r>
-            <a:endParaRPr lang="en-US" dirty="0"/>
+            <a:endParaRPr lang="en-GB"/>
           </a:p>
         </p:txBody>
       </p:sp>
@@ -772,12 +746,7 @@
             <p:ph idx="1"/>
           </p:nvPr>
         </p:nvSpPr>
-        <p:spPr>
-          <a:xfrm>
-            <a:off x="1371600" y="2438400"/>
-            <a:ext cx="6400800" cy="3048001"/>
-          </a:xfrm>
-        </p:spPr>
+        <p:spPr/>
         <p:txBody>
           <a:bodyPr/>
           <a:lstStyle/>
@@ -815,7 +784,7 @@
               <a:rPr lang="en-US" smtClean="0"/>
               <a:t>Fifth level</a:t>
             </a:r>
-            <a:endParaRPr lang="en-US" dirty="0"/>
+            <a:endParaRPr lang="en-GB"/>
           </a:p>
         </p:txBody>
       </p:sp>
@@ -836,7 +805,8 @@
           <a:p>
             <a:fld id="{7F97EE62-E3D0-4E7B-B469-EAEE700658EE}" type="datetimeFigureOut">
               <a:rPr lang="en-GB" smtClean="0"/>
-              <a:t>16/02/2012</a:t>
+              <a:pPr/>
+              <a:t>19/02/2012</a:t>
             </a:fld>
             <a:endParaRPr lang="en-GB"/>
           </a:p>
@@ -878,45 +848,13 @@
           <a:p>
             <a:fld id="{5D8511BD-094F-4FD0-B9E7-C347FC64F4DF}" type="slidenum">
               <a:rPr lang="en-GB" smtClean="0"/>
+              <a:pPr/>
               <a:t>‹#›</a:t>
             </a:fld>
             <a:endParaRPr lang="en-GB"/>
           </a:p>
         </p:txBody>
       </p:sp>
-      <p:pic>
-        <p:nvPicPr>
-          <p:cNvPr id="9" name="Picture 8" descr="flourish2.png"/>
-          <p:cNvPicPr>
-            <a:picLocks noChangeAspect="1"/>
-          </p:cNvPicPr>
-          <p:nvPr/>
-        </p:nvPicPr>
-        <p:blipFill>
-          <a:blip r:embed="rId2">
-            <a:duotone>
-              <a:prstClr val="black"/>
-              <a:schemeClr val="tx2">
-                <a:tint val="45000"/>
-                <a:satMod val="400000"/>
-              </a:schemeClr>
-            </a:duotone>
-            <a:lum bright="-14000"/>
-          </a:blip>
-          <a:stretch>
-            <a:fillRect/>
-          </a:stretch>
-        </p:blipFill>
-        <p:spPr>
-          <a:xfrm>
-            <a:off x="0" y="1618488"/>
-            <a:ext cx="9144000" cy="932688"/>
-          </a:xfrm>
-          <a:prstGeom prst="rect">
-            <a:avLst/>
-          </a:prstGeom>
-        </p:spPr>
-      </p:pic>
     </p:spTree>
   </p:cSld>
   <p:clrMapOvr>
@@ -944,162 +882,61 @@
       </p:grpSpPr>
       <p:sp>
         <p:nvSpPr>
-          <p:cNvPr id="4" name="Date Placeholder 3"/>
-          <p:cNvSpPr>
-            <a:spLocks noGrp="1"/>
-          </p:cNvSpPr>
-          <p:nvPr>
-            <p:ph type="dt" sz="half" idx="10"/>
-          </p:nvPr>
-        </p:nvSpPr>
-        <p:spPr/>
-        <p:txBody>
-          <a:bodyPr/>
-          <a:lstStyle/>
-          <a:p>
-            <a:fld id="{7F97EE62-E3D0-4E7B-B469-EAEE700658EE}" type="datetimeFigureOut">
-              <a:rPr lang="en-GB" smtClean="0"/>
-              <a:t>16/02/2012</a:t>
-            </a:fld>
-            <a:endParaRPr lang="en-GB"/>
-          </a:p>
-        </p:txBody>
-      </p:sp>
-      <p:sp>
-        <p:nvSpPr>
-          <p:cNvPr id="5" name="Footer Placeholder 4"/>
-          <p:cNvSpPr>
-            <a:spLocks noGrp="1"/>
-          </p:cNvSpPr>
-          <p:nvPr>
-            <p:ph type="ftr" sz="quarter" idx="11"/>
-          </p:nvPr>
-        </p:nvSpPr>
-        <p:spPr/>
-        <p:txBody>
-          <a:bodyPr/>
-          <a:lstStyle/>
-          <a:p>
-            <a:endParaRPr lang="en-GB"/>
-          </a:p>
-        </p:txBody>
-      </p:sp>
-      <p:sp>
-        <p:nvSpPr>
-          <p:cNvPr id="6" name="Slide Number Placeholder 5"/>
-          <p:cNvSpPr>
-            <a:spLocks noGrp="1"/>
-          </p:cNvSpPr>
-          <p:nvPr>
-            <p:ph type="sldNum" sz="quarter" idx="12"/>
-          </p:nvPr>
-        </p:nvSpPr>
-        <p:spPr/>
-        <p:txBody>
-          <a:bodyPr/>
-          <a:lstStyle/>
-          <a:p>
-            <a:fld id="{5D8511BD-094F-4FD0-B9E7-C347FC64F4DF}" type="slidenum">
-              <a:rPr lang="en-GB" smtClean="0"/>
-              <a:t>‹#›</a:t>
-            </a:fld>
-            <a:endParaRPr lang="en-GB"/>
-          </a:p>
-        </p:txBody>
-      </p:sp>
-      <p:pic>
-        <p:nvPicPr>
-          <p:cNvPr id="7" name="Picture 6" descr="flourish2.png"/>
-          <p:cNvPicPr>
-            <a:picLocks noChangeAspect="1"/>
-          </p:cNvPicPr>
-          <p:nvPr/>
-        </p:nvPicPr>
-        <p:blipFill>
-          <a:blip r:embed="rId2">
-            <a:duotone>
-              <a:prstClr val="black"/>
-              <a:schemeClr val="tx2">
-                <a:tint val="45000"/>
-                <a:satMod val="400000"/>
-              </a:schemeClr>
-            </a:duotone>
-            <a:lum bright="-14000"/>
-          </a:blip>
-          <a:stretch>
-            <a:fillRect/>
-          </a:stretch>
-        </p:blipFill>
+          <p:cNvPr id="2" name="Title 1"/>
+          <p:cNvSpPr>
+            <a:spLocks noGrp="1"/>
+          </p:cNvSpPr>
+          <p:nvPr>
+            <p:ph type="title"/>
+          </p:nvPr>
+        </p:nvSpPr>
         <p:spPr>
           <a:xfrm>
-            <a:off x="0" y="2684462"/>
-            <a:ext cx="9144000" cy="932688"/>
+            <a:off x="722313" y="4406900"/>
+            <a:ext cx="7772400" cy="1362075"/>
           </a:xfrm>
-          <a:prstGeom prst="rect">
-            <a:avLst/>
-          </a:prstGeom>
         </p:spPr>
-      </p:pic>
-      <p:sp>
-        <p:nvSpPr>
-          <p:cNvPr id="2" name="Title 1"/>
-          <p:cNvSpPr>
-            <a:spLocks noGrp="1"/>
-          </p:cNvSpPr>
-          <p:nvPr>
-            <p:ph type="title"/>
+        <p:txBody>
+          <a:bodyPr anchor="t"/>
+          <a:lstStyle>
+            <a:lvl1pPr algn="l">
+              <a:defRPr sz="4000" b="1" cap="all"/>
+            </a:lvl1pPr>
+          </a:lstStyle>
+          <a:p>
+            <a:r>
+              <a:rPr lang="en-US" smtClean="0"/>
+              <a:t>Click to edit Master title style</a:t>
+            </a:r>
+            <a:endParaRPr lang="en-GB"/>
+          </a:p>
+        </p:txBody>
+      </p:sp>
+      <p:sp>
+        <p:nvSpPr>
+          <p:cNvPr id="3" name="Text Placeholder 2"/>
+          <p:cNvSpPr>
+            <a:spLocks noGrp="1"/>
+          </p:cNvSpPr>
+          <p:nvPr>
+            <p:ph type="body" idx="1"/>
           </p:nvPr>
         </p:nvSpPr>
         <p:spPr>
           <a:xfrm>
-            <a:off x="1447800" y="3410267"/>
-            <a:ext cx="6248400" cy="1456373"/>
+            <a:off x="722313" y="2906713"/>
+            <a:ext cx="7772400" cy="1500187"/>
           </a:xfrm>
         </p:spPr>
         <p:txBody>
-          <a:bodyPr anchor="t">
-            <a:normAutofit/>
-          </a:bodyPr>
-          <a:lstStyle>
-            <a:lvl1pPr algn="ctr">
-              <a:defRPr sz="3600" b="0" i="0" cap="all" baseline="0"/>
-            </a:lvl1pPr>
-          </a:lstStyle>
-          <a:p>
-            <a:r>
-              <a:rPr lang="en-US" smtClean="0"/>
-              <a:t>Click to edit Master title style</a:t>
-            </a:r>
-            <a:endParaRPr lang="en-US" dirty="0"/>
-          </a:p>
-        </p:txBody>
-      </p:sp>
-      <p:sp>
-        <p:nvSpPr>
-          <p:cNvPr id="3" name="Text Placeholder 2"/>
-          <p:cNvSpPr>
-            <a:spLocks noGrp="1"/>
-          </p:cNvSpPr>
-          <p:nvPr>
-            <p:ph type="body" idx="1"/>
-          </p:nvPr>
-        </p:nvSpPr>
-        <p:spPr>
-          <a:xfrm>
-            <a:off x="1447800" y="1503680"/>
-            <a:ext cx="6248400" cy="1566862"/>
-          </a:xfrm>
-        </p:spPr>
-        <p:txBody>
           <a:bodyPr anchor="b"/>
           <a:lstStyle>
-            <a:lvl1pPr marL="0" indent="0" algn="ctr">
-              <a:buNone/>
-              <a:defRPr sz="2000" b="0" i="1" baseline="0">
+            <a:lvl1pPr marL="0" indent="0">
+              <a:buNone/>
+              <a:defRPr sz="2000">
                 <a:solidFill>
                   <a:schemeClr val="tx1">
-                    <a:lumMod val="65000"/>
-                    <a:lumOff val="35000"/>
+                    <a:tint val="75000"/>
                   </a:schemeClr>
                 </a:solidFill>
               </a:defRPr>
@@ -1194,39 +1031,73 @@
           </a:p>
         </p:txBody>
       </p:sp>
-      <p:pic>
-        <p:nvPicPr>
-          <p:cNvPr id="8" name="Picture 7" descr="flourish2.png"/>
-          <p:cNvPicPr>
-            <a:picLocks noChangeAspect="1"/>
-          </p:cNvPicPr>
-          <p:nvPr/>
-        </p:nvPicPr>
-        <p:blipFill>
-          <a:blip r:embed="rId2">
-            <a:duotone>
-              <a:prstClr val="black"/>
-              <a:schemeClr val="tx2">
-                <a:tint val="45000"/>
-                <a:satMod val="400000"/>
-              </a:schemeClr>
-            </a:duotone>
-            <a:lum bright="-14000"/>
-          </a:blip>
-          <a:stretch>
-            <a:fillRect/>
-          </a:stretch>
-        </p:blipFill>
-        <p:spPr>
-          <a:xfrm>
-            <a:off x="0" y="2684462"/>
-            <a:ext cx="9144000" cy="932688"/>
-          </a:xfrm>
-          <a:prstGeom prst="rect">
-            <a:avLst/>
-          </a:prstGeom>
-        </p:spPr>
-      </p:pic>
+      <p:sp>
+        <p:nvSpPr>
+          <p:cNvPr id="4" name="Date Placeholder 3"/>
+          <p:cNvSpPr>
+            <a:spLocks noGrp="1"/>
+          </p:cNvSpPr>
+          <p:nvPr>
+            <p:ph type="dt" sz="half" idx="10"/>
+          </p:nvPr>
+        </p:nvSpPr>
+        <p:spPr/>
+        <p:txBody>
+          <a:bodyPr/>
+          <a:lstStyle/>
+          <a:p>
+            <a:fld id="{7F97EE62-E3D0-4E7B-B469-EAEE700658EE}" type="datetimeFigureOut">
+              <a:rPr lang="en-GB" smtClean="0"/>
+              <a:pPr/>
+              <a:t>19/02/2012</a:t>
+            </a:fld>
+            <a:endParaRPr lang="en-GB"/>
+          </a:p>
+        </p:txBody>
+      </p:sp>
+      <p:sp>
+        <p:nvSpPr>
+          <p:cNvPr id="5" name="Footer Placeholder 4"/>
+          <p:cNvSpPr>
+            <a:spLocks noGrp="1"/>
+          </p:cNvSpPr>
+          <p:nvPr>
+            <p:ph type="ftr" sz="quarter" idx="11"/>
+          </p:nvPr>
+        </p:nvSpPr>
+        <p:spPr/>
+        <p:txBody>
+          <a:bodyPr/>
+          <a:lstStyle/>
+          <a:p>
+            <a:endParaRPr lang="en-GB"/>
+          </a:p>
+        </p:txBody>
+      </p:sp>
+      <p:sp>
+        <p:nvSpPr>
+          <p:cNvPr id="6" name="Slide Number Placeholder 5"/>
+          <p:cNvSpPr>
+            <a:spLocks noGrp="1"/>
+          </p:cNvSpPr>
+          <p:nvPr>
+            <p:ph type="sldNum" sz="quarter" idx="12"/>
+          </p:nvPr>
+        </p:nvSpPr>
+        <p:spPr/>
+        <p:txBody>
+          <a:bodyPr/>
+          <a:lstStyle/>
+          <a:p>
+            <a:fld id="{5D8511BD-094F-4FD0-B9E7-C347FC64F4DF}" type="slidenum">
+              <a:rPr lang="en-GB" smtClean="0"/>
+              <a:pPr/>
+              <a:t>‹#›</a:t>
+            </a:fld>
+            <a:endParaRPr lang="en-GB"/>
+          </a:p>
+        </p:txBody>
+      </p:sp>
     </p:spTree>
   </p:cSld>
   <p:clrMapOvr>
@@ -1254,23 +1125,74 @@
       </p:grpSpPr>
       <p:sp>
         <p:nvSpPr>
-          <p:cNvPr id="10" name="Content Placeholder 9"/>
-          <p:cNvSpPr>
-            <a:spLocks noGrp="1"/>
-          </p:cNvSpPr>
-          <p:nvPr>
-            <p:ph sz="quarter" idx="13"/>
+          <p:cNvPr id="2" name="Title 1"/>
+          <p:cNvSpPr>
+            <a:spLocks noGrp="1"/>
+          </p:cNvSpPr>
+          <p:nvPr>
+            <p:ph type="title"/>
+          </p:nvPr>
+        </p:nvSpPr>
+        <p:spPr/>
+        <p:txBody>
+          <a:bodyPr/>
+          <a:lstStyle/>
+          <a:p>
+            <a:r>
+              <a:rPr lang="en-US" smtClean="0"/>
+              <a:t>Click to edit Master title style</a:t>
+            </a:r>
+            <a:endParaRPr lang="en-GB"/>
+          </a:p>
+        </p:txBody>
+      </p:sp>
+      <p:sp>
+        <p:nvSpPr>
+          <p:cNvPr id="3" name="Content Placeholder 2"/>
+          <p:cNvSpPr>
+            <a:spLocks noGrp="1"/>
+          </p:cNvSpPr>
+          <p:nvPr>
+            <p:ph sz="half" idx="1"/>
           </p:nvPr>
         </p:nvSpPr>
         <p:spPr>
           <a:xfrm>
-            <a:off x="1371600" y="2438400"/>
-            <a:ext cx="3124200" cy="3124200"/>
+            <a:off x="457200" y="1600200"/>
+            <a:ext cx="4038600" cy="4525963"/>
           </a:xfrm>
         </p:spPr>
         <p:txBody>
           <a:bodyPr/>
-          <a:lstStyle/>
+          <a:lstStyle>
+            <a:lvl1pPr>
+              <a:defRPr sz="2800"/>
+            </a:lvl1pPr>
+            <a:lvl2pPr>
+              <a:defRPr sz="2400"/>
+            </a:lvl2pPr>
+            <a:lvl3pPr>
+              <a:defRPr sz="2000"/>
+            </a:lvl3pPr>
+            <a:lvl4pPr>
+              <a:defRPr sz="1800"/>
+            </a:lvl4pPr>
+            <a:lvl5pPr>
+              <a:defRPr sz="1800"/>
+            </a:lvl5pPr>
+            <a:lvl6pPr>
+              <a:defRPr sz="1800"/>
+            </a:lvl6pPr>
+            <a:lvl7pPr>
+              <a:defRPr sz="1800"/>
+            </a:lvl7pPr>
+            <a:lvl8pPr>
+              <a:defRPr sz="1800"/>
+            </a:lvl8pPr>
+            <a:lvl9pPr>
+              <a:defRPr sz="1800"/>
+            </a:lvl9pPr>
+          </a:lstStyle>
           <a:p>
             <a:pPr lvl="0"/>
             <a:r>
@@ -1305,30 +1227,92 @@
               <a:rPr lang="en-US" smtClean="0"/>
               <a:t>Fifth level</a:t>
             </a:r>
-            <a:endParaRPr lang="en-US" dirty="0"/>
-          </a:p>
-        </p:txBody>
-      </p:sp>
-      <p:sp>
-        <p:nvSpPr>
-          <p:cNvPr id="2" name="Title 1"/>
-          <p:cNvSpPr>
-            <a:spLocks noGrp="1"/>
-          </p:cNvSpPr>
-          <p:nvPr>
-            <p:ph type="title"/>
-          </p:nvPr>
-        </p:nvSpPr>
-        <p:spPr/>
-        <p:txBody>
-          <a:bodyPr/>
-          <a:lstStyle/>
-          <a:p>
-            <a:r>
-              <a:rPr lang="en-US" smtClean="0"/>
-              <a:t>Click to edit Master title style</a:t>
-            </a:r>
-            <a:endParaRPr lang="en-US"/>
+            <a:endParaRPr lang="en-GB"/>
+          </a:p>
+        </p:txBody>
+      </p:sp>
+      <p:sp>
+        <p:nvSpPr>
+          <p:cNvPr id="4" name="Content Placeholder 3"/>
+          <p:cNvSpPr>
+            <a:spLocks noGrp="1"/>
+          </p:cNvSpPr>
+          <p:nvPr>
+            <p:ph sz="half" idx="2"/>
+          </p:nvPr>
+        </p:nvSpPr>
+        <p:spPr>
+          <a:xfrm>
+            <a:off x="4648200" y="1600200"/>
+            <a:ext cx="4038600" cy="4525963"/>
+          </a:xfrm>
+        </p:spPr>
+        <p:txBody>
+          <a:bodyPr/>
+          <a:lstStyle>
+            <a:lvl1pPr>
+              <a:defRPr sz="2800"/>
+            </a:lvl1pPr>
+            <a:lvl2pPr>
+              <a:defRPr sz="2400"/>
+            </a:lvl2pPr>
+            <a:lvl3pPr>
+              <a:defRPr sz="2000"/>
+            </a:lvl3pPr>
+            <a:lvl4pPr>
+              <a:defRPr sz="1800"/>
+            </a:lvl4pPr>
+            <a:lvl5pPr>
+              <a:defRPr sz="1800"/>
+            </a:lvl5pPr>
+            <a:lvl6pPr>
+              <a:defRPr sz="1800"/>
+            </a:lvl6pPr>
+            <a:lvl7pPr>
+              <a:defRPr sz="1800"/>
+            </a:lvl7pPr>
+            <a:lvl8pPr>
+              <a:defRPr sz="1800"/>
+            </a:lvl8pPr>
+            <a:lvl9pPr>
+              <a:defRPr sz="1800"/>
+            </a:lvl9pPr>
+          </a:lstStyle>
+          <a:p>
+            <a:pPr lvl="0"/>
+            <a:r>
+              <a:rPr lang="en-US" smtClean="0"/>
+              <a:t>Click to edit Master text styles</a:t>
+            </a:r>
+          </a:p>
+          <a:p>
+            <a:pPr lvl="1"/>
+            <a:r>
+              <a:rPr lang="en-US" smtClean="0"/>
+              <a:t>Second level</a:t>
+            </a:r>
+          </a:p>
+          <a:p>
+            <a:pPr lvl="2"/>
+            <a:r>
+              <a:rPr lang="en-US" smtClean="0"/>
+              <a:t>Third level</a:t>
+            </a:r>
+          </a:p>
+          <a:p>
+            <a:pPr lvl="3"/>
+            <a:r>
+              <a:rPr lang="en-US" smtClean="0"/>
+              <a:t>Fourth level</a:t>
+            </a:r>
+          </a:p>
+          <a:p>
+            <a:pPr lvl="4"/>
+            <a:r>
+              <a:rPr lang="en-US" smtClean="0"/>
+              <a:t>Fifth level</a:t>
+            </a:r>
+            <a:endParaRPr lang="en-GB"/>
           </a:p>
         </p:txBody>
       </p:sp>
@@ -1349,7 +1333,8 @@
           <a:p>
             <a:fld id="{7F97EE62-E3D0-4E7B-B469-EAEE700658EE}" type="datetimeFigureOut">
               <a:rPr lang="en-GB" smtClean="0"/>
-              <a:t>16/02/2012</a:t>
+              <a:pPr/>
+              <a:t>19/02/2012</a:t>
             </a:fld>
             <a:endParaRPr lang="en-GB"/>
           </a:p>
@@ -1391,102 +1376,13 @@
           <a:p>
             <a:fld id="{5D8511BD-094F-4FD0-B9E7-C347FC64F4DF}" type="slidenum">
               <a:rPr lang="en-GB" smtClean="0"/>
+              <a:pPr/>
               <a:t>‹#›</a:t>
             </a:fld>
             <a:endParaRPr lang="en-GB"/>
           </a:p>
         </p:txBody>
       </p:sp>
-      <p:sp>
-        <p:nvSpPr>
-          <p:cNvPr id="12" name="Content Placeholder 11"/>
-          <p:cNvSpPr>
-            <a:spLocks noGrp="1"/>
-          </p:cNvSpPr>
-          <p:nvPr>
-            <p:ph sz="quarter" idx="14"/>
-          </p:nvPr>
-        </p:nvSpPr>
-        <p:spPr>
-          <a:xfrm>
-            <a:off x="4648200" y="2438400"/>
-            <a:ext cx="3124200" cy="3124200"/>
-          </a:xfrm>
-        </p:spPr>
-        <p:txBody>
-          <a:bodyPr/>
-          <a:lstStyle/>
-          <a:p>
-            <a:pPr lvl="0"/>
-            <a:r>
-              <a:rPr lang="en-US" smtClean="0"/>
-              <a:t>Click to edit Master text styles</a:t>
-            </a:r>
-          </a:p>
-          <a:p>
-            <a:pPr lvl="1"/>
-            <a:r>
-              <a:rPr lang="en-US" smtClean="0"/>
-              <a:t>Second level</a:t>
-            </a:r>
-          </a:p>
-          <a:p>
-            <a:pPr lvl="2"/>
-            <a:r>
-              <a:rPr lang="en-US" smtClean="0"/>
-              <a:t>Third level</a:t>
-            </a:r>
-          </a:p>
-          <a:p>
-            <a:pPr lvl="3"/>
-            <a:r>
-              <a:rPr lang="en-US" smtClean="0"/>
-              <a:t>Fourth level</a:t>
-            </a:r>
-          </a:p>
-          <a:p>
-            <a:pPr lvl="4"/>
-            <a:r>
-              <a:rPr lang="en-US" smtClean="0"/>
-              <a:t>Fifth level</a:t>
-            </a:r>
-            <a:endParaRPr lang="en-US" dirty="0"/>
-          </a:p>
-        </p:txBody>
-      </p:sp>
-      <p:pic>
-        <p:nvPicPr>
-          <p:cNvPr id="9" name="Picture 8" descr="flourish2.png"/>
-          <p:cNvPicPr>
-            <a:picLocks noChangeAspect="1"/>
-          </p:cNvPicPr>
-          <p:nvPr/>
-        </p:nvPicPr>
-        <p:blipFill>
-          <a:blip r:embed="rId2">
-            <a:duotone>
-              <a:prstClr val="black"/>
-              <a:schemeClr val="tx2">
-                <a:tint val="45000"/>
-                <a:satMod val="400000"/>
-              </a:schemeClr>
-            </a:duotone>
-            <a:lum bright="-14000"/>
-          </a:blip>
-          <a:stretch>
-            <a:fillRect/>
-          </a:stretch>
-        </p:blipFill>
-        <p:spPr>
-          <a:xfrm>
-            <a:off x="0" y="1618488"/>
-            <a:ext cx="9144000" cy="932688"/>
-          </a:xfrm>
-          <a:prstGeom prst="rect">
-            <a:avLst/>
-          </a:prstGeom>
-        </p:spPr>
-      </p:pic>
     </p:spTree>
   </p:cSld>
   <p:clrMapOvr>
@@ -1512,158 +1408,6 @@
           <a:chExt cx="0" cy="0"/>
         </a:xfrm>
       </p:grpSpPr>
-      <p:pic>
-        <p:nvPicPr>
-          <p:cNvPr id="12" name="Picture 11" descr="flourish2.png"/>
-          <p:cNvPicPr>
-            <a:picLocks noChangeAspect="1"/>
-          </p:cNvPicPr>
-          <p:nvPr/>
-        </p:nvPicPr>
-        <p:blipFill>
-          <a:blip r:embed="rId2">
-            <a:clrChange>
-              <a:clrFrom>
-                <a:srgbClr val="000000">
-                  <a:alpha val="0"/>
-                </a:srgbClr>
-              </a:clrFrom>
-              <a:clrTo>
-                <a:srgbClr val="000000">
-                  <a:alpha val="0"/>
-                </a:srgbClr>
-              </a:clrTo>
-            </a:clrChange>
-            <a:lum bright="-14000"/>
-          </a:blip>
-          <a:stretch>
-            <a:fillRect/>
-          </a:stretch>
-        </p:blipFill>
-        <p:spPr>
-          <a:xfrm>
-            <a:off x="0" y="1618488"/>
-            <a:ext cx="9144000" cy="932688"/>
-          </a:xfrm>
-          <a:prstGeom prst="rect">
-            <a:avLst/>
-          </a:prstGeom>
-        </p:spPr>
-      </p:pic>
-      <p:sp>
-        <p:nvSpPr>
-          <p:cNvPr id="11" name="Content Placeholder 10"/>
-          <p:cNvSpPr>
-            <a:spLocks noGrp="1"/>
-          </p:cNvSpPr>
-          <p:nvPr>
-            <p:ph sz="quarter" idx="13"/>
-          </p:nvPr>
-        </p:nvSpPr>
-        <p:spPr>
-          <a:xfrm>
-            <a:off x="1371600" y="2819400"/>
-            <a:ext cx="3124200" cy="2743200"/>
-          </a:xfrm>
-        </p:spPr>
-        <p:txBody>
-          <a:bodyPr/>
-          <a:lstStyle/>
-          <a:p>
-            <a:pPr lvl="0"/>
-            <a:r>
-              <a:rPr lang="en-US" smtClean="0"/>
-              <a:t>Click to edit Master text styles</a:t>
-            </a:r>
-          </a:p>
-          <a:p>
-            <a:pPr lvl="1"/>
-            <a:r>
-              <a:rPr lang="en-US" smtClean="0"/>
-              <a:t>Second level</a:t>
-            </a:r>
-          </a:p>
-          <a:p>
-            <a:pPr lvl="2"/>
-            <a:r>
-              <a:rPr lang="en-US" smtClean="0"/>
-              <a:t>Third level</a:t>
-            </a:r>
-          </a:p>
-          <a:p>
-            <a:pPr lvl="3"/>
-            <a:r>
-              <a:rPr lang="en-US" smtClean="0"/>
-              <a:t>Fourth level</a:t>
-            </a:r>
-          </a:p>
-          <a:p>
-            <a:pPr lvl="4"/>
-            <a:r>
-              <a:rPr lang="en-US" smtClean="0"/>
-              <a:t>Fifth level</a:t>
-            </a:r>
-            <a:endParaRPr lang="en-US" dirty="0"/>
-          </a:p>
-        </p:txBody>
-      </p:sp>
-      <p:sp>
-        <p:nvSpPr>
-          <p:cNvPr id="13" name="Content Placeholder 12"/>
-          <p:cNvSpPr>
-            <a:spLocks noGrp="1"/>
-          </p:cNvSpPr>
-          <p:nvPr>
-            <p:ph sz="quarter" idx="14"/>
-          </p:nvPr>
-        </p:nvSpPr>
-        <p:spPr>
-          <a:xfrm>
-            <a:off x="4648200" y="2819400"/>
-            <a:ext cx="3124200" cy="2743200"/>
-          </a:xfrm>
-        </p:spPr>
-        <p:txBody>
-          <a:bodyPr/>
-          <a:lstStyle/>
-          <a:p>
-            <a:pPr lvl="0"/>
-            <a:r>
-              <a:rPr lang="en-US" smtClean="0"/>
-              <a:t>Click to edit Master text styles</a:t>
-            </a:r>
-          </a:p>
-          <a:p>
-            <a:pPr lvl="1"/>
-            <a:r>
-              <a:rPr lang="en-US" smtClean="0"/>
-              <a:t>Second level</a:t>
-            </a:r>
-          </a:p>
-          <a:p>
-            <a:pPr lvl="2"/>
-            <a:r>
-              <a:rPr lang="en-US" smtClean="0"/>
-              <a:t>Third level</a:t>
-            </a:r>
-          </a:p>
-          <a:p>
-            <a:pPr lvl="3"/>
-            <a:r>
-              <a:rPr lang="en-US" smtClean="0"/>
-              <a:t>Fourth level</a:t>
-            </a:r>
-          </a:p>
-          <a:p>
-            <a:pPr lvl="4"/>
-            <a:r>
-              <a:rPr lang="en-US" smtClean="0"/>
-              <a:t>Fifth level</a:t>
-            </a:r>
-            <a:endParaRPr lang="en-US" dirty="0"/>
-          </a:p>
-        </p:txBody>
-      </p:sp>
       <p:sp>
         <p:nvSpPr>
           <p:cNvPr id="2" name="Title 1"/>
@@ -1687,7 +1431,7 @@
               <a:rPr lang="en-US" smtClean="0"/>
               <a:t>Click to edit Master title style</a:t>
             </a:r>
-            <a:endParaRPr lang="en-US"/>
+            <a:endParaRPr lang="en-GB"/>
           </a:p>
         </p:txBody>
       </p:sp>
@@ -1703,16 +1447,16 @@
         </p:nvSpPr>
         <p:spPr>
           <a:xfrm>
-            <a:off x="1371600" y="2362201"/>
-            <a:ext cx="3125788" cy="451338"/>
+            <a:off x="457200" y="1535113"/>
+            <a:ext cx="4040188" cy="639762"/>
           </a:xfrm>
         </p:spPr>
         <p:txBody>
           <a:bodyPr anchor="b"/>
           <a:lstStyle>
-            <a:lvl1pPr marL="0" indent="0" algn="ctr">
-              <a:buNone/>
-              <a:defRPr sz="1800" b="1" baseline="0"/>
+            <a:lvl1pPr marL="0" indent="0">
+              <a:buNone/>
+              <a:defRPr sz="2400" b="1"/>
             </a:lvl1pPr>
             <a:lvl2pPr marL="457200" indent="0">
               <a:buNone/>
@@ -1758,26 +1502,111 @@
       </p:sp>
       <p:sp>
         <p:nvSpPr>
-          <p:cNvPr id="5" name="Text Placeholder 4"/>
-          <p:cNvSpPr>
-            <a:spLocks noGrp="1"/>
-          </p:cNvSpPr>
-          <p:nvPr>
-            <p:ph type="body" sz="quarter" idx="3"/>
+          <p:cNvPr id="4" name="Content Placeholder 3"/>
+          <p:cNvSpPr>
+            <a:spLocks noGrp="1"/>
+          </p:cNvSpPr>
+          <p:nvPr>
+            <p:ph sz="half" idx="2"/>
           </p:nvPr>
         </p:nvSpPr>
         <p:spPr>
           <a:xfrm>
-            <a:off x="4645025" y="2359152"/>
-            <a:ext cx="3127375" cy="448056"/>
+            <a:off x="457200" y="2174875"/>
+            <a:ext cx="4040188" cy="3951288"/>
           </a:xfrm>
         </p:spPr>
         <p:txBody>
+          <a:bodyPr/>
+          <a:lstStyle>
+            <a:lvl1pPr>
+              <a:defRPr sz="2400"/>
+            </a:lvl1pPr>
+            <a:lvl2pPr>
+              <a:defRPr sz="2000"/>
+            </a:lvl2pPr>
+            <a:lvl3pPr>
+              <a:defRPr sz="1800"/>
+            </a:lvl3pPr>
+            <a:lvl4pPr>
+              <a:defRPr sz="1600"/>
+            </a:lvl4pPr>
+            <a:lvl5pPr>
+              <a:defRPr sz="1600"/>
+            </a:lvl5pPr>
+            <a:lvl6pPr>
+              <a:defRPr sz="1600"/>
+            </a:lvl6pPr>
+            <a:lvl7pPr>
+              <a:defRPr sz="1600"/>
+            </a:lvl7pPr>
+            <a:lvl8pPr>
+              <a:defRPr sz="1600"/>
+            </a:lvl8pPr>
+            <a:lvl9pPr>
+              <a:defRPr sz="1600"/>
+            </a:lvl9pPr>
+          </a:lstStyle>
+          <a:p>
+            <a:pPr lvl="0"/>
+            <a:r>
+              <a:rPr lang="en-US" smtClean="0"/>
+              <a:t>Click to edit Master text styles</a:t>
+            </a:r>
+          </a:p>
+          <a:p>
+            <a:pPr lvl="1"/>
+            <a:r>
+              <a:rPr lang="en-US" smtClean="0"/>
+              <a:t>Second level</a:t>
+            </a:r>
+          </a:p>
+          <a:p>
+            <a:pPr lvl="2"/>
+            <a:r>
+              <a:rPr lang="en-US" smtClean="0"/>
+              <a:t>Third level</a:t>
+            </a:r>
+          </a:p>
+          <a:p>
+            <a:pPr lvl="3"/>
+            <a:r>
+              <a:rPr lang="en-US" smtClean="0"/>
+              <a:t>Fourth level</a:t>
+            </a:r>
+          </a:p>
+          <a:p>
+            <a:pPr lvl="4"/>
+            <a:r>
+              <a:rPr lang="en-US" smtClean="0"/>
+              <a:t>Fifth level</a:t>
+            </a:r>
+            <a:endParaRPr lang="en-GB"/>
+          </a:p>
+        </p:txBody>
+      </p:sp>
+      <p:sp>
+        <p:nvSpPr>
+          <p:cNvPr id="5" name="Text Placeholder 4"/>
+          <p:cNvSpPr>
+            <a:spLocks noGrp="1"/>
+          </p:cNvSpPr>
+          <p:nvPr>
+            <p:ph type="body" sz="quarter" idx="3"/>
+          </p:nvPr>
+        </p:nvSpPr>
+        <p:spPr>
+          <a:xfrm>
+            <a:off x="4645025" y="1535113"/>
+            <a:ext cx="4041775" cy="639762"/>
+          </a:xfrm>
+        </p:spPr>
+        <p:txBody>
           <a:bodyPr anchor="b"/>
           <a:lstStyle>
-            <a:lvl1pPr marL="0" indent="0" algn="ctr">
-              <a:buNone/>
-              <a:defRPr sz="1800" b="1" baseline="0"/>
+            <a:lvl1pPr marL="0" indent="0">
+              <a:buNone/>
+              <a:defRPr sz="2400" b="1"/>
             </a:lvl1pPr>
             <a:lvl2pPr marL="457200" indent="0">
               <a:buNone/>
@@ -1823,6 +1652,91 @@
       </p:sp>
       <p:sp>
         <p:nvSpPr>
+          <p:cNvPr id="6" name="Content Placeholder 5"/>
+          <p:cNvSpPr>
+            <a:spLocks noGrp="1"/>
+          </p:cNvSpPr>
+          <p:nvPr>
+            <p:ph sz="quarter" idx="4"/>
+          </p:nvPr>
+        </p:nvSpPr>
+        <p:spPr>
+          <a:xfrm>
+            <a:off x="4645025" y="2174875"/>
+            <a:ext cx="4041775" cy="3951288"/>
+          </a:xfrm>
+        </p:spPr>
+        <p:txBody>
+          <a:bodyPr/>
+          <a:lstStyle>
+            <a:lvl1pPr>
+              <a:defRPr sz="2400"/>
+            </a:lvl1pPr>
+            <a:lvl2pPr>
+              <a:defRPr sz="2000"/>
+            </a:lvl2pPr>
+            <a:lvl3pPr>
+              <a:defRPr sz="1800"/>
+            </a:lvl3pPr>
+            <a:lvl4pPr>
+              <a:defRPr sz="1600"/>
+            </a:lvl4pPr>
+            <a:lvl5pPr>
+              <a:defRPr sz="1600"/>
+            </a:lvl5pPr>
+            <a:lvl6pPr>
+              <a:defRPr sz="1600"/>
+            </a:lvl6pPr>
+            <a:lvl7pPr>
+              <a:defRPr sz="1600"/>
+            </a:lvl7pPr>
+            <a:lvl8pPr>
+              <a:defRPr sz="1600"/>
+            </a:lvl8pPr>
+            <a:lvl9pPr>
+              <a:defRPr sz="1600"/>
+            </a:lvl9pPr>
+          </a:lstStyle>
+          <a:p>
+            <a:pPr lvl="0"/>
+            <a:r>
+              <a:rPr lang="en-US" smtClean="0"/>
+              <a:t>Click to edit Master text styles</a:t>
+            </a:r>
+          </a:p>
+          <a:p>
+            <a:pPr lvl="1"/>
+            <a:r>
+              <a:rPr lang="en-US" smtClean="0"/>
+              <a:t>Second level</a:t>
+            </a:r>
+          </a:p>
+          <a:p>
+            <a:pPr lvl="2"/>
+            <a:r>
+              <a:rPr lang="en-US" smtClean="0"/>
+              <a:t>Third level</a:t>
+            </a:r>
+          </a:p>
+          <a:p>
+            <a:pPr lvl="3"/>
+            <a:r>
+              <a:rPr lang="en-US" smtClean="0"/>
+              <a:t>Fourth level</a:t>
+            </a:r>
+          </a:p>
+          <a:p>
+            <a:pPr lvl="4"/>
+            <a:r>
+              <a:rPr lang="en-US" smtClean="0"/>
+              <a:t>Fifth level</a:t>
+            </a:r>
+            <a:endParaRPr lang="en-GB"/>
+          </a:p>
+        </p:txBody>
+      </p:sp>
+      <p:sp>
+        <p:nvSpPr>
           <p:cNvPr id="7" name="Date Placeholder 6"/>
           <p:cNvSpPr>
             <a:spLocks noGrp="1"/>
@@ -1838,7 +1752,8 @@
           <a:p>
             <a:fld id="{7F97EE62-E3D0-4E7B-B469-EAEE700658EE}" type="datetimeFigureOut">
               <a:rPr lang="en-GB" smtClean="0"/>
-              <a:t>16/02/2012</a:t>
+              <a:pPr/>
+              <a:t>19/02/2012</a:t>
             </a:fld>
             <a:endParaRPr lang="en-GB"/>
           </a:p>
@@ -1880,6 +1795,7 @@
           <a:p>
             <a:fld id="{5D8511BD-094F-4FD0-B9E7-C347FC64F4DF}" type="slidenum">
               <a:rPr lang="en-GB" smtClean="0"/>
+              <a:pPr/>
               <a:t>‹#›</a:t>
             </a:fld>
             <a:endParaRPr lang="en-GB"/>
@@ -1930,7 +1846,7 @@
               <a:rPr lang="en-US" smtClean="0"/>
               <a:t>Click to edit Master title style</a:t>
             </a:r>
-            <a:endParaRPr lang="en-US"/>
+            <a:endParaRPr lang="en-GB"/>
           </a:p>
         </p:txBody>
       </p:sp>
@@ -1951,7 +1867,8 @@
           <a:p>
             <a:fld id="{7F97EE62-E3D0-4E7B-B469-EAEE700658EE}" type="datetimeFigureOut">
               <a:rPr lang="en-GB" smtClean="0"/>
-              <a:t>16/02/2012</a:t>
+              <a:pPr/>
+              <a:t>19/02/2012</a:t>
             </a:fld>
             <a:endParaRPr lang="en-GB"/>
           </a:p>
@@ -1993,45 +1910,13 @@
           <a:p>
             <a:fld id="{5D8511BD-094F-4FD0-B9E7-C347FC64F4DF}" type="slidenum">
               <a:rPr lang="en-GB" smtClean="0"/>
+              <a:pPr/>
               <a:t>‹#›</a:t>
             </a:fld>
             <a:endParaRPr lang="en-GB"/>
           </a:p>
         </p:txBody>
       </p:sp>
-      <p:pic>
-        <p:nvPicPr>
-          <p:cNvPr id="7" name="Picture 6" descr="flourish2.png"/>
-          <p:cNvPicPr>
-            <a:picLocks noChangeAspect="1"/>
-          </p:cNvPicPr>
-          <p:nvPr/>
-        </p:nvPicPr>
-        <p:blipFill>
-          <a:blip r:embed="rId2">
-            <a:duotone>
-              <a:prstClr val="black"/>
-              <a:schemeClr val="tx2">
-                <a:tint val="45000"/>
-                <a:satMod val="400000"/>
-              </a:schemeClr>
-            </a:duotone>
-            <a:lum bright="-14000"/>
-          </a:blip>
-          <a:stretch>
-            <a:fillRect/>
-          </a:stretch>
-        </p:blipFill>
-        <p:spPr>
-          <a:xfrm>
-            <a:off x="0" y="1618488"/>
-            <a:ext cx="9144000" cy="932688"/>
-          </a:xfrm>
-          <a:prstGeom prst="rect">
-            <a:avLst/>
-          </a:prstGeom>
-        </p:spPr>
-      </p:pic>
     </p:spTree>
   </p:cSld>
   <p:clrMapOvr>
@@ -2059,7 +1944,7 @@
       </p:grpSpPr>
       <p:sp>
         <p:nvSpPr>
-          <p:cNvPr id="5" name="Date Placeholder 4"/>
+          <p:cNvPr id="2" name="Date Placeholder 1"/>
           <p:cNvSpPr>
             <a:spLocks noGrp="1"/>
           </p:cNvSpPr>
@@ -2074,7 +1959,8 @@
           <a:p>
             <a:fld id="{7F97EE62-E3D0-4E7B-B469-EAEE700658EE}" type="datetimeFigureOut">
               <a:rPr lang="en-GB" smtClean="0"/>
-              <a:t>16/02/2012</a:t>
+              <a:pPr/>
+              <a:t>19/02/2012</a:t>
             </a:fld>
             <a:endParaRPr lang="en-GB"/>
           </a:p>
@@ -2082,7 +1968,7 @@
       </p:sp>
       <p:sp>
         <p:nvSpPr>
-          <p:cNvPr id="6" name="Footer Placeholder 5"/>
+          <p:cNvPr id="3" name="Footer Placeholder 2"/>
           <p:cNvSpPr>
             <a:spLocks noGrp="1"/>
           </p:cNvSpPr>
@@ -2101,7 +1987,7 @@
       </p:sp>
       <p:sp>
         <p:nvSpPr>
-          <p:cNvPr id="7" name="Slide Number Placeholder 6"/>
+          <p:cNvPr id="4" name="Slide Number Placeholder 3"/>
           <p:cNvSpPr>
             <a:spLocks noGrp="1"/>
           </p:cNvSpPr>
@@ -2116,6 +2002,7 @@
           <a:p>
             <a:fld id="{5D8511BD-094F-4FD0-B9E7-C347FC64F4DF}" type="slidenum">
               <a:rPr lang="en-GB" smtClean="0"/>
+              <a:pPr/>
               <a:t>‹#›</a:t>
             </a:fld>
             <a:endParaRPr lang="en-GB"/>
@@ -2159,17 +2046,15 @@
         </p:nvSpPr>
         <p:spPr>
           <a:xfrm>
-            <a:off x="4953001" y="1676400"/>
-            <a:ext cx="2819399" cy="599440"/>
+            <a:off x="457200" y="273050"/>
+            <a:ext cx="3008313" cy="1162050"/>
           </a:xfrm>
         </p:spPr>
         <p:txBody>
-          <a:bodyPr anchor="b">
-            <a:noAutofit/>
-          </a:bodyPr>
+          <a:bodyPr anchor="b"/>
           <a:lstStyle>
-            <a:lvl1pPr algn="ctr">
-              <a:defRPr sz="1700" b="1" cap="all" spc="0" baseline="0"/>
+            <a:lvl1pPr algn="l">
+              <a:defRPr sz="2000" b="1"/>
             </a:lvl1pPr>
           </a:lstStyle>
           <a:p>
@@ -2177,30 +2062,115 @@
               <a:rPr lang="en-US" smtClean="0"/>
               <a:t>Click to edit Master title style</a:t>
             </a:r>
-            <a:endParaRPr lang="en-US" dirty="0"/>
-          </a:p>
-        </p:txBody>
-      </p:sp>
-      <p:sp>
-        <p:nvSpPr>
-          <p:cNvPr id="4" name="Text Placeholder 3"/>
-          <p:cNvSpPr>
-            <a:spLocks noGrp="1"/>
-          </p:cNvSpPr>
-          <p:nvPr>
-            <p:ph type="body" sz="half" idx="2"/>
+            <a:endParaRPr lang="en-GB"/>
+          </a:p>
+        </p:txBody>
+      </p:sp>
+      <p:sp>
+        <p:nvSpPr>
+          <p:cNvPr id="3" name="Content Placeholder 2"/>
+          <p:cNvSpPr>
+            <a:spLocks noGrp="1"/>
+          </p:cNvSpPr>
+          <p:nvPr>
+            <p:ph idx="1"/>
           </p:nvPr>
         </p:nvSpPr>
         <p:spPr>
           <a:xfrm>
-            <a:off x="4953001" y="2275840"/>
-            <a:ext cx="2819399" cy="2905760"/>
+            <a:off x="3575050" y="273050"/>
+            <a:ext cx="5111750" cy="5853113"/>
           </a:xfrm>
         </p:spPr>
         <p:txBody>
           <a:bodyPr/>
           <a:lstStyle>
-            <a:lvl1pPr marL="0" indent="0" algn="ctr">
+            <a:lvl1pPr>
+              <a:defRPr sz="3200"/>
+            </a:lvl1pPr>
+            <a:lvl2pPr>
+              <a:defRPr sz="2800"/>
+            </a:lvl2pPr>
+            <a:lvl3pPr>
+              <a:defRPr sz="2400"/>
+            </a:lvl3pPr>
+            <a:lvl4pPr>
+              <a:defRPr sz="2000"/>
+            </a:lvl4pPr>
+            <a:lvl5pPr>
+              <a:defRPr sz="2000"/>
+            </a:lvl5pPr>
+            <a:lvl6pPr>
+              <a:defRPr sz="2000"/>
+            </a:lvl6pPr>
+            <a:lvl7pPr>
+              <a:defRPr sz="2000"/>
+            </a:lvl7pPr>
+            <a:lvl8pPr>
+              <a:defRPr sz="2000"/>
+            </a:lvl8pPr>
+            <a:lvl9pPr>
+              <a:defRPr sz="2000"/>
+            </a:lvl9pPr>
+          </a:lstStyle>
+          <a:p>
+            <a:pPr lvl="0"/>
+            <a:r>
+              <a:rPr lang="en-US" smtClean="0"/>
+              <a:t>Click to edit Master text styles</a:t>
+            </a:r>
+          </a:p>
+          <a:p>
+            <a:pPr lvl="1"/>
+            <a:r>
+              <a:rPr lang="en-US" smtClean="0"/>
+              <a:t>Second level</a:t>
+            </a:r>
+          </a:p>
+          <a:p>
+            <a:pPr lvl="2"/>
+            <a:r>
+              <a:rPr lang="en-US" smtClean="0"/>
+              <a:t>Third level</a:t>
+            </a:r>
+          </a:p>
+          <a:p>
+            <a:pPr lvl="3"/>
+            <a:r>
+              <a:rPr lang="en-US" smtClean="0"/>
+              <a:t>Fourth level</a:t>
+            </a:r>
+          </a:p>
+          <a:p>
+            <a:pPr lvl="4"/>
+            <a:r>
+              <a:rPr lang="en-US" smtClean="0"/>
+              <a:t>Fifth level</a:t>
+            </a:r>
+            <a:endParaRPr lang="en-GB"/>
+          </a:p>
+        </p:txBody>
+      </p:sp>
+      <p:sp>
+        <p:nvSpPr>
+          <p:cNvPr id="4" name="Text Placeholder 3"/>
+          <p:cNvSpPr>
+            <a:spLocks noGrp="1"/>
+          </p:cNvSpPr>
+          <p:nvPr>
+            <p:ph type="body" sz="half" idx="2"/>
+          </p:nvPr>
+        </p:nvSpPr>
+        <p:spPr>
+          <a:xfrm>
+            <a:off x="457200" y="1435100"/>
+            <a:ext cx="3008313" cy="4691063"/>
+          </a:xfrm>
+        </p:spPr>
+        <p:txBody>
+          <a:bodyPr/>
+          <a:lstStyle>
+            <a:lvl1pPr marL="0" indent="0">
               <a:buNone/>
               <a:defRPr sz="1400"/>
             </a:lvl1pPr>
@@ -2263,7 +2233,8 @@
           <a:p>
             <a:fld id="{7F97EE62-E3D0-4E7B-B469-EAEE700658EE}" type="datetimeFigureOut">
               <a:rPr lang="en-GB" smtClean="0"/>
-              <a:t>16/02/2012</a:t>
+              <a:pPr/>
+              <a:t>19/02/2012</a:t>
             </a:fld>
             <a:endParaRPr lang="en-GB"/>
           </a:p>
@@ -2305,66 +2276,10 @@
           <a:p>
             <a:fld id="{5D8511BD-094F-4FD0-B9E7-C347FC64F4DF}" type="slidenum">
               <a:rPr lang="en-GB" smtClean="0"/>
+              <a:pPr/>
               <a:t>‹#›</a:t>
             </a:fld>
             <a:endParaRPr lang="en-GB"/>
-          </a:p>
-        </p:txBody>
-      </p:sp>
-      <p:sp>
-        <p:nvSpPr>
-          <p:cNvPr id="9" name="Content Placeholder 8"/>
-          <p:cNvSpPr>
-            <a:spLocks noGrp="1"/>
-          </p:cNvSpPr>
-          <p:nvPr>
-            <p:ph sz="quarter" idx="13"/>
-          </p:nvPr>
-        </p:nvSpPr>
-        <p:spPr>
-          <a:xfrm>
-            <a:off x="1371600" y="1676400"/>
-            <a:ext cx="3276600" cy="3505200"/>
-          </a:xfrm>
-        </p:spPr>
-        <p:txBody>
-          <a:bodyPr/>
-          <a:lstStyle/>
-          <a:p>
-            <a:pPr lvl="0"/>
-            <a:r>
-              <a:rPr lang="en-US" smtClean="0"/>
-              <a:t>Click to edit Master text styles</a:t>
-            </a:r>
-          </a:p>
-          <a:p>
-            <a:pPr lvl="1"/>
-            <a:r>
-              <a:rPr lang="en-US" smtClean="0"/>
-              <a:t>Second level</a:t>
-            </a:r>
-          </a:p>
-          <a:p>
-            <a:pPr lvl="2"/>
-            <a:r>
-              <a:rPr lang="en-US" smtClean="0"/>
-              <a:t>Third level</a:t>
-            </a:r>
-          </a:p>
-          <a:p>
-            <a:pPr lvl="3"/>
-            <a:r>
-              <a:rPr lang="en-US" smtClean="0"/>
-              <a:t>Fourth level</a:t>
-            </a:r>
-          </a:p>
-          <a:p>
-            <a:pPr lvl="4"/>
-            <a:r>
-              <a:rPr lang="en-US" smtClean="0"/>
-              <a:t>Fifth level</a:t>
-            </a:r>
-            <a:endParaRPr lang="en-US" dirty="0"/>
           </a:p>
         </p:txBody>
       </p:sp>
@@ -2395,132 +2310,58 @@
       </p:grpSpPr>
       <p:sp>
         <p:nvSpPr>
-          <p:cNvPr id="10" name="Plaque 9"/>
-          <p:cNvSpPr/>
-          <p:nvPr/>
+          <p:cNvPr id="2" name="Title 1"/>
+          <p:cNvSpPr>
+            <a:spLocks noGrp="1"/>
+          </p:cNvSpPr>
+          <p:nvPr>
+            <p:ph type="title"/>
+          </p:nvPr>
         </p:nvSpPr>
         <p:spPr>
           <a:xfrm>
-            <a:off x="1463040" y="1847088"/>
-            <a:ext cx="3090672" cy="3090672"/>
+            <a:off x="1792288" y="4800600"/>
+            <a:ext cx="5486400" cy="566738"/>
           </a:xfrm>
-          <a:prstGeom prst="plaque">
-            <a:avLst>
-              <a:gd name="adj" fmla="val 8438"/>
-            </a:avLst>
-          </a:prstGeom>
-          <a:noFill/>
-          <a:ln w="9525">
-            <a:solidFill>
-              <a:schemeClr val="tx2">
-                <a:alpha val="17000"/>
-              </a:schemeClr>
-            </a:solidFill>
-            <a:miter lim="800000"/>
-          </a:ln>
         </p:spPr>
-        <p:style>
-          <a:lnRef idx="2">
-            <a:schemeClr val="accent1">
-              <a:shade val="50000"/>
-            </a:schemeClr>
-          </a:lnRef>
-          <a:fillRef idx="1">
-            <a:schemeClr val="accent1"/>
-          </a:fillRef>
-          <a:effectRef idx="0">
-            <a:schemeClr val="accent1"/>
-          </a:effectRef>
-          <a:fontRef idx="minor">
-            <a:schemeClr val="lt1"/>
-          </a:fontRef>
-        </p:style>
-        <p:txBody>
-          <a:bodyPr rtlCol="0" anchor="ctr"/>
-          <a:lstStyle/>
-          <a:p>
-            <a:pPr algn="ctr"/>
-            <a:endParaRPr lang="en-US"/>
-          </a:p>
-        </p:txBody>
-      </p:sp>
-      <p:sp>
-        <p:nvSpPr>
-          <p:cNvPr id="2" name="Title 1"/>
-          <p:cNvSpPr>
-            <a:spLocks noGrp="1"/>
-          </p:cNvSpPr>
-          <p:nvPr>
-            <p:ph type="title"/>
+        <p:txBody>
+          <a:bodyPr anchor="b"/>
+          <a:lstStyle>
+            <a:lvl1pPr algn="l">
+              <a:defRPr sz="2000" b="1"/>
+            </a:lvl1pPr>
+          </a:lstStyle>
+          <a:p>
+            <a:r>
+              <a:rPr lang="en-US" smtClean="0"/>
+              <a:t>Click to edit Master title style</a:t>
+            </a:r>
+            <a:endParaRPr lang="en-GB"/>
+          </a:p>
+        </p:txBody>
+      </p:sp>
+      <p:sp>
+        <p:nvSpPr>
+          <p:cNvPr id="3" name="Picture Placeholder 2"/>
+          <p:cNvSpPr>
+            <a:spLocks noGrp="1"/>
+          </p:cNvSpPr>
+          <p:nvPr>
+            <p:ph type="pic" idx="1"/>
           </p:nvPr>
         </p:nvSpPr>
         <p:spPr>
           <a:xfrm>
-            <a:off x="4953000" y="1676400"/>
-            <a:ext cx="2819400" cy="599440"/>
+            <a:off x="1792288" y="612775"/>
+            <a:ext cx="5486400" cy="4114800"/>
           </a:xfrm>
         </p:spPr>
         <p:txBody>
-          <a:bodyPr anchor="b">
-            <a:noAutofit/>
-          </a:bodyPr>
+          <a:bodyPr/>
           <a:lstStyle>
-            <a:lvl1pPr algn="ctr">
-              <a:defRPr sz="1700" b="1" cap="all" spc="0" baseline="0"/>
-            </a:lvl1pPr>
-          </a:lstStyle>
-          <a:p>
-            <a:r>
-              <a:rPr lang="en-US" smtClean="0"/>
-              <a:t>Click to edit Master title style</a:t>
-            </a:r>
-            <a:endParaRPr lang="en-US" dirty="0"/>
-          </a:p>
-        </p:txBody>
-      </p:sp>
-      <p:sp>
-        <p:nvSpPr>
-          <p:cNvPr id="3" name="Picture Placeholder 2"/>
-          <p:cNvSpPr>
-            <a:spLocks noGrp="1"/>
-          </p:cNvSpPr>
-          <p:nvPr>
-            <p:ph type="pic" idx="1"/>
-          </p:nvPr>
-        </p:nvSpPr>
-        <p:spPr>
-          <a:xfrm>
-            <a:off x="1524000" y="1905000"/>
-            <a:ext cx="2971800" cy="2971800"/>
-          </a:xfrm>
-          <a:prstGeom prst="plaque">
-            <a:avLst>
-              <a:gd name="adj" fmla="val 8341"/>
-            </a:avLst>
-          </a:prstGeom>
-          <a:solidFill>
-            <a:schemeClr val="bg1">
-              <a:lumMod val="95000"/>
-              <a:alpha val="35000"/>
-            </a:schemeClr>
-          </a:solidFill>
-          <a:ln w="98425" cmpd="thinThick">
-            <a:noFill/>
-            <a:bevel/>
-          </a:ln>
-        </p:spPr>
-        <p:txBody>
-          <a:bodyPr>
-            <a:normAutofit/>
-          </a:bodyPr>
-          <a:lstStyle>
-            <a:lvl1pPr marL="0" indent="0" algn="ctr">
-              <a:buNone/>
-              <a:defRPr sz="1800" baseline="0">
-                <a:solidFill>
-                  <a:schemeClr val="tx2"/>
-                </a:solidFill>
-              </a:defRPr>
+            <a:lvl1pPr marL="0" indent="0">
+              <a:buNone/>
+              <a:defRPr sz="3200"/>
             </a:lvl1pPr>
             <a:lvl2pPr marL="457200" indent="0">
               <a:buNone/>
@@ -2556,11 +2397,7 @@
             </a:lvl9pPr>
           </a:lstStyle>
           <a:p>
-            <a:r>
-              <a:rPr lang="en-US" smtClean="0"/>
-              <a:t>Click icon to add picture</a:t>
-            </a:r>
-            <a:endParaRPr lang="en-US" dirty="0"/>
+            <a:endParaRPr lang="en-GB"/>
           </a:p>
         </p:txBody>
       </p:sp>
@@ -2576,14 +2413,14 @@
         </p:nvSpPr>
         <p:spPr>
           <a:xfrm>
-            <a:off x="4953000" y="2276856"/>
-            <a:ext cx="2819400" cy="2875280"/>
+            <a:off x="1792288" y="5367338"/>
+            <a:ext cx="5486400" cy="804862"/>
           </a:xfrm>
         </p:spPr>
         <p:txBody>
           <a:bodyPr/>
           <a:lstStyle>
-            <a:lvl1pPr marL="0" indent="0" algn="ctr">
+            <a:lvl1pPr marL="0" indent="0">
               <a:buNone/>
               <a:defRPr sz="1400"/>
             </a:lvl1pPr>
@@ -2646,7 +2483,8 @@
           <a:p>
             <a:fld id="{7F97EE62-E3D0-4E7B-B469-EAEE700658EE}" type="datetimeFigureOut">
               <a:rPr lang="en-GB" smtClean="0"/>
-              <a:t>16/02/2012</a:t>
+              <a:pPr/>
+              <a:t>19/02/2012</a:t>
             </a:fld>
             <a:endParaRPr lang="en-GB"/>
           </a:p>
@@ -2688,6 +2526,7 @@
           <a:p>
             <a:fld id="{5D8511BD-094F-4FD0-B9E7-C347FC64F4DF}" type="slidenum">
               <a:rPr lang="en-GB" smtClean="0"/>
+              <a:pPr/>
               <a:t>‹#›</a:t>
             </a:fld>
             <a:endParaRPr lang="en-GB"/>
@@ -2724,83 +2563,59 @@
           <a:chExt cx="0" cy="0"/>
         </a:xfrm>
       </p:grpSpPr>
-      <p:pic>
-        <p:nvPicPr>
-          <p:cNvPr id="8" name="Picture 7" descr="window3.png"/>
-          <p:cNvPicPr>
-            <a:picLocks noChangeAspect="1"/>
-          </p:cNvPicPr>
-          <p:nvPr/>
-        </p:nvPicPr>
-        <p:blipFill>
-          <a:blip r:embed="rId13"/>
-          <a:stretch>
-            <a:fillRect/>
-          </a:stretch>
-        </p:blipFill>
+      <p:sp>
+        <p:nvSpPr>
+          <p:cNvPr id="2" name="Title Placeholder 1"/>
+          <p:cNvSpPr>
+            <a:spLocks noGrp="1"/>
+          </p:cNvSpPr>
+          <p:nvPr>
+            <p:ph type="title"/>
+          </p:nvPr>
+        </p:nvSpPr>
         <p:spPr>
           <a:xfrm>
-            <a:off x="0" y="0"/>
-            <a:ext cx="9144000" cy="6858000"/>
+            <a:off x="457200" y="274638"/>
+            <a:ext cx="8229600" cy="1143000"/>
           </a:xfrm>
           <a:prstGeom prst="rect">
             <a:avLst/>
           </a:prstGeom>
         </p:spPr>
-      </p:pic>
-      <p:sp>
-        <p:nvSpPr>
-          <p:cNvPr id="2" name="Title Placeholder 1"/>
-          <p:cNvSpPr>
-            <a:spLocks noGrp="1"/>
-          </p:cNvSpPr>
-          <p:nvPr>
-            <p:ph type="title"/>
+        <p:txBody>
+          <a:bodyPr vert="horz" lIns="91440" tIns="45720" rIns="91440" bIns="45720" rtlCol="0" anchor="ctr">
+            <a:normAutofit/>
+          </a:bodyPr>
+          <a:lstStyle/>
+          <a:p>
+            <a:r>
+              <a:rPr lang="en-US" smtClean="0"/>
+              <a:t>Click to edit Master title style</a:t>
+            </a:r>
+            <a:endParaRPr lang="en-GB"/>
+          </a:p>
+        </p:txBody>
+      </p:sp>
+      <p:sp>
+        <p:nvSpPr>
+          <p:cNvPr id="3" name="Text Placeholder 2"/>
+          <p:cNvSpPr>
+            <a:spLocks noGrp="1"/>
+          </p:cNvSpPr>
+          <p:nvPr>
+            <p:ph type="body" idx="1"/>
           </p:nvPr>
         </p:nvSpPr>
         <p:spPr>
           <a:xfrm>
-            <a:off x="1371600" y="1295400"/>
-            <a:ext cx="6400800" cy="685800"/>
+            <a:off x="457200" y="1600200"/>
+            <a:ext cx="8229600" cy="4525963"/>
           </a:xfrm>
           <a:prstGeom prst="rect">
             <a:avLst/>
           </a:prstGeom>
         </p:spPr>
         <p:txBody>
-          <a:bodyPr vert="horz" lIns="91440" tIns="45720" rIns="91440" bIns="45720" rtlCol="0" anchor="b" anchorCtr="0">
-            <a:normAutofit/>
-          </a:bodyPr>
-          <a:lstStyle/>
-          <a:p>
-            <a:r>
-              <a:rPr lang="en-US" smtClean="0"/>
-              <a:t>Click to edit Master title style</a:t>
-            </a:r>
-            <a:endParaRPr lang="en-US" dirty="0"/>
-          </a:p>
-        </p:txBody>
-      </p:sp>
-      <p:sp>
-        <p:nvSpPr>
-          <p:cNvPr id="3" name="Text Placeholder 2"/>
-          <p:cNvSpPr>
-            <a:spLocks noGrp="1"/>
-          </p:cNvSpPr>
-          <p:nvPr>
-            <p:ph type="body" idx="1"/>
-          </p:nvPr>
-        </p:nvSpPr>
-        <p:spPr>
-          <a:xfrm>
-            <a:off x="1371600" y="2057400"/>
-            <a:ext cx="6400800" cy="3429001"/>
-          </a:xfrm>
-          <a:prstGeom prst="rect">
-            <a:avLst/>
-          </a:prstGeom>
-        </p:spPr>
-        <p:txBody>
           <a:bodyPr vert="horz" lIns="91440" tIns="45720" rIns="91440" bIns="45720" rtlCol="0">
             <a:normAutofit/>
           </a:bodyPr>
@@ -2839,7 +2654,7 @@
               <a:rPr lang="en-US" smtClean="0"/>
               <a:t>Fifth level</a:t>
             </a:r>
-            <a:endParaRPr lang="en-US" dirty="0"/>
+            <a:endParaRPr lang="en-GB"/>
           </a:p>
         </p:txBody>
       </p:sp>
@@ -2853,92 +2668,9 @@
             <p:ph type="dt" sz="half" idx="2"/>
           </p:nvPr>
         </p:nvSpPr>
-        <p:spPr bwMode="white">
+        <p:spPr>
           <a:xfrm>
-            <a:off x="304800" y="6356350"/>
-            <a:ext cx="2133600" cy="365125"/>
-          </a:xfrm>
-          <a:prstGeom prst="rect">
-            <a:avLst/>
-          </a:prstGeom>
-          <a:ln>
-            <a:noFill/>
-          </a:ln>
-        </p:spPr>
-        <p:txBody>
-          <a:bodyPr vert="horz" lIns="91440" tIns="45720" rIns="91440" bIns="45720" rtlCol="0" anchor="ctr"/>
-          <a:lstStyle>
-            <a:lvl1pPr algn="l">
-              <a:defRPr sz="1100" baseline="0">
-                <a:solidFill>
-                  <a:schemeClr val="accent1">
-                    <a:lumMod val="60000"/>
-                    <a:lumOff val="40000"/>
-                  </a:schemeClr>
-                </a:solidFill>
-              </a:defRPr>
-            </a:lvl1pPr>
-          </a:lstStyle>
-          <a:p>
-            <a:fld id="{7F97EE62-E3D0-4E7B-B469-EAEE700658EE}" type="datetimeFigureOut">
-              <a:rPr lang="en-GB" smtClean="0"/>
-              <a:t>16/02/2012</a:t>
-            </a:fld>
-            <a:endParaRPr lang="en-GB"/>
-          </a:p>
-        </p:txBody>
-      </p:sp>
-      <p:sp>
-        <p:nvSpPr>
-          <p:cNvPr id="5" name="Footer Placeholder 4"/>
-          <p:cNvSpPr>
-            <a:spLocks noGrp="1"/>
-          </p:cNvSpPr>
-          <p:nvPr>
-            <p:ph type="ftr" sz="quarter" idx="3"/>
-          </p:nvPr>
-        </p:nvSpPr>
-        <p:spPr bwMode="white">
-          <a:xfrm>
-            <a:off x="2971800" y="6356350"/>
-            <a:ext cx="3200400" cy="365125"/>
-          </a:xfrm>
-          <a:prstGeom prst="rect">
-            <a:avLst/>
-          </a:prstGeom>
-        </p:spPr>
-        <p:txBody>
-          <a:bodyPr vert="horz" lIns="91440" tIns="45720" rIns="91440" bIns="45720" rtlCol="0" anchor="ctr"/>
-          <a:lstStyle>
-            <a:lvl1pPr algn="ctr">
-              <a:defRPr sz="1100" baseline="0">
-                <a:solidFill>
-                  <a:schemeClr val="accent1">
-                    <a:lumMod val="60000"/>
-                    <a:lumOff val="40000"/>
-                  </a:schemeClr>
-                </a:solidFill>
-              </a:defRPr>
-            </a:lvl1pPr>
-          </a:lstStyle>
-          <a:p>
-            <a:endParaRPr lang="en-GB"/>
-          </a:p>
-        </p:txBody>
-      </p:sp>
-      <p:sp>
-        <p:nvSpPr>
-          <p:cNvPr id="6" name="Slide Number Placeholder 5"/>
-          <p:cNvSpPr>
-            <a:spLocks noGrp="1"/>
-          </p:cNvSpPr>
-          <p:nvPr>
-            <p:ph type="sldNum" sz="quarter" idx="4"/>
-          </p:nvPr>
-        </p:nvSpPr>
-        <p:spPr bwMode="white">
-          <a:xfrm>
-            <a:off x="6675120" y="6364224"/>
+            <a:off x="457200" y="6356350"/>
             <a:ext cx="2133600" cy="365125"/>
           </a:xfrm>
           <a:prstGeom prst="rect">
@@ -2948,20 +2680,99 @@
         <p:txBody>
           <a:bodyPr vert="horz" lIns="91440" tIns="45720" rIns="91440" bIns="45720" rtlCol="0" anchor="ctr"/>
           <a:lstStyle>
-            <a:lvl1pPr algn="r">
-              <a:defRPr sz="1200" b="1" baseline="0">
+            <a:lvl1pPr algn="l">
+              <a:defRPr sz="1200">
                 <a:solidFill>
-                  <a:schemeClr val="accent1">
-                    <a:lumMod val="60000"/>
-                    <a:lumOff val="40000"/>
+                  <a:schemeClr val="tx1">
+                    <a:tint val="75000"/>
                   </a:schemeClr>
                 </a:solidFill>
               </a:defRPr>
             </a:lvl1pPr>
           </a:lstStyle>
           <a:p>
+            <a:fld id="{7F97EE62-E3D0-4E7B-B469-EAEE700658EE}" type="datetimeFigureOut">
+              <a:rPr lang="en-GB" smtClean="0"/>
+              <a:pPr/>
+              <a:t>19/02/2012</a:t>
+            </a:fld>
+            <a:endParaRPr lang="en-GB"/>
+          </a:p>
+        </p:txBody>
+      </p:sp>
+      <p:sp>
+        <p:nvSpPr>
+          <p:cNvPr id="5" name="Footer Placeholder 4"/>
+          <p:cNvSpPr>
+            <a:spLocks noGrp="1"/>
+          </p:cNvSpPr>
+          <p:nvPr>
+            <p:ph type="ftr" sz="quarter" idx="3"/>
+          </p:nvPr>
+        </p:nvSpPr>
+        <p:spPr>
+          <a:xfrm>
+            <a:off x="3124200" y="6356350"/>
+            <a:ext cx="2895600" cy="365125"/>
+          </a:xfrm>
+          <a:prstGeom prst="rect">
+            <a:avLst/>
+          </a:prstGeom>
+        </p:spPr>
+        <p:txBody>
+          <a:bodyPr vert="horz" lIns="91440" tIns="45720" rIns="91440" bIns="45720" rtlCol="0" anchor="ctr"/>
+          <a:lstStyle>
+            <a:lvl1pPr algn="ctr">
+              <a:defRPr sz="1200">
+                <a:solidFill>
+                  <a:schemeClr val="tx1">
+                    <a:tint val="75000"/>
+                  </a:schemeClr>
+                </a:solidFill>
+              </a:defRPr>
+            </a:lvl1pPr>
+          </a:lstStyle>
+          <a:p>
+            <a:endParaRPr lang="en-GB"/>
+          </a:p>
+        </p:txBody>
+      </p:sp>
+      <p:sp>
+        <p:nvSpPr>
+          <p:cNvPr id="6" name="Slide Number Placeholder 5"/>
+          <p:cNvSpPr>
+            <a:spLocks noGrp="1"/>
+          </p:cNvSpPr>
+          <p:nvPr>
+            <p:ph type="sldNum" sz="quarter" idx="4"/>
+          </p:nvPr>
+        </p:nvSpPr>
+        <p:spPr>
+          <a:xfrm>
+            <a:off x="6553200" y="6356350"/>
+            <a:ext cx="2133600" cy="365125"/>
+          </a:xfrm>
+          <a:prstGeom prst="rect">
+            <a:avLst/>
+          </a:prstGeom>
+        </p:spPr>
+        <p:txBody>
+          <a:bodyPr vert="horz" lIns="91440" tIns="45720" rIns="91440" bIns="45720" rtlCol="0" anchor="ctr"/>
+          <a:lstStyle>
+            <a:lvl1pPr algn="r">
+              <a:defRPr sz="1200">
+                <a:solidFill>
+                  <a:schemeClr val="tx1">
+                    <a:tint val="75000"/>
+                  </a:schemeClr>
+                </a:solidFill>
+              </a:defRPr>
+            </a:lvl1pPr>
+          </a:lstStyle>
+          <a:p>
             <a:fld id="{5D8511BD-094F-4FD0-B9E7-C347FC64F4DF}" type="slidenum">
               <a:rPr lang="en-GB" smtClean="0"/>
+              <a:pPr/>
               <a:t>‹#›</a:t>
             </a:fld>
             <a:endParaRPr lang="en-GB"/>
@@ -2972,17 +2783,17 @@
   </p:cSld>
   <p:clrMap bg1="lt1" tx1="dk1" bg2="lt2" tx2="dk2" accent1="accent1" accent2="accent2" accent3="accent3" accent4="accent4" accent5="accent5" accent6="accent6" hlink="hlink" folHlink="folHlink"/>
   <p:sldLayoutIdLst>
-    <p:sldLayoutId id="2147483661" r:id="rId1"/>
-    <p:sldLayoutId id="2147483662" r:id="rId2"/>
-    <p:sldLayoutId id="2147483663" r:id="rId3"/>
-    <p:sldLayoutId id="2147483664" r:id="rId4"/>
-    <p:sldLayoutId id="2147483665" r:id="rId5"/>
-    <p:sldLayoutId id="2147483666" r:id="rId6"/>
-    <p:sldLayoutId id="2147483667" r:id="rId7"/>
-    <p:sldLayoutId id="2147483668" r:id="rId8"/>
-    <p:sldLayoutId id="2147483669" r:id="rId9"/>
-    <p:sldLayoutId id="2147483670" r:id="rId10"/>
-    <p:sldLayoutId id="2147483671" r:id="rId11"/>
+    <p:sldLayoutId id="2147483673" r:id="rId1"/>
+    <p:sldLayoutId id="2147483674" r:id="rId2"/>
+    <p:sldLayoutId id="2147483675" r:id="rId3"/>
+    <p:sldLayoutId id="2147483676" r:id="rId4"/>
+    <p:sldLayoutId id="2147483677" r:id="rId5"/>
+    <p:sldLayoutId id="2147483678" r:id="rId6"/>
+    <p:sldLayoutId id="2147483679" r:id="rId7"/>
+    <p:sldLayoutId id="2147483680" r:id="rId8"/>
+    <p:sldLayoutId id="2147483681" r:id="rId9"/>
+    <p:sldLayoutId id="2147483682" r:id="rId10"/>
+    <p:sldLayoutId id="2147483683" r:id="rId11"/>
   </p:sldLayoutIdLst>
   <p:txStyles>
     <p:titleStyle>
@@ -2991,7 +2802,7 @@
           <a:spcPct val="0"/>
         </a:spcBef>
         <a:buNone/>
-        <a:defRPr sz="3600" kern="1200" cap="all" spc="300" baseline="0">
+        <a:defRPr sz="4400" kern="1200">
           <a:solidFill>
             <a:schemeClr val="tx1"/>
           </a:solidFill>
@@ -3000,75 +2811,15 @@
           <a:cs typeface="+mj-cs"/>
         </a:defRPr>
       </a:lvl1pPr>
-      <a:lvl2pPr eaLnBrk="1" hangingPunct="1">
-        <a:defRPr>
-          <a:solidFill>
-            <a:schemeClr val="tx2"/>
-          </a:solidFill>
-        </a:defRPr>
-      </a:lvl2pPr>
-      <a:lvl3pPr eaLnBrk="1" hangingPunct="1">
-        <a:defRPr>
-          <a:solidFill>
-            <a:schemeClr val="tx2"/>
-          </a:solidFill>
-        </a:defRPr>
-      </a:lvl3pPr>
-      <a:lvl4pPr eaLnBrk="1" hangingPunct="1">
-        <a:defRPr>
-          <a:solidFill>
-            <a:schemeClr val="tx2"/>
-          </a:solidFill>
-        </a:defRPr>
-      </a:lvl4pPr>
-      <a:lvl5pPr eaLnBrk="1" hangingPunct="1">
-        <a:defRPr>
-          <a:solidFill>
-            <a:schemeClr val="tx2"/>
-          </a:solidFill>
-        </a:defRPr>
-      </a:lvl5pPr>
-      <a:lvl6pPr eaLnBrk="1" hangingPunct="1">
-        <a:defRPr>
-          <a:solidFill>
-            <a:schemeClr val="tx2"/>
-          </a:solidFill>
-        </a:defRPr>
-      </a:lvl6pPr>
-      <a:lvl7pPr eaLnBrk="1" hangingPunct="1">
-        <a:defRPr>
-          <a:solidFill>
-            <a:schemeClr val="tx2"/>
-          </a:solidFill>
-        </a:defRPr>
-      </a:lvl7pPr>
-      <a:lvl8pPr eaLnBrk="1" hangingPunct="1">
-        <a:defRPr>
-          <a:solidFill>
-            <a:schemeClr val="tx2"/>
-          </a:solidFill>
-        </a:defRPr>
-      </a:lvl8pPr>
-      <a:lvl9pPr eaLnBrk="1" hangingPunct="1">
-        <a:defRPr>
-          <a:solidFill>
-            <a:schemeClr val="tx2"/>
-          </a:solidFill>
-        </a:defRPr>
-      </a:lvl9pPr>
     </p:titleStyle>
     <p:bodyStyle>
-      <a:lvl1pPr marL="0" indent="-274320" algn="l" defTabSz="914400" rtl="0" eaLnBrk="1" latinLnBrk="0" hangingPunct="1">
-        <a:lnSpc>
-          <a:spcPct val="150000"/>
-        </a:lnSpc>
+      <a:lvl1pPr marL="342900" indent="-342900" algn="l" defTabSz="914400" rtl="0" eaLnBrk="1" latinLnBrk="0" hangingPunct="1">
         <a:spcBef>
           <a:spcPct val="20000"/>
         </a:spcBef>
-        <a:buClrTx/>
-        <a:buFont typeface="Wingdings" pitchFamily="2" charset="2"/>
-        <a:buChar char="v"/>
-        <a:defRPr sz="1800" kern="1200" baseline="0">
+        <a:buFont typeface="Arial" pitchFamily="34" charset="0"/>
+        <a:buChar char="•"/>
+        <a:defRPr sz="3200" kern="1200">
           <a:solidFill>
             <a:schemeClr val="tx1"/>
           </a:solidFill>
@@ -3077,14 +2828,13 @@
           <a:cs typeface="+mn-cs"/>
         </a:defRPr>
       </a:lvl1pPr>
-      <a:lvl2pPr marL="742950" indent="-228600" algn="l" defTabSz="914400" rtl="0" eaLnBrk="1" latinLnBrk="0" hangingPunct="1">
+      <a:lvl2pPr marL="742950" indent="-285750" algn="l" defTabSz="914400" rtl="0" eaLnBrk="1" latinLnBrk="0" hangingPunct="1">
         <a:spcBef>
           <a:spcPct val="20000"/>
         </a:spcBef>
-        <a:buClrTx/>
         <a:buFont typeface="Arial" pitchFamily="34" charset="0"/>
-        <a:buChar char="•"/>
-        <a:defRPr sz="1600" kern="1200" baseline="0">
+        <a:buChar char="–"/>
+        <a:defRPr sz="2800" kern="1200">
           <a:solidFill>
             <a:schemeClr val="tx1"/>
           </a:solidFill>
@@ -3097,10 +2847,9 @@
         <a:spcBef>
           <a:spcPct val="20000"/>
         </a:spcBef>
-        <a:buClrTx/>
         <a:buFont typeface="Arial" pitchFamily="34" charset="0"/>
         <a:buChar char="•"/>
-        <a:defRPr sz="1400" kern="1200" baseline="0">
+        <a:defRPr sz="2400" kern="1200">
           <a:solidFill>
             <a:schemeClr val="tx1"/>
           </a:solidFill>
@@ -3113,10 +2862,9 @@
         <a:spcBef>
           <a:spcPct val="20000"/>
         </a:spcBef>
-        <a:buClrTx/>
         <a:buFont typeface="Arial" pitchFamily="34" charset="0"/>
-        <a:buChar char="•"/>
-        <a:defRPr sz="1400" kern="1200" baseline="0">
+        <a:buChar char="–"/>
+        <a:defRPr sz="2000" kern="1200">
           <a:solidFill>
             <a:schemeClr val="tx1"/>
           </a:solidFill>
@@ -3129,10 +2877,9 @@
         <a:spcBef>
           <a:spcPct val="20000"/>
         </a:spcBef>
-        <a:buClrTx/>
         <a:buFont typeface="Arial" pitchFamily="34" charset="0"/>
-        <a:buChar char="•"/>
-        <a:defRPr sz="1400" kern="1200" baseline="0">
+        <a:buChar char="»"/>
+        <a:defRPr sz="2000" kern="1200">
           <a:solidFill>
             <a:schemeClr val="tx1"/>
           </a:solidFill>
@@ -3145,10 +2892,9 @@
         <a:spcBef>
           <a:spcPct val="20000"/>
         </a:spcBef>
-        <a:buClrTx/>
         <a:buFont typeface="Arial" pitchFamily="34" charset="0"/>
         <a:buChar char="•"/>
-        <a:defRPr sz="1400" kern="1200">
+        <a:defRPr sz="2000" kern="1200">
           <a:solidFill>
             <a:schemeClr val="tx1"/>
           </a:solidFill>
@@ -3161,10 +2907,9 @@
         <a:spcBef>
           <a:spcPct val="20000"/>
         </a:spcBef>
-        <a:buClrTx/>
         <a:buFont typeface="Arial" pitchFamily="34" charset="0"/>
         <a:buChar char="•"/>
-        <a:defRPr sz="1200" kern="1200">
+        <a:defRPr sz="2000" kern="1200">
           <a:solidFill>
             <a:schemeClr val="tx1"/>
           </a:solidFill>
@@ -3177,10 +2922,9 @@
         <a:spcBef>
           <a:spcPct val="20000"/>
         </a:spcBef>
-        <a:buClrTx/>
         <a:buFont typeface="Arial" pitchFamily="34" charset="0"/>
         <a:buChar char="•"/>
-        <a:defRPr sz="1200" kern="1200" baseline="0">
+        <a:defRPr sz="2000" kern="1200">
           <a:solidFill>
             <a:schemeClr val="tx1"/>
           </a:solidFill>
@@ -3193,10 +2937,9 @@
         <a:spcBef>
           <a:spcPct val="20000"/>
         </a:spcBef>
-        <a:buClrTx/>
         <a:buFont typeface="Arial" pitchFamily="34" charset="0"/>
         <a:buChar char="•"/>
-        <a:defRPr sz="1200" kern="1200">
+        <a:defRPr sz="2000" kern="1200">
           <a:solidFill>
             <a:schemeClr val="tx1"/>
           </a:solidFill>
@@ -3363,7 +3106,7 @@
         </p:spPr>
         <p:txBody>
           <a:bodyPr>
-            <a:normAutofit fontScale="85000" lnSpcReduction="10000"/>
+            <a:normAutofit fontScale="85000" lnSpcReduction="20000"/>
           </a:bodyPr>
           <a:lstStyle/>
           <a:p>
@@ -3395,7 +3138,7 @@
     </p:spTree>
     <p:extLst>
       <p:ext uri="{BB962C8B-B14F-4D97-AF65-F5344CB8AC3E}">
-        <p14:creationId xmlns:p14="http://schemas.microsoft.com/office/powerpoint/2010/main" val="504168143"/>
+        <p14:creationId xmlns:p14="http://schemas.microsoft.com/office/powerpoint/2010/main" xmlns="" val="504168143"/>
       </p:ext>
     </p:extLst>
   </p:cSld>
@@ -3457,7 +3200,9 @@
         </p:nvSpPr>
         <p:spPr/>
         <p:txBody>
-          <a:bodyPr/>
+          <a:bodyPr>
+            <a:normAutofit/>
+          </a:bodyPr>
           <a:lstStyle/>
           <a:p>
             <a:r>
@@ -3472,26 +3217,38 @@
             </a:r>
           </a:p>
           <a:p>
-            <a:pPr lvl="1"/>
             <a:r>
               <a:rPr lang="en-GB" dirty="0" smtClean="0"/>
-              <a:t>Basic active contours</a:t>
-            </a:r>
-          </a:p>
-          <a:p>
-            <a:pPr lvl="1"/>
-            <a:r>
-              <a:rPr lang="en-GB" smtClean="0"/>
-              <a:t>Level sets</a:t>
-            </a:r>
-            <a:endParaRPr lang="en-GB"/>
+              <a:t>Implementation</a:t>
+            </a:r>
+          </a:p>
+          <a:p>
+            <a:r>
+              <a:rPr lang="en-GB" dirty="0" smtClean="0"/>
+              <a:t>Results</a:t>
+            </a:r>
+          </a:p>
+          <a:p>
+            <a:r>
+              <a:rPr lang="en-GB" dirty="0" smtClean="0"/>
+              <a:t>Demo</a:t>
+            </a:r>
+          </a:p>
+          <a:p>
+            <a:r>
+              <a:rPr lang="en-GB" dirty="0" smtClean="0"/>
+              <a:t>Extensions</a:t>
+            </a:r>
+          </a:p>
+          <a:p>
+            <a:endParaRPr lang="en-GB" dirty="0"/>
           </a:p>
         </p:txBody>
       </p:sp>
     </p:spTree>
     <p:extLst>
       <p:ext uri="{BB962C8B-B14F-4D97-AF65-F5344CB8AC3E}">
-        <p14:creationId xmlns:p14="http://schemas.microsoft.com/office/powerpoint/2010/main" val="3109711924"/>
+        <p14:creationId xmlns:p14="http://schemas.microsoft.com/office/powerpoint/2010/main" xmlns="" val="3109711924"/>
       </p:ext>
     </p:extLst>
   </p:cSld>
@@ -3579,7 +3336,7 @@
     </p:spTree>
     <p:extLst>
       <p:ext uri="{BB962C8B-B14F-4D97-AF65-F5344CB8AC3E}">
-        <p14:creationId xmlns:p14="http://schemas.microsoft.com/office/powerpoint/2010/main" val="3674118470"/>
+        <p14:creationId xmlns:p14="http://schemas.microsoft.com/office/powerpoint/2010/main" xmlns="" val="3674118470"/>
       </p:ext>
     </p:extLst>
   </p:cSld>
@@ -3589,10 +3346,314 @@
 </p:sld>
 </file>
 
+<file path=ppt/slides/slide4.xml><?xml version="1.0" encoding="utf-8"?>
+<p:sld xmlns:a="http://schemas.openxmlformats.org/drawingml/2006/main" xmlns:r="http://schemas.openxmlformats.org/officeDocument/2006/relationships" xmlns:p="http://schemas.openxmlformats.org/presentationml/2006/main">
+  <p:cSld>
+    <p:spTree>
+      <p:nvGrpSpPr>
+        <p:cNvPr id="1" name=""/>
+        <p:cNvGrpSpPr/>
+        <p:nvPr/>
+      </p:nvGrpSpPr>
+      <p:grpSpPr>
+        <a:xfrm>
+          <a:off x="0" y="0"/>
+          <a:ext cx="0" cy="0"/>
+          <a:chOff x="0" y="0"/>
+          <a:chExt cx="0" cy="0"/>
+        </a:xfrm>
+      </p:grpSpPr>
+      <p:sp>
+        <p:nvSpPr>
+          <p:cNvPr id="2" name="Title 1"/>
+          <p:cNvSpPr>
+            <a:spLocks noGrp="1"/>
+          </p:cNvSpPr>
+          <p:nvPr>
+            <p:ph type="title"/>
+          </p:nvPr>
+        </p:nvSpPr>
+        <p:spPr/>
+        <p:txBody>
+          <a:bodyPr/>
+          <a:lstStyle/>
+          <a:p>
+            <a:r>
+              <a:rPr lang="en-GB" dirty="0" smtClean="0"/>
+              <a:t>Theory – Basic Active Contours</a:t>
+            </a:r>
+            <a:endParaRPr lang="en-GB" dirty="0"/>
+          </a:p>
+        </p:txBody>
+      </p:sp>
+      <p:sp>
+        <p:nvSpPr>
+          <p:cNvPr id="3" name="Content Placeholder 2"/>
+          <p:cNvSpPr>
+            <a:spLocks noGrp="1"/>
+          </p:cNvSpPr>
+          <p:nvPr>
+            <p:ph idx="1"/>
+          </p:nvPr>
+        </p:nvSpPr>
+        <p:spPr/>
+        <p:txBody>
+          <a:bodyPr/>
+          <a:lstStyle/>
+          <a:p>
+            <a:r>
+              <a:rPr lang="en-GB" dirty="0" smtClean="0"/>
+              <a:t>What is it, what does it do? How does it work?</a:t>
+            </a:r>
+            <a:endParaRPr lang="en-GB" dirty="0"/>
+          </a:p>
+        </p:txBody>
+      </p:sp>
+    </p:spTree>
+  </p:cSld>
+  <p:clrMapOvr>
+    <a:masterClrMapping/>
+  </p:clrMapOvr>
+</p:sld>
+</file>
+
+<file path=ppt/slides/slide5.xml><?xml version="1.0" encoding="utf-8"?>
+<p:sld xmlns:a="http://schemas.openxmlformats.org/drawingml/2006/main" xmlns:r="http://schemas.openxmlformats.org/officeDocument/2006/relationships" xmlns:p="http://schemas.openxmlformats.org/presentationml/2006/main">
+  <p:cSld>
+    <p:spTree>
+      <p:nvGrpSpPr>
+        <p:cNvPr id="1" name=""/>
+        <p:cNvGrpSpPr/>
+        <p:nvPr/>
+      </p:nvGrpSpPr>
+      <p:grpSpPr>
+        <a:xfrm>
+          <a:off x="0" y="0"/>
+          <a:ext cx="0" cy="0"/>
+          <a:chOff x="0" y="0"/>
+          <a:chExt cx="0" cy="0"/>
+        </a:xfrm>
+      </p:grpSpPr>
+      <p:sp>
+        <p:nvSpPr>
+          <p:cNvPr id="2" name="Title 1"/>
+          <p:cNvSpPr>
+            <a:spLocks noGrp="1"/>
+          </p:cNvSpPr>
+          <p:nvPr>
+            <p:ph type="title"/>
+          </p:nvPr>
+        </p:nvSpPr>
+        <p:spPr/>
+        <p:txBody>
+          <a:bodyPr/>
+          <a:lstStyle/>
+          <a:p>
+            <a:r>
+              <a:rPr lang="en-GB" dirty="0" smtClean="0"/>
+              <a:t>Theory – Level Sets</a:t>
+            </a:r>
+            <a:endParaRPr lang="en-GB" dirty="0"/>
+          </a:p>
+        </p:txBody>
+      </p:sp>
+      <p:sp>
+        <p:nvSpPr>
+          <p:cNvPr id="3" name="Content Placeholder 2"/>
+          <p:cNvSpPr>
+            <a:spLocks noGrp="1"/>
+          </p:cNvSpPr>
+          <p:nvPr>
+            <p:ph idx="1"/>
+          </p:nvPr>
+        </p:nvSpPr>
+        <p:spPr/>
+        <p:txBody>
+          <a:bodyPr/>
+          <a:lstStyle/>
+          <a:p>
+            <a:r>
+              <a:rPr lang="en-GB" dirty="0" smtClean="0"/>
+              <a:t>What are they, why would we want them?</a:t>
+            </a:r>
+            <a:endParaRPr lang="en-GB" dirty="0"/>
+          </a:p>
+        </p:txBody>
+      </p:sp>
+    </p:spTree>
+  </p:cSld>
+  <p:clrMapOvr>
+    <a:masterClrMapping/>
+  </p:clrMapOvr>
+</p:sld>
+</file>
+
+<file path=ppt/slides/slide6.xml><?xml version="1.0" encoding="utf-8"?>
+<p:sld xmlns:a="http://schemas.openxmlformats.org/drawingml/2006/main" xmlns:r="http://schemas.openxmlformats.org/officeDocument/2006/relationships" xmlns:p="http://schemas.openxmlformats.org/presentationml/2006/main">
+  <p:cSld>
+    <p:spTree>
+      <p:nvGrpSpPr>
+        <p:cNvPr id="1" name=""/>
+        <p:cNvGrpSpPr/>
+        <p:nvPr/>
+      </p:nvGrpSpPr>
+      <p:grpSpPr>
+        <a:xfrm>
+          <a:off x="0" y="0"/>
+          <a:ext cx="0" cy="0"/>
+          <a:chOff x="0" y="0"/>
+          <a:chExt cx="0" cy="0"/>
+        </a:xfrm>
+      </p:grpSpPr>
+      <p:sp>
+        <p:nvSpPr>
+          <p:cNvPr id="2" name="Title 1"/>
+          <p:cNvSpPr>
+            <a:spLocks noGrp="1"/>
+          </p:cNvSpPr>
+          <p:nvPr>
+            <p:ph type="title"/>
+          </p:nvPr>
+        </p:nvSpPr>
+        <p:spPr/>
+        <p:txBody>
+          <a:bodyPr/>
+          <a:lstStyle/>
+          <a:p>
+            <a:r>
+              <a:rPr lang="en-GB" dirty="0" smtClean="0"/>
+              <a:t>Theory – Using Level Sets</a:t>
+            </a:r>
+            <a:endParaRPr lang="en-GB" dirty="0"/>
+          </a:p>
+        </p:txBody>
+      </p:sp>
+      <p:sp>
+        <p:nvSpPr>
+          <p:cNvPr id="3" name="Content Placeholder 2"/>
+          <p:cNvSpPr>
+            <a:spLocks noGrp="1"/>
+          </p:cNvSpPr>
+          <p:nvPr>
+            <p:ph idx="1"/>
+          </p:nvPr>
+        </p:nvSpPr>
+        <p:spPr/>
+        <p:txBody>
+          <a:bodyPr/>
+          <a:lstStyle/>
+          <a:p>
+            <a:r>
+              <a:rPr lang="en-GB" dirty="0" smtClean="0"/>
+              <a:t>Getting level sets into snakes</a:t>
+            </a:r>
+          </a:p>
+          <a:p>
+            <a:r>
+              <a:rPr lang="en-GB" dirty="0" smtClean="0"/>
+              <a:t>Introduce the Maths</a:t>
+            </a:r>
+            <a:endParaRPr lang="en-GB" dirty="0"/>
+          </a:p>
+        </p:txBody>
+      </p:sp>
+    </p:spTree>
+  </p:cSld>
+  <p:clrMapOvr>
+    <a:masterClrMapping/>
+  </p:clrMapOvr>
+</p:sld>
+</file>
+
+<file path=ppt/slides/slide7.xml><?xml version="1.0" encoding="utf-8"?>
+<p:sld xmlns:a="http://schemas.openxmlformats.org/drawingml/2006/main" xmlns:r="http://schemas.openxmlformats.org/officeDocument/2006/relationships" xmlns:p="http://schemas.openxmlformats.org/presentationml/2006/main">
+  <p:cSld>
+    <p:spTree>
+      <p:nvGrpSpPr>
+        <p:cNvPr id="1" name=""/>
+        <p:cNvGrpSpPr/>
+        <p:nvPr/>
+      </p:nvGrpSpPr>
+      <p:grpSpPr>
+        <a:xfrm>
+          <a:off x="0" y="0"/>
+          <a:ext cx="0" cy="0"/>
+          <a:chOff x="0" y="0"/>
+          <a:chExt cx="0" cy="0"/>
+        </a:xfrm>
+      </p:grpSpPr>
+      <p:sp>
+        <p:nvSpPr>
+          <p:cNvPr id="2" name="Title 1"/>
+          <p:cNvSpPr>
+            <a:spLocks noGrp="1"/>
+          </p:cNvSpPr>
+          <p:nvPr>
+            <p:ph type="title"/>
+          </p:nvPr>
+        </p:nvSpPr>
+        <p:spPr/>
+        <p:txBody>
+          <a:bodyPr/>
+          <a:lstStyle/>
+          <a:p>
+            <a:r>
+              <a:rPr lang="en-GB" dirty="0" smtClean="0"/>
+              <a:t>Theory – Minimising the Energy</a:t>
+            </a:r>
+            <a:endParaRPr lang="en-GB" dirty="0"/>
+          </a:p>
+        </p:txBody>
+      </p:sp>
+      <p:sp>
+        <p:nvSpPr>
+          <p:cNvPr id="3" name="Content Placeholder 2"/>
+          <p:cNvSpPr>
+            <a:spLocks noGrp="1"/>
+          </p:cNvSpPr>
+          <p:nvPr>
+            <p:ph idx="1"/>
+          </p:nvPr>
+        </p:nvSpPr>
+        <p:spPr/>
+        <p:txBody>
+          <a:bodyPr/>
+          <a:lstStyle/>
+          <a:p>
+            <a:r>
+              <a:rPr lang="en-GB" dirty="0" smtClean="0"/>
+              <a:t>Show diagrams for how the edge is the minimum energy</a:t>
+            </a:r>
+          </a:p>
+          <a:p>
+            <a:r>
+              <a:rPr lang="en-GB" dirty="0" smtClean="0"/>
+              <a:t>Continue maths with the fact that we need to minimise: goes neatly into </a:t>
+            </a:r>
+            <a:r>
+              <a:rPr lang="en-GB" dirty="0" err="1" smtClean="0"/>
+              <a:t>michael’s</a:t>
+            </a:r>
+            <a:r>
+              <a:rPr lang="en-GB" dirty="0" smtClean="0"/>
+              <a:t> implementation</a:t>
+            </a:r>
+            <a:endParaRPr lang="en-GB" dirty="0"/>
+          </a:p>
+        </p:txBody>
+      </p:sp>
+    </p:spTree>
+  </p:cSld>
+  <p:clrMapOvr>
+    <a:masterClrMapping/>
+  </p:clrMapOvr>
+</p:sld>
+</file>
+
 <file path=ppt/theme/theme1.xml><?xml version="1.0" encoding="utf-8"?>
-<a:theme xmlns:a="http://schemas.openxmlformats.org/drawingml/2006/main" name="Couture">
+<a:theme xmlns:a="http://schemas.openxmlformats.org/drawingml/2006/main" name="Office Theme">
   <a:themeElements>
-    <a:clrScheme name="Couture">
+    <a:clrScheme name="Office">
       <a:dk1>
         <a:sysClr val="windowText" lastClr="000000"/>
       </a:dk1>
@@ -3600,50 +3661,82 @@
         <a:sysClr val="window" lastClr="FFFFFF"/>
       </a:lt1>
       <a:dk2>
-        <a:srgbClr val="37302A"/>
+        <a:srgbClr val="1F497D"/>
       </a:dk2>
       <a:lt2>
-        <a:srgbClr val="D0CCB9"/>
+        <a:srgbClr val="EEECE1"/>
       </a:lt2>
       <a:accent1>
-        <a:srgbClr val="9E8E5C"/>
+        <a:srgbClr val="4F81BD"/>
       </a:accent1>
       <a:accent2>
-        <a:srgbClr val="A09781"/>
+        <a:srgbClr val="C0504D"/>
       </a:accent2>
       <a:accent3>
-        <a:srgbClr val="85776D"/>
+        <a:srgbClr val="9BBB59"/>
       </a:accent3>
       <a:accent4>
-        <a:srgbClr val="AEAFA9"/>
+        <a:srgbClr val="8064A2"/>
       </a:accent4>
       <a:accent5>
-        <a:srgbClr val="8D878B"/>
+        <a:srgbClr val="4BACC6"/>
       </a:accent5>
       <a:accent6>
-        <a:srgbClr val="6B6149"/>
+        <a:srgbClr val="F79646"/>
       </a:accent6>
       <a:hlink>
-        <a:srgbClr val="B6A272"/>
+        <a:srgbClr val="0000FF"/>
       </a:hlink>
       <a:folHlink>
-        <a:srgbClr val="8A784F"/>
+        <a:srgbClr val="800080"/>
       </a:folHlink>
     </a:clrScheme>
-    <a:fontScheme name="Black Tie">
+    <a:fontScheme name="Office">
       <a:majorFont>
-        <a:latin typeface="Garamond"/>
+        <a:latin typeface="Calibri"/>
         <a:ea typeface=""/>
         <a:cs typeface=""/>
-        <a:font script="Grek" typeface="Constantia"/>
-        <a:font script="Cyrl" typeface="Constantia"/>
-        <a:font script="Jpan" typeface="ＭＳ Ｐ明朝"/>
-        <a:font script="Hang" typeface="궁서"/>
-        <a:font script="Hans" typeface="仿宋"/>
-        <a:font script="Hant" typeface="標楷體"/>
+        <a:font script="Jpan" typeface="ＭＳ Ｐゴシック"/>
+        <a:font script="Hang" typeface="맑은 고딕"/>
+        <a:font script="Hans" typeface="宋体"/>
+        <a:font script="Hant" typeface="新細明體"/>
         <a:font script="Arab" typeface="Times New Roman"/>
         <a:font script="Hebr" typeface="Times New Roman"/>
         <a:font script="Thai" typeface="Angsana New"/>
+        <a:font script="Ethi" typeface="Nyala"/>
+        <a:font script="Beng" typeface="Vrinda"/>
+        <a:font script="Gujr" typeface="Shruti"/>
+        <a:font script="Khmr" typeface="MoolBoran"/>
+        <a:font script="Knda" typeface="Tunga"/>
+        <a:font script="Guru" typeface="Raavi"/>
+        <a:font script="Cans" typeface="Euphemia"/>
+        <a:font script="Cher" typeface="Plantagenet Cherokee"/>
+        <a:font script="Yiii" typeface="Microsoft Yi Baiti"/>
+        <a:font script="Tibt" typeface="Microsoft Himalaya"/>
+        <a:font script="Thaa" typeface="MV Boli"/>
+        <a:font script="Deva" typeface="Mangal"/>
+        <a:font script="Telu" typeface="Gautami"/>
+        <a:font script="Taml" typeface="Latha"/>
+        <a:font script="Syrc" typeface="Estrangelo Edessa"/>
+        <a:font script="Orya" typeface="Kalinga"/>
+        <a:font script="Mlym" typeface="Kartika"/>
+        <a:font script="Laoo" typeface="DokChampa"/>
+        <a:font script="Sinh" typeface="Iskoola Pota"/>
+        <a:font script="Mong" typeface="Mongolian Baiti"/>
+        <a:font script="Viet" typeface="Times New Roman"/>
+        <a:font script="Uigh" typeface="Microsoft Uighur"/>
+      </a:majorFont>
+      <a:minorFont>
+        <a:latin typeface="Calibri"/>
+        <a:ea typeface=""/>
+        <a:cs typeface=""/>
+        <a:font script="Jpan" typeface="ＭＳ Ｐゴシック"/>
+        <a:font script="Hang" typeface="맑은 고딕"/>
+        <a:font script="Hans" typeface="宋体"/>
+        <a:font script="Hant" typeface="新細明體"/>
+        <a:font script="Arab" typeface="Arial"/>
+        <a:font script="Hebr" typeface="Arial"/>
+        <a:font script="Thai" typeface="Cordia New"/>
         <a:font script="Ethi" typeface="Nyala"/>
         <a:font script="Beng" typeface="Vrinda"/>
         <a:font script="Gujr" typeface="Shruti"/>
@@ -3664,101 +3757,109 @@
         <a:font script="Laoo" typeface="DokChampa"/>
         <a:font script="Sinh" typeface="Iskoola Pota"/>
         <a:font script="Mong" typeface="Mongolian Baiti"/>
-        <a:font script="Viet" typeface="Times New Roman"/>
+        <a:font script="Viet" typeface="Arial"/>
         <a:font script="Uigh" typeface="Microsoft Uighur"/>
-        <a:font script="Geor" typeface="Sylfaen"/>
-      </a:majorFont>
-      <a:minorFont>
-        <a:latin typeface="Garamond"/>
-        <a:ea typeface=""/>
-        <a:cs typeface=""/>
-        <a:font script="Grek" typeface="Constantia"/>
-        <a:font script="Cyrl" typeface="Constantia"/>
-        <a:font script="Jpan" typeface="ＭＳ Ｐ明朝"/>
-        <a:font script="Hang" typeface="궁서"/>
-        <a:font script="Hans" typeface="仿宋"/>
-        <a:font script="Hant" typeface="標楷體"/>
-        <a:font script="Arab" typeface="Times New Roman"/>
-        <a:font script="Hebr" typeface="Times New Roman"/>
-        <a:font script="Thai" typeface="Angsana New"/>
-        <a:font script="Ethi" typeface="Nyala"/>
-        <a:font script="Beng" typeface="Vrinda"/>
-        <a:font script="Gujr" typeface="Shruti"/>
-        <a:font script="Khmr" typeface="DaunPenh"/>
-        <a:font script="Knda" typeface="Tunga"/>
-        <a:font script="Guru" typeface="Raavi"/>
-        <a:font script="Cans" typeface="Euphemia"/>
-        <a:font script="Cher" typeface="Plantagenet Cherokee"/>
-        <a:font script="Yiii" typeface="Microsoft Yi Baiti"/>
-        <a:font script="Tibt" typeface="Microsoft Himalaya"/>
-        <a:font script="Thaa" typeface="MV Boli"/>
-        <a:font script="Deva" typeface="Mangal"/>
-        <a:font script="Telu" typeface="Gautami"/>
-        <a:font script="Taml" typeface="Latha"/>
-        <a:font script="Syrc" typeface="Estrangelo Edessa"/>
-        <a:font script="Orya" typeface="Kalinga"/>
-        <a:font script="Mlym" typeface="Kartika"/>
-        <a:font script="Laoo" typeface="DokChampa"/>
-        <a:font script="Sinh" typeface="Iskoola Pota"/>
-        <a:font script="Mong" typeface="Mongolian Baiti"/>
-        <a:font script="Viet" typeface="Times New Roman"/>
-        <a:font script="Uigh" typeface="Microsoft Uighur"/>
-        <a:font script="Geor" typeface="Sylfaen"/>
       </a:minorFont>
     </a:fontScheme>
-    <a:fmtScheme name="Couture">
+    <a:fmtScheme name="Office">
       <a:fillStyleLst>
         <a:solidFill>
           <a:schemeClr val="phClr"/>
         </a:solidFill>
-        <a:solidFill>
-          <a:schemeClr val="phClr">
-            <a:tint val="65000"/>
-          </a:schemeClr>
-        </a:solidFill>
-        <a:solidFill>
-          <a:schemeClr val="phClr">
-            <a:shade val="80000"/>
-            <a:satMod val="180000"/>
-          </a:schemeClr>
-        </a:solidFill>
+        <a:gradFill rotWithShape="1">
+          <a:gsLst>
+            <a:gs pos="0">
+              <a:schemeClr val="phClr">
+                <a:tint val="50000"/>
+                <a:satMod val="300000"/>
+              </a:schemeClr>
+            </a:gs>
+            <a:gs pos="35000">
+              <a:schemeClr val="phClr">
+                <a:tint val="37000"/>
+                <a:satMod val="300000"/>
+              </a:schemeClr>
+            </a:gs>
+            <a:gs pos="100000">
+              <a:schemeClr val="phClr">
+                <a:tint val="15000"/>
+                <a:satMod val="350000"/>
+              </a:schemeClr>
+            </a:gs>
+          </a:gsLst>
+          <a:lin ang="16200000" scaled="1"/>
+        </a:gradFill>
+        <a:gradFill rotWithShape="1">
+          <a:gsLst>
+            <a:gs pos="0">
+              <a:schemeClr val="phClr">
+                <a:shade val="51000"/>
+                <a:satMod val="130000"/>
+              </a:schemeClr>
+            </a:gs>
+            <a:gs pos="80000">
+              <a:schemeClr val="phClr">
+                <a:shade val="93000"/>
+                <a:satMod val="130000"/>
+              </a:schemeClr>
+            </a:gs>
+            <a:gs pos="100000">
+              <a:schemeClr val="phClr">
+                <a:shade val="94000"/>
+                <a:satMod val="135000"/>
+              </a:schemeClr>
+            </a:gs>
+          </a:gsLst>
+          <a:lin ang="16200000" scaled="0"/>
+        </a:gradFill>
       </a:fillStyleLst>
       <a:lnStyleLst>
         <a:ln w="9525" cap="flat" cmpd="sng" algn="ctr">
+          <a:solidFill>
+            <a:schemeClr val="phClr">
+              <a:shade val="95000"/>
+              <a:satMod val="105000"/>
+            </a:schemeClr>
+          </a:solidFill>
+          <a:prstDash val="solid"/>
+        </a:ln>
+        <a:ln w="25400" cap="flat" cmpd="sng" algn="ctr">
           <a:solidFill>
             <a:schemeClr val="phClr"/>
           </a:solidFill>
           <a:prstDash val="solid"/>
         </a:ln>
-        <a:ln w="10795" cap="flat" cmpd="sng" algn="ctr">
+        <a:ln w="38100" cap="flat" cmpd="sng" algn="ctr">
           <a:solidFill>
             <a:schemeClr val="phClr"/>
-          </a:solidFill>
-          <a:prstDash val="solid"/>
-        </a:ln>
-        <a:ln w="17145" cap="flat" cmpd="sng" algn="ctr">
-          <a:solidFill>
-            <a:schemeClr val="phClr">
-              <a:shade val="95000"/>
-              <a:alpha val="50000"/>
-              <a:satMod val="150000"/>
-            </a:schemeClr>
           </a:solidFill>
           <a:prstDash val="solid"/>
         </a:ln>
       </a:lnStyleLst>
       <a:effectStyleLst>
         <a:effectStyle>
-          <a:effectLst/>
-        </a:effectStyle>
-        <a:effectStyle>
-          <a:effectLst/>
+          <a:effectLst>
+            <a:outerShdw blurRad="40000" dist="20000" dir="5400000" rotWithShape="0">
+              <a:srgbClr val="000000">
+                <a:alpha val="38000"/>
+              </a:srgbClr>
+            </a:outerShdw>
+          </a:effectLst>
         </a:effectStyle>
         <a:effectStyle>
           <a:effectLst>
-            <a:outerShdw blurRad="44450" dist="13970" dir="5400000" algn="ctr" rotWithShape="0">
+            <a:outerShdw blurRad="40000" dist="23000" dir="5400000" rotWithShape="0">
               <a:srgbClr val="000000">
-                <a:alpha val="45000"/>
+                <a:alpha val="35000"/>
+              </a:srgbClr>
+            </a:outerShdw>
+          </a:effectLst>
+        </a:effectStyle>
+        <a:effectStyle>
+          <a:effectLst>
+            <a:outerShdw blurRad="40000" dist="23000" dir="5400000" rotWithShape="0">
+              <a:srgbClr val="000000">
+                <a:alpha val="35000"/>
               </a:srgbClr>
             </a:outerShdw>
           </a:effectLst>
@@ -3766,10 +3867,12 @@
             <a:camera prst="orthographicFront">
               <a:rot lat="0" lon="0" rev="0"/>
             </a:camera>
-            <a:lightRig rig="twoPt" dir="tl"/>
+            <a:lightRig rig="threePt" dir="t">
+              <a:rot lat="0" lon="0" rev="1200000"/>
+            </a:lightRig>
           </a:scene3d>
-          <a:sp3d prstMaterial="flat">
-            <a:bevelT w="19050" h="31750" prst="coolSlant"/>
+          <a:sp3d>
+            <a:bevelT w="63500" h="25400"/>
           </a:sp3d>
         </a:effectStyle>
       </a:effectStyleLst>
@@ -3781,33 +3884,47 @@
           <a:gsLst>
             <a:gs pos="0">
               <a:schemeClr val="phClr">
-                <a:tint val="70000"/>
+                <a:tint val="40000"/>
+                <a:satMod val="350000"/>
+              </a:schemeClr>
+            </a:gs>
+            <a:gs pos="40000">
+              <a:schemeClr val="phClr">
+                <a:tint val="45000"/>
+                <a:shade val="99000"/>
+                <a:satMod val="350000"/>
               </a:schemeClr>
             </a:gs>
             <a:gs pos="100000">
               <a:schemeClr val="phClr">
-                <a:shade val="80000"/>
+                <a:shade val="20000"/>
+                <a:satMod val="255000"/>
               </a:schemeClr>
             </a:gs>
           </a:gsLst>
           <a:path path="circle">
-            <a:fillToRect l="50000" t="100000" r="100000" b="100000"/>
+            <a:fillToRect l="50000" t="-80000" r="50000" b="180000"/>
           </a:path>
         </a:gradFill>
-        <a:blipFill rotWithShape="1">
-          <a:blip xmlns:r="http://schemas.openxmlformats.org/officeDocument/2006/relationships" r:embed="rId1">
-            <a:duotone>
+        <a:gradFill rotWithShape="1">
+          <a:gsLst>
+            <a:gs pos="0">
+              <a:schemeClr val="phClr">
+                <a:tint val="80000"/>
+                <a:satMod val="300000"/>
+              </a:schemeClr>
+            </a:gs>
+            <a:gs pos="100000">
               <a:schemeClr val="phClr">
                 <a:shade val="30000"/>
                 <a:satMod val="200000"/>
               </a:schemeClr>
-              <a:schemeClr val="phClr">
-                <a:tint val="20000"/>
-              </a:schemeClr>
-            </a:duotone>
-          </a:blip>
-          <a:stretch/>
-        </a:blipFill>
+            </a:gs>
+          </a:gsLst>
+          <a:path path="circle">
+            <a:fillToRect l="50000" t="50000" r="50000" b="50000"/>
+          </a:path>
+        </a:gradFill>
       </a:bgFillStyleLst>
     </a:fmtScheme>
   </a:themeElements>

--- a/Active Contours Without Edges.pptx
+++ b/Active Contours Without Edges.pptx
@@ -4,14 +4,17 @@
   <p:sldMasterIdLst>
     <p:sldMasterId id="2147483672" r:id="rId1"/>
   </p:sldMasterIdLst>
+  <p:notesMasterIdLst>
+    <p:notesMasterId r:id="rId9"/>
+  </p:notesMasterIdLst>
   <p:sldIdLst>
     <p:sldId id="256" r:id="rId2"/>
     <p:sldId id="258" r:id="rId3"/>
     <p:sldId id="257" r:id="rId4"/>
-    <p:sldId id="259" r:id="rId5"/>
-    <p:sldId id="260" r:id="rId6"/>
+    <p:sldId id="260" r:id="rId5"/>
+    <p:sldId id="261" r:id="rId6"/>
     <p:sldId id="262" r:id="rId7"/>
-    <p:sldId id="261" r:id="rId8"/>
+    <p:sldId id="263" r:id="rId8"/>
   </p:sldIdLst>
   <p:sldSz cx="9144000" cy="6858000" type="screen4x3"/>
   <p:notesSz cx="6858000" cy="9144000"/>
@@ -113,6 +116,353 @@
 </p:presentation>
 </file>
 
+<file path=ppt/notesMasters/notesMaster1.xml><?xml version="1.0" encoding="utf-8"?>
+<p:notesMaster xmlns:a="http://schemas.openxmlformats.org/drawingml/2006/main" xmlns:r="http://schemas.openxmlformats.org/officeDocument/2006/relationships" xmlns:p="http://schemas.openxmlformats.org/presentationml/2006/main">
+  <p:cSld>
+    <p:bg>
+      <p:bgRef idx="1001">
+        <a:schemeClr val="bg1"/>
+      </p:bgRef>
+    </p:bg>
+    <p:spTree>
+      <p:nvGrpSpPr>
+        <p:cNvPr id="1" name=""/>
+        <p:cNvGrpSpPr/>
+        <p:nvPr/>
+      </p:nvGrpSpPr>
+      <p:grpSpPr>
+        <a:xfrm>
+          <a:off x="0" y="0"/>
+          <a:ext cx="0" cy="0"/>
+          <a:chOff x="0" y="0"/>
+          <a:chExt cx="0" cy="0"/>
+        </a:xfrm>
+      </p:grpSpPr>
+      <p:sp>
+        <p:nvSpPr>
+          <p:cNvPr id="2" name="Header Placeholder 1"/>
+          <p:cNvSpPr>
+            <a:spLocks noGrp="1"/>
+          </p:cNvSpPr>
+          <p:nvPr>
+            <p:ph type="hdr" sz="quarter"/>
+          </p:nvPr>
+        </p:nvSpPr>
+        <p:spPr>
+          <a:xfrm>
+            <a:off x="0" y="0"/>
+            <a:ext cx="2971800" cy="457200"/>
+          </a:xfrm>
+          <a:prstGeom prst="rect">
+            <a:avLst/>
+          </a:prstGeom>
+        </p:spPr>
+        <p:txBody>
+          <a:bodyPr vert="horz" lIns="91440" tIns="45720" rIns="91440" bIns="45720" rtlCol="0"/>
+          <a:lstStyle>
+            <a:lvl1pPr algn="l">
+              <a:defRPr sz="1200"/>
+            </a:lvl1pPr>
+          </a:lstStyle>
+          <a:p>
+            <a:endParaRPr lang="en-GB"/>
+          </a:p>
+        </p:txBody>
+      </p:sp>
+      <p:sp>
+        <p:nvSpPr>
+          <p:cNvPr id="3" name="Date Placeholder 2"/>
+          <p:cNvSpPr>
+            <a:spLocks noGrp="1"/>
+          </p:cNvSpPr>
+          <p:nvPr>
+            <p:ph type="dt" idx="1"/>
+          </p:nvPr>
+        </p:nvSpPr>
+        <p:spPr>
+          <a:xfrm>
+            <a:off x="3884613" y="0"/>
+            <a:ext cx="2971800" cy="457200"/>
+          </a:xfrm>
+          <a:prstGeom prst="rect">
+            <a:avLst/>
+          </a:prstGeom>
+        </p:spPr>
+        <p:txBody>
+          <a:bodyPr vert="horz" lIns="91440" tIns="45720" rIns="91440" bIns="45720" rtlCol="0"/>
+          <a:lstStyle>
+            <a:lvl1pPr algn="r">
+              <a:defRPr sz="1200"/>
+            </a:lvl1pPr>
+          </a:lstStyle>
+          <a:p>
+            <a:fld id="{80D5567B-A386-4628-8C66-E91B54F876E7}" type="datetimeFigureOut">
+              <a:rPr lang="en-GB" smtClean="0"/>
+              <a:t>20/02/2012</a:t>
+            </a:fld>
+            <a:endParaRPr lang="en-GB"/>
+          </a:p>
+        </p:txBody>
+      </p:sp>
+      <p:sp>
+        <p:nvSpPr>
+          <p:cNvPr id="4" name="Slide Image Placeholder 3"/>
+          <p:cNvSpPr>
+            <a:spLocks noGrp="1" noRot="1" noChangeAspect="1"/>
+          </p:cNvSpPr>
+          <p:nvPr>
+            <p:ph type="sldImg" idx="2"/>
+          </p:nvPr>
+        </p:nvSpPr>
+        <p:spPr>
+          <a:xfrm>
+            <a:off x="1143000" y="685800"/>
+            <a:ext cx="4572000" cy="3429000"/>
+          </a:xfrm>
+          <a:prstGeom prst="rect">
+            <a:avLst/>
+          </a:prstGeom>
+          <a:noFill/>
+          <a:ln w="12700">
+            <a:solidFill>
+              <a:prstClr val="black"/>
+            </a:solidFill>
+          </a:ln>
+        </p:spPr>
+        <p:txBody>
+          <a:bodyPr vert="horz" lIns="91440" tIns="45720" rIns="91440" bIns="45720" rtlCol="0" anchor="ctr"/>
+          <a:lstStyle/>
+          <a:p>
+            <a:endParaRPr lang="en-GB"/>
+          </a:p>
+        </p:txBody>
+      </p:sp>
+      <p:sp>
+        <p:nvSpPr>
+          <p:cNvPr id="5" name="Notes Placeholder 4"/>
+          <p:cNvSpPr>
+            <a:spLocks noGrp="1"/>
+          </p:cNvSpPr>
+          <p:nvPr>
+            <p:ph type="body" sz="quarter" idx="3"/>
+          </p:nvPr>
+        </p:nvSpPr>
+        <p:spPr>
+          <a:xfrm>
+            <a:off x="685800" y="4343400"/>
+            <a:ext cx="5486400" cy="4114800"/>
+          </a:xfrm>
+          <a:prstGeom prst="rect">
+            <a:avLst/>
+          </a:prstGeom>
+        </p:spPr>
+        <p:txBody>
+          <a:bodyPr vert="horz" lIns="91440" tIns="45720" rIns="91440" bIns="45720" rtlCol="0">
+            <a:normAutofit/>
+          </a:bodyPr>
+          <a:lstStyle/>
+          <a:p>
+            <a:pPr lvl="0"/>
+            <a:r>
+              <a:rPr lang="en-US" smtClean="0"/>
+              <a:t>Click to edit Master text styles</a:t>
+            </a:r>
+          </a:p>
+          <a:p>
+            <a:pPr lvl="1"/>
+            <a:r>
+              <a:rPr lang="en-US" smtClean="0"/>
+              <a:t>Second level</a:t>
+            </a:r>
+          </a:p>
+          <a:p>
+            <a:pPr lvl="2"/>
+            <a:r>
+              <a:rPr lang="en-US" smtClean="0"/>
+              <a:t>Third level</a:t>
+            </a:r>
+          </a:p>
+          <a:p>
+            <a:pPr lvl="3"/>
+            <a:r>
+              <a:rPr lang="en-US" smtClean="0"/>
+              <a:t>Fourth level</a:t>
+            </a:r>
+          </a:p>
+          <a:p>
+            <a:pPr lvl="4"/>
+            <a:r>
+              <a:rPr lang="en-US" smtClean="0"/>
+              <a:t>Fifth level</a:t>
+            </a:r>
+            <a:endParaRPr lang="en-GB"/>
+          </a:p>
+        </p:txBody>
+      </p:sp>
+      <p:sp>
+        <p:nvSpPr>
+          <p:cNvPr id="6" name="Footer Placeholder 5"/>
+          <p:cNvSpPr>
+            <a:spLocks noGrp="1"/>
+          </p:cNvSpPr>
+          <p:nvPr>
+            <p:ph type="ftr" sz="quarter" idx="4"/>
+          </p:nvPr>
+        </p:nvSpPr>
+        <p:spPr>
+          <a:xfrm>
+            <a:off x="0" y="8685213"/>
+            <a:ext cx="2971800" cy="457200"/>
+          </a:xfrm>
+          <a:prstGeom prst="rect">
+            <a:avLst/>
+          </a:prstGeom>
+        </p:spPr>
+        <p:txBody>
+          <a:bodyPr vert="horz" lIns="91440" tIns="45720" rIns="91440" bIns="45720" rtlCol="0" anchor="b"/>
+          <a:lstStyle>
+            <a:lvl1pPr algn="l">
+              <a:defRPr sz="1200"/>
+            </a:lvl1pPr>
+          </a:lstStyle>
+          <a:p>
+            <a:endParaRPr lang="en-GB"/>
+          </a:p>
+        </p:txBody>
+      </p:sp>
+      <p:sp>
+        <p:nvSpPr>
+          <p:cNvPr id="7" name="Slide Number Placeholder 6"/>
+          <p:cNvSpPr>
+            <a:spLocks noGrp="1"/>
+          </p:cNvSpPr>
+          <p:nvPr>
+            <p:ph type="sldNum" sz="quarter" idx="5"/>
+          </p:nvPr>
+        </p:nvSpPr>
+        <p:spPr>
+          <a:xfrm>
+            <a:off x="3884613" y="8685213"/>
+            <a:ext cx="2971800" cy="457200"/>
+          </a:xfrm>
+          <a:prstGeom prst="rect">
+            <a:avLst/>
+          </a:prstGeom>
+        </p:spPr>
+        <p:txBody>
+          <a:bodyPr vert="horz" lIns="91440" tIns="45720" rIns="91440" bIns="45720" rtlCol="0" anchor="b"/>
+          <a:lstStyle>
+            <a:lvl1pPr algn="r">
+              <a:defRPr sz="1200"/>
+            </a:lvl1pPr>
+          </a:lstStyle>
+          <a:p>
+            <a:fld id="{EEE99753-9C4C-43E9-9628-26B59591C3DD}" type="slidenum">
+              <a:rPr lang="en-GB" smtClean="0"/>
+              <a:t>‹#›</a:t>
+            </a:fld>
+            <a:endParaRPr lang="en-GB"/>
+          </a:p>
+        </p:txBody>
+      </p:sp>
+    </p:spTree>
+  </p:cSld>
+  <p:clrMap bg1="lt1" tx1="dk1" bg2="lt2" tx2="dk2" accent1="accent1" accent2="accent2" accent3="accent3" accent4="accent4" accent5="accent5" accent6="accent6" hlink="hlink" folHlink="folHlink"/>
+  <p:notesStyle>
+    <a:lvl1pPr marL="0" algn="l" defTabSz="914400" rtl="0" eaLnBrk="1" latinLnBrk="0" hangingPunct="1">
+      <a:defRPr sz="1200" kern="1200">
+        <a:solidFill>
+          <a:schemeClr val="tx1"/>
+        </a:solidFill>
+        <a:latin typeface="+mn-lt"/>
+        <a:ea typeface="+mn-ea"/>
+        <a:cs typeface="+mn-cs"/>
+      </a:defRPr>
+    </a:lvl1pPr>
+    <a:lvl2pPr marL="457200" algn="l" defTabSz="914400" rtl="0" eaLnBrk="1" latinLnBrk="0" hangingPunct="1">
+      <a:defRPr sz="1200" kern="1200">
+        <a:solidFill>
+          <a:schemeClr val="tx1"/>
+        </a:solidFill>
+        <a:latin typeface="+mn-lt"/>
+        <a:ea typeface="+mn-ea"/>
+        <a:cs typeface="+mn-cs"/>
+      </a:defRPr>
+    </a:lvl2pPr>
+    <a:lvl3pPr marL="914400" algn="l" defTabSz="914400" rtl="0" eaLnBrk="1" latinLnBrk="0" hangingPunct="1">
+      <a:defRPr sz="1200" kern="1200">
+        <a:solidFill>
+          <a:schemeClr val="tx1"/>
+        </a:solidFill>
+        <a:latin typeface="+mn-lt"/>
+        <a:ea typeface="+mn-ea"/>
+        <a:cs typeface="+mn-cs"/>
+      </a:defRPr>
+    </a:lvl3pPr>
+    <a:lvl4pPr marL="1371600" algn="l" defTabSz="914400" rtl="0" eaLnBrk="1" latinLnBrk="0" hangingPunct="1">
+      <a:defRPr sz="1200" kern="1200">
+        <a:solidFill>
+          <a:schemeClr val="tx1"/>
+        </a:solidFill>
+        <a:latin typeface="+mn-lt"/>
+        <a:ea typeface="+mn-ea"/>
+        <a:cs typeface="+mn-cs"/>
+      </a:defRPr>
+    </a:lvl4pPr>
+    <a:lvl5pPr marL="1828800" algn="l" defTabSz="914400" rtl="0" eaLnBrk="1" latinLnBrk="0" hangingPunct="1">
+      <a:defRPr sz="1200" kern="1200">
+        <a:solidFill>
+          <a:schemeClr val="tx1"/>
+        </a:solidFill>
+        <a:latin typeface="+mn-lt"/>
+        <a:ea typeface="+mn-ea"/>
+        <a:cs typeface="+mn-cs"/>
+      </a:defRPr>
+    </a:lvl5pPr>
+    <a:lvl6pPr marL="2286000" algn="l" defTabSz="914400" rtl="0" eaLnBrk="1" latinLnBrk="0" hangingPunct="1">
+      <a:defRPr sz="1200" kern="1200">
+        <a:solidFill>
+          <a:schemeClr val="tx1"/>
+        </a:solidFill>
+        <a:latin typeface="+mn-lt"/>
+        <a:ea typeface="+mn-ea"/>
+        <a:cs typeface="+mn-cs"/>
+      </a:defRPr>
+    </a:lvl6pPr>
+    <a:lvl7pPr marL="2743200" algn="l" defTabSz="914400" rtl="0" eaLnBrk="1" latinLnBrk="0" hangingPunct="1">
+      <a:defRPr sz="1200" kern="1200">
+        <a:solidFill>
+          <a:schemeClr val="tx1"/>
+        </a:solidFill>
+        <a:latin typeface="+mn-lt"/>
+        <a:ea typeface="+mn-ea"/>
+        <a:cs typeface="+mn-cs"/>
+      </a:defRPr>
+    </a:lvl7pPr>
+    <a:lvl8pPr marL="3200400" algn="l" defTabSz="914400" rtl="0" eaLnBrk="1" latinLnBrk="0" hangingPunct="1">
+      <a:defRPr sz="1200" kern="1200">
+        <a:solidFill>
+          <a:schemeClr val="tx1"/>
+        </a:solidFill>
+        <a:latin typeface="+mn-lt"/>
+        <a:ea typeface="+mn-ea"/>
+        <a:cs typeface="+mn-cs"/>
+      </a:defRPr>
+    </a:lvl8pPr>
+    <a:lvl9pPr marL="3657600" algn="l" defTabSz="914400" rtl="0" eaLnBrk="1" latinLnBrk="0" hangingPunct="1">
+      <a:defRPr sz="1200" kern="1200">
+        <a:solidFill>
+          <a:schemeClr val="tx1"/>
+        </a:solidFill>
+        <a:latin typeface="+mn-lt"/>
+        <a:ea typeface="+mn-ea"/>
+        <a:cs typeface="+mn-cs"/>
+      </a:defRPr>
+    </a:lvl9pPr>
+  </p:notesStyle>
+</p:notesMaster>
+</file>
+
 <file path=ppt/slideLayouts/slideLayout1.xml><?xml version="1.0" encoding="utf-8"?>
 <p:sldLayout xmlns:a="http://schemas.openxmlformats.org/drawingml/2006/main" xmlns:r="http://schemas.openxmlformats.org/officeDocument/2006/relationships" xmlns:p="http://schemas.openxmlformats.org/presentationml/2006/main" type="title" preserve="1">
   <p:cSld name="Title Slide">
@@ -295,7 +645,7 @@
             <a:fld id="{7F97EE62-E3D0-4E7B-B469-EAEE700658EE}" type="datetimeFigureOut">
               <a:rPr lang="en-GB" smtClean="0"/>
               <a:pPr/>
-              <a:t>19/02/2012</a:t>
+              <a:t>20/02/2012</a:t>
             </a:fld>
             <a:endParaRPr lang="en-GB"/>
           </a:p>
@@ -462,7 +812,7 @@
             <a:fld id="{7F97EE62-E3D0-4E7B-B469-EAEE700658EE}" type="datetimeFigureOut">
               <a:rPr lang="en-GB" smtClean="0"/>
               <a:pPr/>
-              <a:t>19/02/2012</a:t>
+              <a:t>20/02/2012</a:t>
             </a:fld>
             <a:endParaRPr lang="en-GB"/>
           </a:p>
@@ -639,7 +989,7 @@
             <a:fld id="{7F97EE62-E3D0-4E7B-B469-EAEE700658EE}" type="datetimeFigureOut">
               <a:rPr lang="en-GB" smtClean="0"/>
               <a:pPr/>
-              <a:t>19/02/2012</a:t>
+              <a:t>20/02/2012</a:t>
             </a:fld>
             <a:endParaRPr lang="en-GB"/>
           </a:p>
@@ -806,7 +1156,7 @@
             <a:fld id="{7F97EE62-E3D0-4E7B-B469-EAEE700658EE}" type="datetimeFigureOut">
               <a:rPr lang="en-GB" smtClean="0"/>
               <a:pPr/>
-              <a:t>19/02/2012</a:t>
+              <a:t>20/02/2012</a:t>
             </a:fld>
             <a:endParaRPr lang="en-GB"/>
           </a:p>
@@ -1049,7 +1399,7 @@
             <a:fld id="{7F97EE62-E3D0-4E7B-B469-EAEE700658EE}" type="datetimeFigureOut">
               <a:rPr lang="en-GB" smtClean="0"/>
               <a:pPr/>
-              <a:t>19/02/2012</a:t>
+              <a:t>20/02/2012</a:t>
             </a:fld>
             <a:endParaRPr lang="en-GB"/>
           </a:p>
@@ -1334,7 +1684,7 @@
             <a:fld id="{7F97EE62-E3D0-4E7B-B469-EAEE700658EE}" type="datetimeFigureOut">
               <a:rPr lang="en-GB" smtClean="0"/>
               <a:pPr/>
-              <a:t>19/02/2012</a:t>
+              <a:t>20/02/2012</a:t>
             </a:fld>
             <a:endParaRPr lang="en-GB"/>
           </a:p>
@@ -1753,7 +2103,7 @@
             <a:fld id="{7F97EE62-E3D0-4E7B-B469-EAEE700658EE}" type="datetimeFigureOut">
               <a:rPr lang="en-GB" smtClean="0"/>
               <a:pPr/>
-              <a:t>19/02/2012</a:t>
+              <a:t>20/02/2012</a:t>
             </a:fld>
             <a:endParaRPr lang="en-GB"/>
           </a:p>
@@ -1868,7 +2218,7 @@
             <a:fld id="{7F97EE62-E3D0-4E7B-B469-EAEE700658EE}" type="datetimeFigureOut">
               <a:rPr lang="en-GB" smtClean="0"/>
               <a:pPr/>
-              <a:t>19/02/2012</a:t>
+              <a:t>20/02/2012</a:t>
             </a:fld>
             <a:endParaRPr lang="en-GB"/>
           </a:p>
@@ -1960,7 +2310,7 @@
             <a:fld id="{7F97EE62-E3D0-4E7B-B469-EAEE700658EE}" type="datetimeFigureOut">
               <a:rPr lang="en-GB" smtClean="0"/>
               <a:pPr/>
-              <a:t>19/02/2012</a:t>
+              <a:t>20/02/2012</a:t>
             </a:fld>
             <a:endParaRPr lang="en-GB"/>
           </a:p>
@@ -2234,7 +2584,7 @@
             <a:fld id="{7F97EE62-E3D0-4E7B-B469-EAEE700658EE}" type="datetimeFigureOut">
               <a:rPr lang="en-GB" smtClean="0"/>
               <a:pPr/>
-              <a:t>19/02/2012</a:t>
+              <a:t>20/02/2012</a:t>
             </a:fld>
             <a:endParaRPr lang="en-GB"/>
           </a:p>
@@ -2484,7 +2834,7 @@
             <a:fld id="{7F97EE62-E3D0-4E7B-B469-EAEE700658EE}" type="datetimeFigureOut">
               <a:rPr lang="en-GB" smtClean="0"/>
               <a:pPr/>
-              <a:t>19/02/2012</a:t>
+              <a:t>20/02/2012</a:t>
             </a:fld>
             <a:endParaRPr lang="en-GB"/>
           </a:p>
@@ -2694,7 +3044,7 @@
             <a:fld id="{7F97EE62-E3D0-4E7B-B469-EAEE700658EE}" type="datetimeFigureOut">
               <a:rPr lang="en-GB" smtClean="0"/>
               <a:pPr/>
-              <a:t>19/02/2012</a:t>
+              <a:t>20/02/2012</a:t>
             </a:fld>
             <a:endParaRPr lang="en-GB"/>
           </a:p>
@@ -3138,7 +3488,7 @@
     </p:spTree>
     <p:extLst>
       <p:ext uri="{BB962C8B-B14F-4D97-AF65-F5344CB8AC3E}">
-        <p14:creationId xmlns:p14="http://schemas.microsoft.com/office/powerpoint/2010/main" xmlns="" val="504168143"/>
+        <p14:creationId xmlns="" xmlns:p14="http://schemas.microsoft.com/office/powerpoint/2010/main" val="504168143"/>
       </p:ext>
     </p:extLst>
   </p:cSld>
@@ -3248,7 +3598,7 @@
     </p:spTree>
     <p:extLst>
       <p:ext uri="{BB962C8B-B14F-4D97-AF65-F5344CB8AC3E}">
-        <p14:creationId xmlns:p14="http://schemas.microsoft.com/office/powerpoint/2010/main" xmlns="" val="3109711924"/>
+        <p14:creationId xmlns="" xmlns:p14="http://schemas.microsoft.com/office/powerpoint/2010/main" val="3109711924"/>
       </p:ext>
     </p:extLst>
   </p:cSld>
@@ -3336,7 +3686,7 @@
     </p:spTree>
     <p:extLst>
       <p:ext uri="{BB962C8B-B14F-4D97-AF65-F5344CB8AC3E}">
-        <p14:creationId xmlns:p14="http://schemas.microsoft.com/office/powerpoint/2010/main" xmlns="" val="3674118470"/>
+        <p14:creationId xmlns="" xmlns:p14="http://schemas.microsoft.com/office/powerpoint/2010/main" val="3674118470"/>
       </p:ext>
     </p:extLst>
   </p:cSld>
@@ -3380,7 +3730,7 @@
           <a:p>
             <a:r>
               <a:rPr lang="en-GB" dirty="0" smtClean="0"/>
-              <a:t>Theory – Basic Active Contours</a:t>
+              <a:t>Theory – Level Sets</a:t>
             </a:r>
             <a:endParaRPr lang="en-GB" dirty="0"/>
           </a:p>
@@ -3396,16 +3746,209 @@
             <p:ph idx="1"/>
           </p:nvPr>
         </p:nvSpPr>
-        <p:spPr/>
-        <p:txBody>
-          <a:bodyPr/>
-          <a:lstStyle/>
-          <a:p>
+        <p:spPr>
+          <a:xfrm>
+            <a:off x="457200" y="1600200"/>
+            <a:ext cx="4114800" cy="4525963"/>
+          </a:xfrm>
+        </p:spPr>
+        <p:txBody>
+          <a:bodyPr>
+            <a:normAutofit fontScale="92500"/>
+          </a:bodyPr>
+          <a:lstStyle/>
+          <a:p>
+            <a:r>
+              <a:rPr lang="en-GB" dirty="0" err="1" smtClean="0"/>
+              <a:t>Parameterising</a:t>
+            </a:r>
             <a:r>
               <a:rPr lang="en-GB" dirty="0" smtClean="0"/>
-              <a:t>What is it, what does it do? How does it work?</a:t>
-            </a:r>
+              <a:t> shapes is difficult</a:t>
+            </a:r>
+          </a:p>
+          <a:p>
+            <a:r>
+              <a:rPr lang="en-GB" dirty="0" smtClean="0"/>
+              <a:t>Particularly difficult if they change with time</a:t>
+            </a:r>
+          </a:p>
+          <a:p>
+            <a:r>
+              <a:rPr lang="en-GB" dirty="0" smtClean="0"/>
+              <a:t>Level sets allow you to model a shape without </a:t>
+            </a:r>
+            <a:r>
+              <a:rPr lang="en-GB" dirty="0" err="1" smtClean="0"/>
+              <a:t>parameterising</a:t>
+            </a:r>
+            <a:r>
+              <a:rPr lang="en-GB" dirty="0" smtClean="0"/>
+              <a:t> it</a:t>
+            </a:r>
+          </a:p>
+          <a:p>
+            <a:r>
+              <a:rPr lang="en-GB" dirty="0" smtClean="0"/>
+              <a:t>Zero level is the contour being evolved</a:t>
+            </a:r>
+          </a:p>
+          <a:p>
             <a:endParaRPr lang="en-GB" dirty="0"/>
+          </a:p>
+        </p:txBody>
+      </p:sp>
+      <p:grpSp>
+        <p:nvGrpSpPr>
+          <p:cNvPr id="6" name="Group 5"/>
+          <p:cNvGrpSpPr/>
+          <p:nvPr/>
+        </p:nvGrpSpPr>
+        <p:grpSpPr>
+          <a:xfrm>
+            <a:off x="4644008" y="1988840"/>
+            <a:ext cx="3954016" cy="3213938"/>
+            <a:chOff x="4716016" y="1412776"/>
+            <a:chExt cx="3954016" cy="3213938"/>
+          </a:xfrm>
+        </p:grpSpPr>
+        <p:pic>
+          <p:nvPicPr>
+            <p:cNvPr id="1026" name="Picture 2"/>
+            <p:cNvPicPr>
+              <a:picLocks noChangeAspect="1" noChangeArrowheads="1"/>
+            </p:cNvPicPr>
+            <p:nvPr/>
+          </p:nvPicPr>
+          <p:blipFill>
+            <a:blip r:embed="rId2" cstate="print"/>
+            <a:srcRect/>
+            <a:stretch>
+              <a:fillRect/>
+            </a:stretch>
+          </p:blipFill>
+          <p:spPr bwMode="auto">
+            <a:xfrm>
+              <a:off x="4716016" y="1412776"/>
+              <a:ext cx="3954016" cy="2965512"/>
+            </a:xfrm>
+            <a:prstGeom prst="rect">
+              <a:avLst/>
+            </a:prstGeom>
+            <a:noFill/>
+            <a:ln w="9525">
+              <a:noFill/>
+              <a:miter lim="800000"/>
+              <a:headEnd/>
+              <a:tailEnd/>
+            </a:ln>
+          </p:spPr>
+        </p:pic>
+        <p:sp>
+          <p:nvSpPr>
+            <p:cNvPr id="5" name="Rectangle 4"/>
+            <p:cNvSpPr/>
+            <p:nvPr/>
+          </p:nvSpPr>
+          <p:spPr>
+            <a:xfrm>
+              <a:off x="4788024" y="4365104"/>
+              <a:ext cx="3528392" cy="261610"/>
+            </a:xfrm>
+            <a:prstGeom prst="rect">
+              <a:avLst/>
+            </a:prstGeom>
+          </p:spPr>
+          <p:txBody>
+            <a:bodyPr wrap="square">
+              <a:spAutoFit/>
+            </a:bodyPr>
+            <a:lstStyle/>
+            <a:p>
+              <a:r>
+                <a:rPr lang="en-GB" sz="1100" dirty="0" smtClean="0"/>
+                <a:t>http://en.wikipedia.org/wiki/File:Level_set_method.jpg</a:t>
+              </a:r>
+              <a:endParaRPr lang="en-GB" sz="1100" dirty="0"/>
+            </a:p>
+          </p:txBody>
+        </p:sp>
+      </p:grpSp>
+      <p:sp>
+        <p:nvSpPr>
+          <p:cNvPr id="7" name="TextBox 6"/>
+          <p:cNvSpPr txBox="1"/>
+          <p:nvPr/>
+        </p:nvSpPr>
+        <p:spPr>
+          <a:xfrm>
+            <a:off x="5436096" y="5373216"/>
+            <a:ext cx="2592288" cy="369332"/>
+          </a:xfrm>
+          <a:prstGeom prst="rect">
+            <a:avLst/>
+          </a:prstGeom>
+          <a:noFill/>
+        </p:spPr>
+        <p:txBody>
+          <a:bodyPr wrap="square" rtlCol="0">
+            <a:spAutoFit/>
+          </a:bodyPr>
+          <a:lstStyle/>
+          <a:p>
+            <a:r>
+              <a:rPr lang="en-GB" dirty="0" smtClean="0"/>
+              <a:t>ɸ - the level set function</a:t>
+            </a:r>
+            <a:endParaRPr lang="en-GB" dirty="0"/>
+          </a:p>
+        </p:txBody>
+      </p:sp>
+      <p:sp>
+        <p:nvSpPr>
+          <p:cNvPr id="8" name="Curved Right Arrow 7"/>
+          <p:cNvSpPr/>
+          <p:nvPr/>
+        </p:nvSpPr>
+        <p:spPr>
+          <a:xfrm rot="11823504">
+            <a:off x="8143484" y="4676454"/>
+            <a:ext cx="576064" cy="1008112"/>
+          </a:xfrm>
+          <a:prstGeom prst="curvedRightArrow">
+            <a:avLst>
+              <a:gd name="adj1" fmla="val 19260"/>
+              <a:gd name="adj2" fmla="val 52214"/>
+              <a:gd name="adj3" fmla="val 23703"/>
+            </a:avLst>
+          </a:prstGeom>
+        </p:spPr>
+        <p:style>
+          <a:lnRef idx="2">
+            <a:schemeClr val="accent1">
+              <a:shade val="50000"/>
+            </a:schemeClr>
+          </a:lnRef>
+          <a:fillRef idx="1">
+            <a:schemeClr val="accent1"/>
+          </a:fillRef>
+          <a:effectRef idx="0">
+            <a:schemeClr val="accent1"/>
+          </a:effectRef>
+          <a:fontRef idx="minor">
+            <a:schemeClr val="lt1"/>
+          </a:fontRef>
+        </p:style>
+        <p:txBody>
+          <a:bodyPr rtlCol="0" anchor="ctr"/>
+          <a:lstStyle/>
+          <a:p>
+            <a:pPr algn="ctr"/>
+            <a:endParaRPr lang="en-GB">
+              <a:solidFill>
+                <a:schemeClr val="tx1"/>
+              </a:solidFill>
+            </a:endParaRPr>
           </a:p>
         </p:txBody>
       </p:sp>
@@ -3451,7 +3994,7 @@
           <a:p>
             <a:r>
               <a:rPr lang="en-GB" dirty="0" smtClean="0"/>
-              <a:t>Theory – Level Sets</a:t>
+              <a:t>Theory – Minimising the Energy</a:t>
             </a:r>
             <a:endParaRPr lang="en-GB" dirty="0"/>
           </a:p>
@@ -3467,19 +4010,62 @@
             <p:ph idx="1"/>
           </p:nvPr>
         </p:nvSpPr>
-        <p:spPr/>
+        <p:spPr>
+          <a:xfrm>
+            <a:off x="457200" y="1600201"/>
+            <a:ext cx="8075240" cy="2836912"/>
+          </a:xfrm>
+        </p:spPr>
         <p:txBody>
           <a:bodyPr/>
           <a:lstStyle/>
           <a:p>
             <a:r>
               <a:rPr lang="en-GB" dirty="0" smtClean="0"/>
-              <a:t>What are they, why would we want them?</a:t>
+              <a:t>The curve evolves based on its internal and external forces</a:t>
+            </a:r>
+          </a:p>
+          <a:p>
+            <a:r>
+              <a:rPr lang="en-GB" dirty="0" smtClean="0"/>
+              <a:t>When these forces are minimised you are at the shape boundary</a:t>
             </a:r>
             <a:endParaRPr lang="en-GB" dirty="0"/>
           </a:p>
         </p:txBody>
       </p:sp>
+      <p:pic>
+        <p:nvPicPr>
+          <p:cNvPr id="2051" name="Picture 3"/>
+          <p:cNvPicPr>
+            <a:picLocks noChangeAspect="1" noChangeArrowheads="1"/>
+          </p:cNvPicPr>
+          <p:nvPr/>
+        </p:nvPicPr>
+        <p:blipFill>
+          <a:blip r:embed="rId2" cstate="print"/>
+          <a:srcRect/>
+          <a:stretch>
+            <a:fillRect/>
+          </a:stretch>
+        </p:blipFill>
+        <p:spPr bwMode="auto">
+          <a:xfrm>
+            <a:off x="755576" y="4509120"/>
+            <a:ext cx="7353300" cy="2066925"/>
+          </a:xfrm>
+          <a:prstGeom prst="rect">
+            <a:avLst/>
+          </a:prstGeom>
+          <a:noFill/>
+          <a:ln w="9525">
+            <a:noFill/>
+            <a:miter lim="800000"/>
+            <a:headEnd/>
+            <a:tailEnd/>
+          </a:ln>
+        </p:spPr>
+      </p:pic>
     </p:spTree>
   </p:cSld>
   <p:clrMapOvr>
@@ -3522,7 +4108,7 @@
           <a:p>
             <a:r>
               <a:rPr lang="en-GB" dirty="0" smtClean="0"/>
-              <a:t>Theory – Using Level Sets</a:t>
+              <a:t>Theory – Minimising the Energy</a:t>
             </a:r>
             <a:endParaRPr lang="en-GB" dirty="0"/>
           </a:p>
@@ -3538,25 +4124,100 @@
             <p:ph idx="1"/>
           </p:nvPr>
         </p:nvSpPr>
-        <p:spPr/>
+        <p:spPr>
+          <a:xfrm>
+            <a:off x="457200" y="1600201"/>
+            <a:ext cx="5050904" cy="3124944"/>
+          </a:xfrm>
+        </p:spPr>
         <p:txBody>
           <a:bodyPr/>
           <a:lstStyle/>
           <a:p>
             <a:r>
               <a:rPr lang="en-GB" dirty="0" smtClean="0"/>
-              <a:t>Getting level sets into snakes</a:t>
+              <a:t>c1 is the average inside the curve</a:t>
             </a:r>
           </a:p>
           <a:p>
             <a:r>
               <a:rPr lang="en-GB" dirty="0" smtClean="0"/>
-              <a:t>Introduce the Maths</a:t>
+              <a:t>c2 is the average outside the curve</a:t>
+            </a:r>
+          </a:p>
+          <a:p>
+            <a:r>
+              <a:rPr lang="en-GB" dirty="0" smtClean="0"/>
+              <a:t>Forces are attractive</a:t>
             </a:r>
             <a:endParaRPr lang="en-GB" dirty="0"/>
           </a:p>
         </p:txBody>
       </p:sp>
+      <p:pic>
+        <p:nvPicPr>
+          <p:cNvPr id="5" name="Picture 3"/>
+          <p:cNvPicPr>
+            <a:picLocks noChangeAspect="1" noChangeArrowheads="1"/>
+          </p:cNvPicPr>
+          <p:nvPr/>
+        </p:nvPicPr>
+        <p:blipFill>
+          <a:blip r:embed="rId2" cstate="print"/>
+          <a:srcRect/>
+          <a:stretch>
+            <a:fillRect/>
+          </a:stretch>
+        </p:blipFill>
+        <p:spPr bwMode="auto">
+          <a:xfrm>
+            <a:off x="755576" y="4509120"/>
+            <a:ext cx="7353300" cy="2066925"/>
+          </a:xfrm>
+          <a:prstGeom prst="rect">
+            <a:avLst/>
+          </a:prstGeom>
+          <a:noFill/>
+          <a:ln w="9525">
+            <a:noFill/>
+            <a:miter lim="800000"/>
+            <a:headEnd/>
+            <a:tailEnd/>
+          </a:ln>
+        </p:spPr>
+      </p:pic>
+      <p:pic>
+        <p:nvPicPr>
+          <p:cNvPr id="4" name="Picture 2"/>
+          <p:cNvPicPr>
+            <a:picLocks noChangeAspect="1" noChangeArrowheads="1"/>
+          </p:cNvPicPr>
+          <p:nvPr/>
+        </p:nvPicPr>
+        <p:blipFill>
+          <a:blip r:embed="rId3" cstate="print"/>
+          <a:srcRect/>
+          <a:stretch>
+            <a:fillRect/>
+          </a:stretch>
+        </p:blipFill>
+        <p:spPr bwMode="auto">
+          <a:xfrm>
+            <a:off x="5724128" y="1412775"/>
+            <a:ext cx="2808312" cy="3427093"/>
+          </a:xfrm>
+          <a:prstGeom prst="rect">
+            <a:avLst/>
+          </a:prstGeom>
+          <a:noFill/>
+          <a:ln w="9525">
+            <a:noFill/>
+            <a:miter lim="800000"/>
+            <a:headEnd/>
+            <a:tailEnd/>
+          </a:ln>
+        </p:spPr>
+      </p:pic>
     </p:spTree>
   </p:cSld>
   <p:clrMapOvr>
@@ -3594,54 +4255,51 @@
         </p:nvSpPr>
         <p:spPr/>
         <p:txBody>
-          <a:bodyPr/>
+          <a:bodyPr>
+            <a:normAutofit fontScale="90000"/>
+          </a:bodyPr>
           <a:lstStyle/>
           <a:p>
             <a:r>
               <a:rPr lang="en-GB" dirty="0" smtClean="0"/>
-              <a:t>Theory – Minimising the Energy</a:t>
+              <a:t>Theory – Constraining the Behaviour</a:t>
             </a:r>
             <a:endParaRPr lang="en-GB" dirty="0"/>
           </a:p>
         </p:txBody>
       </p:sp>
-      <p:sp>
-        <p:nvSpPr>
-          <p:cNvPr id="3" name="Content Placeholder 2"/>
-          <p:cNvSpPr>
-            <a:spLocks noGrp="1"/>
-          </p:cNvSpPr>
-          <p:nvPr>
-            <p:ph idx="1"/>
-          </p:nvPr>
-        </p:nvSpPr>
-        <p:spPr/>
-        <p:txBody>
-          <a:bodyPr/>
-          <a:lstStyle/>
-          <a:p>
-            <a:r>
-              <a:rPr lang="en-GB" dirty="0" smtClean="0"/>
-              <a:t>Show diagrams for how the edge is the minimum energy</a:t>
-            </a:r>
-          </a:p>
-          <a:p>
-            <a:r>
-              <a:rPr lang="en-GB" dirty="0" smtClean="0"/>
-              <a:t>Continue maths with the fact that we need to minimise: goes neatly into </a:t>
-            </a:r>
-            <a:r>
-              <a:rPr lang="en-GB" dirty="0" err="1" smtClean="0"/>
-              <a:t>michael’s</a:t>
-            </a:r>
-            <a:r>
-              <a:rPr lang="en-GB" dirty="0" smtClean="0"/>
-              <a:t> implementation</a:t>
-            </a:r>
-            <a:endParaRPr lang="en-GB" dirty="0"/>
-          </a:p>
-        </p:txBody>
-      </p:sp>
+      <p:pic>
+        <p:nvPicPr>
+          <p:cNvPr id="3074" name="Picture 2"/>
+          <p:cNvPicPr>
+            <a:picLocks noChangeAspect="1" noChangeArrowheads="1"/>
+          </p:cNvPicPr>
+          <p:nvPr/>
+        </p:nvPicPr>
+        <p:blipFill>
+          <a:blip r:embed="rId2" cstate="print"/>
+          <a:srcRect/>
+          <a:stretch>
+            <a:fillRect/>
+          </a:stretch>
+        </p:blipFill>
+        <p:spPr bwMode="auto">
+          <a:xfrm>
+            <a:off x="755576" y="1844824"/>
+            <a:ext cx="7353300" cy="2190750"/>
+          </a:xfrm>
+          <a:prstGeom prst="rect">
+            <a:avLst/>
+          </a:prstGeom>
+          <a:noFill/>
+          <a:ln w="9525">
+            <a:noFill/>
+            <a:miter lim="800000"/>
+            <a:headEnd/>
+            <a:tailEnd/>
+          </a:ln>
+        </p:spPr>
+      </p:pic>
     </p:spTree>
   </p:cSld>
   <p:clrMapOvr>
@@ -3931,4 +4589,287 @@
   <a:objectDefaults/>
   <a:extraClrSchemeLst/>
 </a:theme>
+</file>
+
+<file path=ppt/theme/theme2.xml><?xml version="1.0" encoding="utf-8"?>
+<a:theme xmlns:a="http://schemas.openxmlformats.org/drawingml/2006/main" name="Office Theme">
+  <a:themeElements>
+    <a:clrScheme name="Office">
+      <a:dk1>
+        <a:sysClr val="windowText" lastClr="000000"/>
+      </a:dk1>
+      <a:lt1>
+        <a:sysClr val="window" lastClr="FFFFFF"/>
+      </a:lt1>
+      <a:dk2>
+        <a:srgbClr val="1F497D"/>
+      </a:dk2>
+      <a:lt2>
+        <a:srgbClr val="EEECE1"/>
+      </a:lt2>
+      <a:accent1>
+        <a:srgbClr val="4F81BD"/>
+      </a:accent1>
+      <a:accent2>
+        <a:srgbClr val="C0504D"/>
+      </a:accent2>
+      <a:accent3>
+        <a:srgbClr val="9BBB59"/>
+      </a:accent3>
+      <a:accent4>
+        <a:srgbClr val="8064A2"/>
+      </a:accent4>
+      <a:accent5>
+        <a:srgbClr val="4BACC6"/>
+      </a:accent5>
+      <a:accent6>
+        <a:srgbClr val="F79646"/>
+      </a:accent6>
+      <a:hlink>
+        <a:srgbClr val="0000FF"/>
+      </a:hlink>
+      <a:folHlink>
+        <a:srgbClr val="800080"/>
+      </a:folHlink>
+    </a:clrScheme>
+    <a:fontScheme name="Office">
+      <a:majorFont>
+        <a:latin typeface="Calibri"/>
+        <a:ea typeface=""/>
+        <a:cs typeface=""/>
+        <a:font script="Jpan" typeface="ＭＳ Ｐゴシック"/>
+        <a:font script="Hang" typeface="맑은 고딕"/>
+        <a:font script="Hans" typeface="宋体"/>
+        <a:font script="Hant" typeface="新細明體"/>
+        <a:font script="Arab" typeface="Times New Roman"/>
+        <a:font script="Hebr" typeface="Times New Roman"/>
+        <a:font script="Thai" typeface="Angsana New"/>
+        <a:font script="Ethi" typeface="Nyala"/>
+        <a:font script="Beng" typeface="Vrinda"/>
+        <a:font script="Gujr" typeface="Shruti"/>
+        <a:font script="Khmr" typeface="MoolBoran"/>
+        <a:font script="Knda" typeface="Tunga"/>
+        <a:font script="Guru" typeface="Raavi"/>
+        <a:font script="Cans" typeface="Euphemia"/>
+        <a:font script="Cher" typeface="Plantagenet Cherokee"/>
+        <a:font script="Yiii" typeface="Microsoft Yi Baiti"/>
+        <a:font script="Tibt" typeface="Microsoft Himalaya"/>
+        <a:font script="Thaa" typeface="MV Boli"/>
+        <a:font script="Deva" typeface="Mangal"/>
+        <a:font script="Telu" typeface="Gautami"/>
+        <a:font script="Taml" typeface="Latha"/>
+        <a:font script="Syrc" typeface="Estrangelo Edessa"/>
+        <a:font script="Orya" typeface="Kalinga"/>
+        <a:font script="Mlym" typeface="Kartika"/>
+        <a:font script="Laoo" typeface="DokChampa"/>
+        <a:font script="Sinh" typeface="Iskoola Pota"/>
+        <a:font script="Mong" typeface="Mongolian Baiti"/>
+        <a:font script="Viet" typeface="Times New Roman"/>
+        <a:font script="Uigh" typeface="Microsoft Uighur"/>
+      </a:majorFont>
+      <a:minorFont>
+        <a:latin typeface="Calibri"/>
+        <a:ea typeface=""/>
+        <a:cs typeface=""/>
+        <a:font script="Jpan" typeface="ＭＳ Ｐゴシック"/>
+        <a:font script="Hang" typeface="맑은 고딕"/>
+        <a:font script="Hans" typeface="宋体"/>
+        <a:font script="Hant" typeface="新細明體"/>
+        <a:font script="Arab" typeface="Arial"/>
+        <a:font script="Hebr" typeface="Arial"/>
+        <a:font script="Thai" typeface="Cordia New"/>
+        <a:font script="Ethi" typeface="Nyala"/>
+        <a:font script="Beng" typeface="Vrinda"/>
+        <a:font script="Gujr" typeface="Shruti"/>
+        <a:font script="Khmr" typeface="DaunPenh"/>
+        <a:font script="Knda" typeface="Tunga"/>
+        <a:font script="Guru" typeface="Raavi"/>
+        <a:font script="Cans" typeface="Euphemia"/>
+        <a:font script="Cher" typeface="Plantagenet Cherokee"/>
+        <a:font script="Yiii" typeface="Microsoft Yi Baiti"/>
+        <a:font script="Tibt" typeface="Microsoft Himalaya"/>
+        <a:font script="Thaa" typeface="MV Boli"/>
+        <a:font script="Deva" typeface="Mangal"/>
+        <a:font script="Telu" typeface="Gautami"/>
+        <a:font script="Taml" typeface="Latha"/>
+        <a:font script="Syrc" typeface="Estrangelo Edessa"/>
+        <a:font script="Orya" typeface="Kalinga"/>
+        <a:font script="Mlym" typeface="Kartika"/>
+        <a:font script="Laoo" typeface="DokChampa"/>
+        <a:font script="Sinh" typeface="Iskoola Pota"/>
+        <a:font script="Mong" typeface="Mongolian Baiti"/>
+        <a:font script="Viet" typeface="Arial"/>
+        <a:font script="Uigh" typeface="Microsoft Uighur"/>
+      </a:minorFont>
+    </a:fontScheme>
+    <a:fmtScheme name="Office">
+      <a:fillStyleLst>
+        <a:solidFill>
+          <a:schemeClr val="phClr"/>
+        </a:solidFill>
+        <a:gradFill rotWithShape="1">
+          <a:gsLst>
+            <a:gs pos="0">
+              <a:schemeClr val="phClr">
+                <a:tint val="50000"/>
+                <a:satMod val="300000"/>
+              </a:schemeClr>
+            </a:gs>
+            <a:gs pos="35000">
+              <a:schemeClr val="phClr">
+                <a:tint val="37000"/>
+                <a:satMod val="300000"/>
+              </a:schemeClr>
+            </a:gs>
+            <a:gs pos="100000">
+              <a:schemeClr val="phClr">
+                <a:tint val="15000"/>
+                <a:satMod val="350000"/>
+              </a:schemeClr>
+            </a:gs>
+          </a:gsLst>
+          <a:lin ang="16200000" scaled="1"/>
+        </a:gradFill>
+        <a:gradFill rotWithShape="1">
+          <a:gsLst>
+            <a:gs pos="0">
+              <a:schemeClr val="phClr">
+                <a:shade val="51000"/>
+                <a:satMod val="130000"/>
+              </a:schemeClr>
+            </a:gs>
+            <a:gs pos="80000">
+              <a:schemeClr val="phClr">
+                <a:shade val="93000"/>
+                <a:satMod val="130000"/>
+              </a:schemeClr>
+            </a:gs>
+            <a:gs pos="100000">
+              <a:schemeClr val="phClr">
+                <a:shade val="94000"/>
+                <a:satMod val="135000"/>
+              </a:schemeClr>
+            </a:gs>
+          </a:gsLst>
+          <a:lin ang="16200000" scaled="0"/>
+        </a:gradFill>
+      </a:fillStyleLst>
+      <a:lnStyleLst>
+        <a:ln w="9525" cap="flat" cmpd="sng" algn="ctr">
+          <a:solidFill>
+            <a:schemeClr val="phClr">
+              <a:shade val="95000"/>
+              <a:satMod val="105000"/>
+            </a:schemeClr>
+          </a:solidFill>
+          <a:prstDash val="solid"/>
+        </a:ln>
+        <a:ln w="25400" cap="flat" cmpd="sng" algn="ctr">
+          <a:solidFill>
+            <a:schemeClr val="phClr"/>
+          </a:solidFill>
+          <a:prstDash val="solid"/>
+        </a:ln>
+        <a:ln w="38100" cap="flat" cmpd="sng" algn="ctr">
+          <a:solidFill>
+            <a:schemeClr val="phClr"/>
+          </a:solidFill>
+          <a:prstDash val="solid"/>
+        </a:ln>
+      </a:lnStyleLst>
+      <a:effectStyleLst>
+        <a:effectStyle>
+          <a:effectLst>
+            <a:outerShdw blurRad="40000" dist="20000" dir="5400000" rotWithShape="0">
+              <a:srgbClr val="000000">
+                <a:alpha val="38000"/>
+              </a:srgbClr>
+            </a:outerShdw>
+          </a:effectLst>
+        </a:effectStyle>
+        <a:effectStyle>
+          <a:effectLst>
+            <a:outerShdw blurRad="40000" dist="23000" dir="5400000" rotWithShape="0">
+              <a:srgbClr val="000000">
+                <a:alpha val="35000"/>
+              </a:srgbClr>
+            </a:outerShdw>
+          </a:effectLst>
+        </a:effectStyle>
+        <a:effectStyle>
+          <a:effectLst>
+            <a:outerShdw blurRad="40000" dist="23000" dir="5400000" rotWithShape="0">
+              <a:srgbClr val="000000">
+                <a:alpha val="35000"/>
+              </a:srgbClr>
+            </a:outerShdw>
+          </a:effectLst>
+          <a:scene3d>
+            <a:camera prst="orthographicFront">
+              <a:rot lat="0" lon="0" rev="0"/>
+            </a:camera>
+            <a:lightRig rig="threePt" dir="t">
+              <a:rot lat="0" lon="0" rev="1200000"/>
+            </a:lightRig>
+          </a:scene3d>
+          <a:sp3d>
+            <a:bevelT w="63500" h="25400"/>
+          </a:sp3d>
+        </a:effectStyle>
+      </a:effectStyleLst>
+      <a:bgFillStyleLst>
+        <a:solidFill>
+          <a:schemeClr val="phClr"/>
+        </a:solidFill>
+        <a:gradFill rotWithShape="1">
+          <a:gsLst>
+            <a:gs pos="0">
+              <a:schemeClr val="phClr">
+                <a:tint val="40000"/>
+                <a:satMod val="350000"/>
+              </a:schemeClr>
+            </a:gs>
+            <a:gs pos="40000">
+              <a:schemeClr val="phClr">
+                <a:tint val="45000"/>
+                <a:shade val="99000"/>
+                <a:satMod val="350000"/>
+              </a:schemeClr>
+            </a:gs>
+            <a:gs pos="100000">
+              <a:schemeClr val="phClr">
+                <a:shade val="20000"/>
+                <a:satMod val="255000"/>
+              </a:schemeClr>
+            </a:gs>
+          </a:gsLst>
+          <a:path path="circle">
+            <a:fillToRect l="50000" t="-80000" r="50000" b="180000"/>
+          </a:path>
+        </a:gradFill>
+        <a:gradFill rotWithShape="1">
+          <a:gsLst>
+            <a:gs pos="0">
+              <a:schemeClr val="phClr">
+                <a:tint val="80000"/>
+                <a:satMod val="300000"/>
+              </a:schemeClr>
+            </a:gs>
+            <a:gs pos="100000">
+              <a:schemeClr val="phClr">
+                <a:shade val="30000"/>
+                <a:satMod val="200000"/>
+              </a:schemeClr>
+            </a:gs>
+          </a:gsLst>
+          <a:path path="circle">
+            <a:fillToRect l="50000" t="50000" r="50000" b="50000"/>
+          </a:path>
+        </a:gradFill>
+      </a:bgFillStyleLst>
+    </a:fmtScheme>
+  </a:themeElements>
+  <a:objectDefaults/>
+  <a:extraClrSchemeLst/>
+</a:theme>
 </file>
--- a/Active Contours Without Edges.pptx
+++ b/Active Contours Without Edges.pptx
@@ -5,7 +5,7 @@
     <p:sldMasterId id="2147483672" r:id="rId1"/>
   </p:sldMasterIdLst>
   <p:notesMasterIdLst>
-    <p:notesMasterId r:id="rId9"/>
+    <p:notesMasterId r:id="rId26"/>
   </p:notesMasterIdLst>
   <p:sldIdLst>
     <p:sldId id="256" r:id="rId2"/>
@@ -15,6 +15,23 @@
     <p:sldId id="261" r:id="rId6"/>
     <p:sldId id="262" r:id="rId7"/>
     <p:sldId id="263" r:id="rId8"/>
+    <p:sldId id="286" r:id="rId9"/>
+    <p:sldId id="266" r:id="rId10"/>
+    <p:sldId id="268" r:id="rId11"/>
+    <p:sldId id="269" r:id="rId12"/>
+    <p:sldId id="271" r:id="rId13"/>
+    <p:sldId id="272" r:id="rId14"/>
+    <p:sldId id="273" r:id="rId15"/>
+    <p:sldId id="274" r:id="rId16"/>
+    <p:sldId id="275" r:id="rId17"/>
+    <p:sldId id="276" r:id="rId18"/>
+    <p:sldId id="277" r:id="rId19"/>
+    <p:sldId id="278" r:id="rId20"/>
+    <p:sldId id="279" r:id="rId21"/>
+    <p:sldId id="280" r:id="rId22"/>
+    <p:sldId id="281" r:id="rId23"/>
+    <p:sldId id="282" r:id="rId24"/>
+    <p:sldId id="284" r:id="rId25"/>
   </p:sldIdLst>
   <p:sldSz cx="9144000" cy="6858000" type="screen4x3"/>
   <p:notesSz cx="6858000" cy="9144000"/>
@@ -198,6 +215,7 @@
           <a:p>
             <a:fld id="{80D5567B-A386-4628-8C66-E91B54F876E7}" type="datetimeFigureOut">
               <a:rPr lang="en-GB" smtClean="0"/>
+              <a:pPr/>
               <a:t>20/02/2012</a:t>
             </a:fld>
             <a:endParaRPr lang="en-GB"/>
@@ -359,6 +377,7 @@
           <a:p>
             <a:fld id="{EEE99753-9C4C-43E9-9628-26B59591C3DD}" type="slidenum">
               <a:rPr lang="en-GB" smtClean="0"/>
+              <a:pPr/>
               <a:t>‹#›</a:t>
             </a:fld>
             <a:endParaRPr lang="en-GB"/>
@@ -461,6 +480,88 @@
     </a:lvl9pPr>
   </p:notesStyle>
 </p:notesMaster>
+</file>
+
+<file path=ppt/notesSlides/notesSlide1.xml><?xml version="1.0" encoding="utf-8"?>
+<p:notes xmlns:a="http://schemas.openxmlformats.org/drawingml/2006/main" xmlns:r="http://schemas.openxmlformats.org/officeDocument/2006/relationships" xmlns:p="http://schemas.openxmlformats.org/presentationml/2006/main">
+  <p:cSld>
+    <p:spTree>
+      <p:nvGrpSpPr>
+        <p:cNvPr id="1" name=""/>
+        <p:cNvGrpSpPr/>
+        <p:nvPr/>
+      </p:nvGrpSpPr>
+      <p:grpSpPr>
+        <a:xfrm>
+          <a:off x="0" y="0"/>
+          <a:ext cx="0" cy="0"/>
+          <a:chOff x="0" y="0"/>
+          <a:chExt cx="0" cy="0"/>
+        </a:xfrm>
+      </p:grpSpPr>
+      <p:sp>
+        <p:nvSpPr>
+          <p:cNvPr id="2" name="Slide Image Placeholder 1"/>
+          <p:cNvSpPr>
+            <a:spLocks noGrp="1" noRot="1" noChangeAspect="1"/>
+          </p:cNvSpPr>
+          <p:nvPr>
+            <p:ph type="sldImg"/>
+          </p:nvPr>
+        </p:nvSpPr>
+        <p:spPr/>
+      </p:sp>
+      <p:sp>
+        <p:nvSpPr>
+          <p:cNvPr id="3" name="Notes Placeholder 2"/>
+          <p:cNvSpPr>
+            <a:spLocks noGrp="1"/>
+          </p:cNvSpPr>
+          <p:nvPr>
+            <p:ph type="body" idx="1"/>
+          </p:nvPr>
+        </p:nvSpPr>
+        <p:spPr/>
+        <p:txBody>
+          <a:bodyPr>
+            <a:normAutofit/>
+          </a:bodyPr>
+          <a:lstStyle/>
+          <a:p>
+            <a:endParaRPr lang="en-GB" dirty="0"/>
+          </a:p>
+        </p:txBody>
+      </p:sp>
+      <p:sp>
+        <p:nvSpPr>
+          <p:cNvPr id="4" name="Slide Number Placeholder 3"/>
+          <p:cNvSpPr>
+            <a:spLocks noGrp="1"/>
+          </p:cNvSpPr>
+          <p:nvPr>
+            <p:ph type="sldNum" sz="quarter" idx="10"/>
+          </p:nvPr>
+        </p:nvSpPr>
+        <p:spPr/>
+        <p:txBody>
+          <a:bodyPr/>
+          <a:lstStyle/>
+          <a:p>
+            <a:fld id="{29C6938F-570E-4474-B3D0-F0BA64B8A867}" type="slidenum">
+              <a:rPr lang="en-GB" smtClean="0"/>
+              <a:pPr/>
+              <a:t>12</a:t>
+            </a:fld>
+            <a:endParaRPr lang="en-GB"/>
+          </a:p>
+        </p:txBody>
+      </p:sp>
+    </p:spTree>
+  </p:cSld>
+  <p:clrMapOvr>
+    <a:masterClrMapping/>
+  </p:clrMapOvr>
+</p:notes>
 </file>
 
 <file path=ppt/slideLayouts/slideLayout1.xml><?xml version="1.0" encoding="utf-8"?>
@@ -3488,13 +3589,2766 @@
     </p:spTree>
     <p:extLst>
       <p:ext uri="{BB962C8B-B14F-4D97-AF65-F5344CB8AC3E}">
-        <p14:creationId xmlns="" xmlns:p14="http://schemas.microsoft.com/office/powerpoint/2010/main" val="504168143"/>
+        <p14:creationId xmlns:p14="http://schemas.microsoft.com/office/powerpoint/2010/main" xmlns="" val="504168143"/>
       </p:ext>
     </p:extLst>
   </p:cSld>
   <p:clrMapOvr>
     <a:masterClrMapping/>
   </p:clrMapOvr>
+  <p:timing>
+    <p:tnLst>
+      <p:par>
+        <p:cTn id="1" dur="indefinite" restart="never" nodeType="tmRoot"/>
+      </p:par>
+    </p:tnLst>
+  </p:timing>
+</p:sld>
+</file>
+
+<file path=ppt/slides/slide10.xml><?xml version="1.0" encoding="utf-8"?>
+<p:sld xmlns:a="http://schemas.openxmlformats.org/drawingml/2006/main" xmlns:r="http://schemas.openxmlformats.org/officeDocument/2006/relationships" xmlns:p="http://schemas.openxmlformats.org/presentationml/2006/main">
+  <p:cSld>
+    <p:spTree>
+      <p:nvGrpSpPr>
+        <p:cNvPr id="1" name=""/>
+        <p:cNvGrpSpPr/>
+        <p:nvPr/>
+      </p:nvGrpSpPr>
+      <p:grpSpPr>
+        <a:xfrm>
+          <a:off x="0" y="0"/>
+          <a:ext cx="0" cy="0"/>
+          <a:chOff x="0" y="0"/>
+          <a:chExt cx="0" cy="0"/>
+        </a:xfrm>
+      </p:grpSpPr>
+      <p:sp>
+        <p:nvSpPr>
+          <p:cNvPr id="2" name="Title 1"/>
+          <p:cNvSpPr>
+            <a:spLocks noGrp="1"/>
+          </p:cNvSpPr>
+          <p:nvPr>
+            <p:ph type="title"/>
+          </p:nvPr>
+        </p:nvSpPr>
+        <p:spPr/>
+        <p:txBody>
+          <a:bodyPr/>
+          <a:lstStyle/>
+          <a:p>
+            <a:r>
+              <a:rPr lang="en-GB" dirty="0" smtClean="0"/>
+              <a:t>Algorithm</a:t>
+            </a:r>
+            <a:endParaRPr lang="en-GB" dirty="0"/>
+          </a:p>
+        </p:txBody>
+      </p:sp>
+      <p:sp>
+        <p:nvSpPr>
+          <p:cNvPr id="3" name="Content Placeholder 2"/>
+          <p:cNvSpPr>
+            <a:spLocks noGrp="1"/>
+          </p:cNvSpPr>
+          <p:nvPr>
+            <p:ph idx="1"/>
+          </p:nvPr>
+        </p:nvSpPr>
+        <p:spPr>
+          <a:xfrm>
+            <a:off x="467544" y="1628800"/>
+            <a:ext cx="8229600" cy="4525963"/>
+          </a:xfrm>
+        </p:spPr>
+        <p:txBody>
+          <a:bodyPr/>
+          <a:lstStyle/>
+          <a:p>
+            <a:r>
+              <a:rPr lang="en-GB" dirty="0" smtClean="0"/>
+              <a:t>Gradient given by:</a:t>
+            </a:r>
+            <a:endParaRPr lang="en-GB" dirty="0"/>
+          </a:p>
+        </p:txBody>
+      </p:sp>
+      <p:pic>
+        <p:nvPicPr>
+          <p:cNvPr id="1027" name="Picture 3"/>
+          <p:cNvPicPr>
+            <a:picLocks noChangeAspect="1" noChangeArrowheads="1"/>
+          </p:cNvPicPr>
+          <p:nvPr/>
+        </p:nvPicPr>
+        <p:blipFill>
+          <a:blip r:embed="rId2" cstate="print"/>
+          <a:srcRect/>
+          <a:stretch>
+            <a:fillRect/>
+          </a:stretch>
+        </p:blipFill>
+        <p:spPr bwMode="auto">
+          <a:xfrm>
+            <a:off x="323528" y="2276872"/>
+            <a:ext cx="8599457" cy="4032448"/>
+          </a:xfrm>
+          <a:prstGeom prst="rect">
+            <a:avLst/>
+          </a:prstGeom>
+          <a:noFill/>
+          <a:ln w="9525">
+            <a:noFill/>
+            <a:miter lim="800000"/>
+            <a:headEnd/>
+            <a:tailEnd/>
+          </a:ln>
+        </p:spPr>
+      </p:pic>
+      <p:sp>
+        <p:nvSpPr>
+          <p:cNvPr id="5" name="Rectangle 4"/>
+          <p:cNvSpPr/>
+          <p:nvPr/>
+        </p:nvSpPr>
+        <p:spPr>
+          <a:xfrm>
+            <a:off x="2771800" y="2276872"/>
+            <a:ext cx="2448272" cy="1296144"/>
+          </a:xfrm>
+          <a:prstGeom prst="rect">
+            <a:avLst/>
+          </a:prstGeom>
+          <a:noFill/>
+          <a:ln w="76200">
+            <a:solidFill>
+              <a:srgbClr val="FF0000"/>
+            </a:solidFill>
+          </a:ln>
+        </p:spPr>
+        <p:style>
+          <a:lnRef idx="2">
+            <a:schemeClr val="accent1">
+              <a:shade val="50000"/>
+            </a:schemeClr>
+          </a:lnRef>
+          <a:fillRef idx="1">
+            <a:schemeClr val="accent1"/>
+          </a:fillRef>
+          <a:effectRef idx="0">
+            <a:schemeClr val="accent1"/>
+          </a:effectRef>
+          <a:fontRef idx="minor">
+            <a:schemeClr val="lt1"/>
+          </a:fontRef>
+        </p:style>
+        <p:txBody>
+          <a:bodyPr rtlCol="0" anchor="ctr"/>
+          <a:lstStyle/>
+          <a:p>
+            <a:pPr algn="ctr"/>
+            <a:endParaRPr lang="en-GB"/>
+          </a:p>
+        </p:txBody>
+      </p:sp>
+      <p:sp>
+        <p:nvSpPr>
+          <p:cNvPr id="6" name="Rectangle 5"/>
+          <p:cNvSpPr/>
+          <p:nvPr/>
+        </p:nvSpPr>
+        <p:spPr>
+          <a:xfrm>
+            <a:off x="539552" y="3645024"/>
+            <a:ext cx="8136904" cy="2592288"/>
+          </a:xfrm>
+          <a:prstGeom prst="rect">
+            <a:avLst/>
+          </a:prstGeom>
+          <a:solidFill>
+            <a:schemeClr val="bg1"/>
+          </a:solidFill>
+          <a:ln>
+            <a:solidFill>
+              <a:schemeClr val="tx1"/>
+            </a:solidFill>
+          </a:ln>
+        </p:spPr>
+        <p:style>
+          <a:lnRef idx="2">
+            <a:schemeClr val="accent1">
+              <a:shade val="50000"/>
+            </a:schemeClr>
+          </a:lnRef>
+          <a:fillRef idx="1">
+            <a:schemeClr val="accent1"/>
+          </a:fillRef>
+          <a:effectRef idx="0">
+            <a:schemeClr val="accent1"/>
+          </a:effectRef>
+          <a:fontRef idx="minor">
+            <a:schemeClr val="lt1"/>
+          </a:fontRef>
+        </p:style>
+        <p:txBody>
+          <a:bodyPr rtlCol="0" anchor="t"/>
+          <a:lstStyle/>
+          <a:p>
+            <a:pPr>
+              <a:buFont typeface="Arial" pitchFamily="34" charset="0"/>
+              <a:buChar char="•"/>
+            </a:pPr>
+            <a:r>
+              <a:rPr lang="en-GB" sz="2800" dirty="0" smtClean="0">
+                <a:solidFill>
+                  <a:schemeClr val="tx1"/>
+                </a:solidFill>
+              </a:rPr>
+              <a:t> </a:t>
+            </a:r>
+            <a:r>
+              <a:rPr lang="en-GB" sz="2800" b="1" dirty="0" smtClean="0">
+                <a:solidFill>
+                  <a:schemeClr val="tx1"/>
+                </a:solidFill>
+              </a:rPr>
+              <a:t>Curvature</a:t>
+            </a:r>
+            <a:r>
+              <a:rPr lang="en-GB" sz="2800" dirty="0" smtClean="0">
+                <a:solidFill>
+                  <a:schemeClr val="tx1"/>
+                </a:solidFill>
+              </a:rPr>
+              <a:t> of level-set function</a:t>
+            </a:r>
+            <a:endParaRPr lang="en-GB" sz="2800" b="1" dirty="0" smtClean="0">
+              <a:solidFill>
+                <a:schemeClr val="tx1"/>
+              </a:solidFill>
+            </a:endParaRPr>
+          </a:p>
+          <a:p>
+            <a:r>
+              <a:rPr lang="en-GB" sz="2800" dirty="0" smtClean="0">
+                <a:solidFill>
+                  <a:schemeClr val="tx1"/>
+                </a:solidFill>
+              </a:rPr>
+              <a:t>Biases contour towards surrounding larger objects rather than lots of small ones</a:t>
+            </a:r>
+          </a:p>
+        </p:txBody>
+      </p:sp>
+    </p:spTree>
+  </p:cSld>
+  <p:clrMapOvr>
+    <a:masterClrMapping/>
+  </p:clrMapOvr>
+  <p:timing>
+    <p:tnLst>
+      <p:par>
+        <p:cTn id="1" dur="indefinite" restart="never" nodeType="tmRoot"/>
+      </p:par>
+    </p:tnLst>
+  </p:timing>
+</p:sld>
+</file>
+
+<file path=ppt/slides/slide11.xml><?xml version="1.0" encoding="utf-8"?>
+<p:sld xmlns:a="http://schemas.openxmlformats.org/drawingml/2006/main" xmlns:r="http://schemas.openxmlformats.org/officeDocument/2006/relationships" xmlns:p="http://schemas.openxmlformats.org/presentationml/2006/main">
+  <p:cSld>
+    <p:spTree>
+      <p:nvGrpSpPr>
+        <p:cNvPr id="1" name=""/>
+        <p:cNvGrpSpPr/>
+        <p:nvPr/>
+      </p:nvGrpSpPr>
+      <p:grpSpPr>
+        <a:xfrm>
+          <a:off x="0" y="0"/>
+          <a:ext cx="0" cy="0"/>
+          <a:chOff x="0" y="0"/>
+          <a:chExt cx="0" cy="0"/>
+        </a:xfrm>
+      </p:grpSpPr>
+      <p:sp>
+        <p:nvSpPr>
+          <p:cNvPr id="2" name="Title 1"/>
+          <p:cNvSpPr>
+            <a:spLocks noGrp="1"/>
+          </p:cNvSpPr>
+          <p:nvPr>
+            <p:ph type="title"/>
+          </p:nvPr>
+        </p:nvSpPr>
+        <p:spPr/>
+        <p:txBody>
+          <a:bodyPr/>
+          <a:lstStyle/>
+          <a:p>
+            <a:r>
+              <a:rPr lang="en-GB" dirty="0" smtClean="0"/>
+              <a:t>Algorithm</a:t>
+            </a:r>
+            <a:endParaRPr lang="en-GB" dirty="0"/>
+          </a:p>
+        </p:txBody>
+      </p:sp>
+      <p:sp>
+        <p:nvSpPr>
+          <p:cNvPr id="3" name="Content Placeholder 2"/>
+          <p:cNvSpPr>
+            <a:spLocks noGrp="1"/>
+          </p:cNvSpPr>
+          <p:nvPr>
+            <p:ph idx="1"/>
+          </p:nvPr>
+        </p:nvSpPr>
+        <p:spPr>
+          <a:xfrm>
+            <a:off x="467544" y="1628800"/>
+            <a:ext cx="8229600" cy="4525963"/>
+          </a:xfrm>
+        </p:spPr>
+        <p:txBody>
+          <a:bodyPr/>
+          <a:lstStyle/>
+          <a:p>
+            <a:r>
+              <a:rPr lang="en-GB" dirty="0" smtClean="0"/>
+              <a:t>Gradient given by:</a:t>
+            </a:r>
+            <a:endParaRPr lang="en-GB" dirty="0"/>
+          </a:p>
+        </p:txBody>
+      </p:sp>
+      <p:pic>
+        <p:nvPicPr>
+          <p:cNvPr id="1027" name="Picture 3"/>
+          <p:cNvPicPr>
+            <a:picLocks noChangeAspect="1" noChangeArrowheads="1"/>
+          </p:cNvPicPr>
+          <p:nvPr/>
+        </p:nvPicPr>
+        <p:blipFill>
+          <a:blip r:embed="rId2" cstate="print"/>
+          <a:srcRect/>
+          <a:stretch>
+            <a:fillRect/>
+          </a:stretch>
+        </p:blipFill>
+        <p:spPr bwMode="auto">
+          <a:xfrm>
+            <a:off x="323528" y="2276872"/>
+            <a:ext cx="8599457" cy="4032448"/>
+          </a:xfrm>
+          <a:prstGeom prst="rect">
+            <a:avLst/>
+          </a:prstGeom>
+          <a:noFill/>
+          <a:ln w="9525">
+            <a:noFill/>
+            <a:miter lim="800000"/>
+            <a:headEnd/>
+            <a:tailEnd/>
+          </a:ln>
+        </p:spPr>
+      </p:pic>
+      <p:sp>
+        <p:nvSpPr>
+          <p:cNvPr id="5" name="Rectangle 4"/>
+          <p:cNvSpPr/>
+          <p:nvPr/>
+        </p:nvSpPr>
+        <p:spPr>
+          <a:xfrm>
+            <a:off x="2771800" y="2276872"/>
+            <a:ext cx="2448272" cy="1296144"/>
+          </a:xfrm>
+          <a:prstGeom prst="rect">
+            <a:avLst/>
+          </a:prstGeom>
+          <a:noFill/>
+          <a:ln w="76200">
+            <a:solidFill>
+              <a:srgbClr val="FF0000"/>
+            </a:solidFill>
+          </a:ln>
+        </p:spPr>
+        <p:style>
+          <a:lnRef idx="2">
+            <a:schemeClr val="accent1">
+              <a:shade val="50000"/>
+            </a:schemeClr>
+          </a:lnRef>
+          <a:fillRef idx="1">
+            <a:schemeClr val="accent1"/>
+          </a:fillRef>
+          <a:effectRef idx="0">
+            <a:schemeClr val="accent1"/>
+          </a:effectRef>
+          <a:fontRef idx="minor">
+            <a:schemeClr val="lt1"/>
+          </a:fontRef>
+        </p:style>
+        <p:txBody>
+          <a:bodyPr rtlCol="0" anchor="ctr"/>
+          <a:lstStyle/>
+          <a:p>
+            <a:pPr algn="ctr"/>
+            <a:endParaRPr lang="en-GB"/>
+          </a:p>
+        </p:txBody>
+      </p:sp>
+      <p:sp>
+        <p:nvSpPr>
+          <p:cNvPr id="6" name="Rectangle 5"/>
+          <p:cNvSpPr/>
+          <p:nvPr/>
+        </p:nvSpPr>
+        <p:spPr>
+          <a:xfrm>
+            <a:off x="539552" y="3645024"/>
+            <a:ext cx="8136904" cy="2592288"/>
+          </a:xfrm>
+          <a:prstGeom prst="rect">
+            <a:avLst/>
+          </a:prstGeom>
+          <a:solidFill>
+            <a:schemeClr val="bg1"/>
+          </a:solidFill>
+          <a:ln>
+            <a:solidFill>
+              <a:schemeClr val="tx1"/>
+            </a:solidFill>
+          </a:ln>
+        </p:spPr>
+        <p:style>
+          <a:lnRef idx="2">
+            <a:schemeClr val="accent1">
+              <a:shade val="50000"/>
+            </a:schemeClr>
+          </a:lnRef>
+          <a:fillRef idx="1">
+            <a:schemeClr val="accent1"/>
+          </a:fillRef>
+          <a:effectRef idx="0">
+            <a:schemeClr val="accent1"/>
+          </a:effectRef>
+          <a:fontRef idx="minor">
+            <a:schemeClr val="lt1"/>
+          </a:fontRef>
+        </p:style>
+        <p:txBody>
+          <a:bodyPr rtlCol="0" anchor="t"/>
+          <a:lstStyle/>
+          <a:p>
+            <a:pPr>
+              <a:buFont typeface="Arial" pitchFamily="34" charset="0"/>
+              <a:buChar char="•"/>
+            </a:pPr>
+            <a:r>
+              <a:rPr lang="en-GB" sz="2800" dirty="0">
+                <a:solidFill>
+                  <a:schemeClr val="tx1"/>
+                </a:solidFill>
+              </a:rPr>
+              <a:t> </a:t>
+            </a:r>
+            <a:r>
+              <a:rPr lang="en-GB" sz="2800" dirty="0" smtClean="0">
+                <a:solidFill>
+                  <a:schemeClr val="tx1"/>
+                </a:solidFill>
+              </a:rPr>
+              <a:t>So </a:t>
+            </a:r>
+            <a:r>
+              <a:rPr lang="en-GB" sz="2800" b="1" dirty="0" smtClean="0">
+                <a:solidFill>
+                  <a:schemeClr val="tx1"/>
+                </a:solidFill>
+              </a:rPr>
+              <a:t>larger </a:t>
+            </a:r>
+            <a:r>
+              <a:rPr lang="el-GR" sz="2800" b="1" dirty="0" smtClean="0">
+                <a:solidFill>
+                  <a:schemeClr val="tx1"/>
+                </a:solidFill>
+              </a:rPr>
+              <a:t>μ</a:t>
+            </a:r>
+            <a:r>
+              <a:rPr lang="en-GB" sz="2800" dirty="0" smtClean="0">
+                <a:solidFill>
+                  <a:schemeClr val="tx1"/>
+                </a:solidFill>
+              </a:rPr>
+              <a:t> means larger objects (or </a:t>
+            </a:r>
+            <a:r>
+              <a:rPr lang="en-GB" sz="2800" b="1" dirty="0" smtClean="0">
+                <a:solidFill>
+                  <a:schemeClr val="tx1"/>
+                </a:solidFill>
+              </a:rPr>
+              <a:t>groupings of objects</a:t>
+            </a:r>
+            <a:r>
+              <a:rPr lang="en-GB" sz="2800" dirty="0" smtClean="0">
+                <a:solidFill>
+                  <a:schemeClr val="tx1"/>
+                </a:solidFill>
+              </a:rPr>
+              <a:t>) are selected and </a:t>
+            </a:r>
+            <a:r>
+              <a:rPr lang="en-GB" sz="2800" b="1" dirty="0" smtClean="0">
+                <a:solidFill>
+                  <a:schemeClr val="tx1"/>
+                </a:solidFill>
+              </a:rPr>
+              <a:t>smaller points are rejected </a:t>
+            </a:r>
+            <a:r>
+              <a:rPr lang="en-GB" sz="2800" dirty="0" smtClean="0">
+                <a:solidFill>
+                  <a:schemeClr val="tx1"/>
+                </a:solidFill>
+              </a:rPr>
+              <a:t>– useful for </a:t>
+            </a:r>
+            <a:r>
+              <a:rPr lang="en-GB" sz="2800" b="1" dirty="0" smtClean="0">
+                <a:solidFill>
+                  <a:schemeClr val="tx1"/>
+                </a:solidFill>
+              </a:rPr>
+              <a:t>countering noise</a:t>
+            </a:r>
+            <a:endParaRPr lang="en-GB" sz="2800" dirty="0" smtClean="0">
+              <a:solidFill>
+                <a:schemeClr val="tx1"/>
+              </a:solidFill>
+            </a:endParaRPr>
+          </a:p>
+          <a:p>
+            <a:pPr>
+              <a:buFont typeface="Arial" pitchFamily="34" charset="0"/>
+              <a:buChar char="•"/>
+            </a:pPr>
+            <a:r>
+              <a:rPr lang="en-GB" sz="2800" dirty="0" smtClean="0">
+                <a:solidFill>
+                  <a:schemeClr val="tx1"/>
+                </a:solidFill>
+              </a:rPr>
+              <a:t> </a:t>
+            </a:r>
+            <a:r>
+              <a:rPr lang="el-GR" sz="2800" b="1" dirty="0" smtClean="0">
+                <a:solidFill>
+                  <a:schemeClr val="tx1"/>
+                </a:solidFill>
+              </a:rPr>
+              <a:t>μ</a:t>
+            </a:r>
+            <a:r>
+              <a:rPr lang="en-GB" sz="2800" b="1" dirty="0" smtClean="0">
+                <a:solidFill>
+                  <a:schemeClr val="tx1"/>
+                </a:solidFill>
+              </a:rPr>
+              <a:t> </a:t>
+            </a:r>
+            <a:r>
+              <a:rPr lang="en-GB" sz="2800" dirty="0" smtClean="0">
+                <a:solidFill>
+                  <a:schemeClr val="tx1"/>
+                </a:solidFill>
+              </a:rPr>
+              <a:t>set to 1.0 by default in our implementation, but varies throughout our experiments</a:t>
+            </a:r>
+            <a:endParaRPr lang="en-GB" sz="2800" b="1" dirty="0">
+              <a:solidFill>
+                <a:schemeClr val="tx1"/>
+              </a:solidFill>
+            </a:endParaRPr>
+          </a:p>
+        </p:txBody>
+      </p:sp>
+    </p:spTree>
+  </p:cSld>
+  <p:clrMapOvr>
+    <a:masterClrMapping/>
+  </p:clrMapOvr>
+  <p:timing>
+    <p:tnLst>
+      <p:par>
+        <p:cTn id="1" dur="indefinite" restart="never" nodeType="tmRoot"/>
+      </p:par>
+    </p:tnLst>
+  </p:timing>
+</p:sld>
+</file>
+
+<file path=ppt/slides/slide12.xml><?xml version="1.0" encoding="utf-8"?>
+<p:sld xmlns:a="http://schemas.openxmlformats.org/drawingml/2006/main" xmlns:r="http://schemas.openxmlformats.org/officeDocument/2006/relationships" xmlns:p="http://schemas.openxmlformats.org/presentationml/2006/main">
+  <p:cSld>
+    <p:spTree>
+      <p:nvGrpSpPr>
+        <p:cNvPr id="1" name=""/>
+        <p:cNvGrpSpPr/>
+        <p:nvPr/>
+      </p:nvGrpSpPr>
+      <p:grpSpPr>
+        <a:xfrm>
+          <a:off x="0" y="0"/>
+          <a:ext cx="0" cy="0"/>
+          <a:chOff x="0" y="0"/>
+          <a:chExt cx="0" cy="0"/>
+        </a:xfrm>
+      </p:grpSpPr>
+      <p:sp>
+        <p:nvSpPr>
+          <p:cNvPr id="2" name="Title 1"/>
+          <p:cNvSpPr>
+            <a:spLocks noGrp="1"/>
+          </p:cNvSpPr>
+          <p:nvPr>
+            <p:ph type="title"/>
+          </p:nvPr>
+        </p:nvSpPr>
+        <p:spPr/>
+        <p:txBody>
+          <a:bodyPr/>
+          <a:lstStyle/>
+          <a:p>
+            <a:r>
+              <a:rPr lang="en-GB" dirty="0" smtClean="0"/>
+              <a:t>Algorithm</a:t>
+            </a:r>
+            <a:endParaRPr lang="en-GB" dirty="0"/>
+          </a:p>
+        </p:txBody>
+      </p:sp>
+      <p:sp>
+        <p:nvSpPr>
+          <p:cNvPr id="3" name="Content Placeholder 2"/>
+          <p:cNvSpPr>
+            <a:spLocks noGrp="1"/>
+          </p:cNvSpPr>
+          <p:nvPr>
+            <p:ph idx="1"/>
+          </p:nvPr>
+        </p:nvSpPr>
+        <p:spPr>
+          <a:xfrm>
+            <a:off x="467544" y="1628800"/>
+            <a:ext cx="8229600" cy="4525963"/>
+          </a:xfrm>
+        </p:spPr>
+        <p:txBody>
+          <a:bodyPr/>
+          <a:lstStyle/>
+          <a:p>
+            <a:r>
+              <a:rPr lang="en-GB" dirty="0" smtClean="0"/>
+              <a:t>Gradient given by:</a:t>
+            </a:r>
+            <a:endParaRPr lang="en-GB" dirty="0"/>
+          </a:p>
+        </p:txBody>
+      </p:sp>
+      <p:pic>
+        <p:nvPicPr>
+          <p:cNvPr id="1027" name="Picture 3"/>
+          <p:cNvPicPr>
+            <a:picLocks noChangeAspect="1" noChangeArrowheads="1"/>
+          </p:cNvPicPr>
+          <p:nvPr/>
+        </p:nvPicPr>
+        <p:blipFill>
+          <a:blip r:embed="rId3" cstate="print"/>
+          <a:srcRect/>
+          <a:stretch>
+            <a:fillRect/>
+          </a:stretch>
+        </p:blipFill>
+        <p:spPr bwMode="auto">
+          <a:xfrm>
+            <a:off x="323528" y="2276872"/>
+            <a:ext cx="8599457" cy="4032448"/>
+          </a:xfrm>
+          <a:prstGeom prst="rect">
+            <a:avLst/>
+          </a:prstGeom>
+          <a:noFill/>
+          <a:ln w="9525">
+            <a:noFill/>
+            <a:miter lim="800000"/>
+            <a:headEnd/>
+            <a:tailEnd/>
+          </a:ln>
+        </p:spPr>
+      </p:pic>
+      <p:sp>
+        <p:nvSpPr>
+          <p:cNvPr id="5" name="Rectangle 4"/>
+          <p:cNvSpPr/>
+          <p:nvPr/>
+        </p:nvSpPr>
+        <p:spPr>
+          <a:xfrm>
+            <a:off x="5148064" y="2492896"/>
+            <a:ext cx="792088" cy="792088"/>
+          </a:xfrm>
+          <a:prstGeom prst="rect">
+            <a:avLst/>
+          </a:prstGeom>
+          <a:noFill/>
+          <a:ln w="76200">
+            <a:solidFill>
+              <a:srgbClr val="FF0000"/>
+            </a:solidFill>
+          </a:ln>
+        </p:spPr>
+        <p:style>
+          <a:lnRef idx="2">
+            <a:schemeClr val="accent1">
+              <a:shade val="50000"/>
+            </a:schemeClr>
+          </a:lnRef>
+          <a:fillRef idx="1">
+            <a:schemeClr val="accent1"/>
+          </a:fillRef>
+          <a:effectRef idx="0">
+            <a:schemeClr val="accent1"/>
+          </a:effectRef>
+          <a:fontRef idx="minor">
+            <a:schemeClr val="lt1"/>
+          </a:fontRef>
+        </p:style>
+        <p:txBody>
+          <a:bodyPr rtlCol="0" anchor="ctr"/>
+          <a:lstStyle/>
+          <a:p>
+            <a:pPr algn="ctr"/>
+            <a:endParaRPr lang="en-GB"/>
+          </a:p>
+        </p:txBody>
+      </p:sp>
+      <p:sp>
+        <p:nvSpPr>
+          <p:cNvPr id="6" name="Rectangle 5"/>
+          <p:cNvSpPr/>
+          <p:nvPr/>
+        </p:nvSpPr>
+        <p:spPr>
+          <a:xfrm>
+            <a:off x="539552" y="3645024"/>
+            <a:ext cx="8136904" cy="2592288"/>
+          </a:xfrm>
+          <a:prstGeom prst="rect">
+            <a:avLst/>
+          </a:prstGeom>
+          <a:solidFill>
+            <a:schemeClr val="bg1"/>
+          </a:solidFill>
+          <a:ln>
+            <a:solidFill>
+              <a:schemeClr val="tx1"/>
+            </a:solidFill>
+          </a:ln>
+        </p:spPr>
+        <p:style>
+          <a:lnRef idx="2">
+            <a:schemeClr val="accent1">
+              <a:shade val="50000"/>
+            </a:schemeClr>
+          </a:lnRef>
+          <a:fillRef idx="1">
+            <a:schemeClr val="accent1"/>
+          </a:fillRef>
+          <a:effectRef idx="0">
+            <a:schemeClr val="accent1"/>
+          </a:effectRef>
+          <a:fontRef idx="minor">
+            <a:schemeClr val="lt1"/>
+          </a:fontRef>
+        </p:style>
+        <p:txBody>
+          <a:bodyPr rtlCol="0" anchor="t"/>
+          <a:lstStyle/>
+          <a:p>
+            <a:pPr>
+              <a:buFont typeface="Arial" pitchFamily="34" charset="0"/>
+              <a:buChar char="•"/>
+            </a:pPr>
+            <a:r>
+              <a:rPr lang="en-GB" sz="2800" dirty="0" smtClean="0">
+                <a:solidFill>
+                  <a:schemeClr val="tx1"/>
+                </a:solidFill>
+              </a:rPr>
+              <a:t> Correction term which pushes the contour towards an object even when curvature is zero or negative</a:t>
+            </a:r>
+          </a:p>
+          <a:p>
+            <a:pPr>
+              <a:buFont typeface="Arial" pitchFamily="34" charset="0"/>
+              <a:buChar char="•"/>
+            </a:pPr>
+            <a:r>
+              <a:rPr lang="en-GB" sz="2800" b="1" dirty="0" smtClean="0">
+                <a:solidFill>
+                  <a:schemeClr val="tx1"/>
+                </a:solidFill>
+              </a:rPr>
+              <a:t> v</a:t>
+            </a:r>
+            <a:r>
+              <a:rPr lang="en-GB" sz="2800" dirty="0" smtClean="0">
+                <a:solidFill>
+                  <a:schemeClr val="tx1"/>
+                </a:solidFill>
+              </a:rPr>
+              <a:t> </a:t>
+            </a:r>
+            <a:r>
+              <a:rPr lang="en-GB" sz="2800" dirty="0" smtClean="0">
+                <a:solidFill>
+                  <a:schemeClr val="tx1"/>
+                </a:solidFill>
+              </a:rPr>
+              <a:t>is set to zero in our implementation</a:t>
+            </a:r>
+            <a:endParaRPr lang="en-GB" sz="2800" dirty="0">
+              <a:solidFill>
+                <a:schemeClr val="tx1"/>
+              </a:solidFill>
+            </a:endParaRPr>
+          </a:p>
+        </p:txBody>
+      </p:sp>
+    </p:spTree>
+  </p:cSld>
+  <p:clrMapOvr>
+    <a:masterClrMapping/>
+  </p:clrMapOvr>
+  <p:timing>
+    <p:tnLst>
+      <p:par>
+        <p:cTn id="1" dur="indefinite" restart="never" nodeType="tmRoot"/>
+      </p:par>
+    </p:tnLst>
+  </p:timing>
+</p:sld>
+</file>
+
+<file path=ppt/slides/slide13.xml><?xml version="1.0" encoding="utf-8"?>
+<p:sld xmlns:a="http://schemas.openxmlformats.org/drawingml/2006/main" xmlns:r="http://schemas.openxmlformats.org/officeDocument/2006/relationships" xmlns:p="http://schemas.openxmlformats.org/presentationml/2006/main">
+  <p:cSld>
+    <p:spTree>
+      <p:nvGrpSpPr>
+        <p:cNvPr id="1" name=""/>
+        <p:cNvGrpSpPr/>
+        <p:nvPr/>
+      </p:nvGrpSpPr>
+      <p:grpSpPr>
+        <a:xfrm>
+          <a:off x="0" y="0"/>
+          <a:ext cx="0" cy="0"/>
+          <a:chOff x="0" y="0"/>
+          <a:chExt cx="0" cy="0"/>
+        </a:xfrm>
+      </p:grpSpPr>
+      <p:sp>
+        <p:nvSpPr>
+          <p:cNvPr id="2" name="Title 1"/>
+          <p:cNvSpPr>
+            <a:spLocks noGrp="1"/>
+          </p:cNvSpPr>
+          <p:nvPr>
+            <p:ph type="title"/>
+          </p:nvPr>
+        </p:nvSpPr>
+        <p:spPr/>
+        <p:txBody>
+          <a:bodyPr/>
+          <a:lstStyle/>
+          <a:p>
+            <a:r>
+              <a:rPr lang="en-GB" dirty="0" smtClean="0"/>
+              <a:t>Algorithm</a:t>
+            </a:r>
+            <a:endParaRPr lang="en-GB" dirty="0"/>
+          </a:p>
+        </p:txBody>
+      </p:sp>
+      <p:sp>
+        <p:nvSpPr>
+          <p:cNvPr id="3" name="Content Placeholder 2"/>
+          <p:cNvSpPr>
+            <a:spLocks noGrp="1"/>
+          </p:cNvSpPr>
+          <p:nvPr>
+            <p:ph idx="1"/>
+          </p:nvPr>
+        </p:nvSpPr>
+        <p:spPr>
+          <a:xfrm>
+            <a:off x="467544" y="1628800"/>
+            <a:ext cx="8229600" cy="4525963"/>
+          </a:xfrm>
+        </p:spPr>
+        <p:txBody>
+          <a:bodyPr/>
+          <a:lstStyle/>
+          <a:p>
+            <a:r>
+              <a:rPr lang="en-GB" dirty="0" smtClean="0"/>
+              <a:t>Gradient given by:</a:t>
+            </a:r>
+            <a:endParaRPr lang="en-GB" dirty="0"/>
+          </a:p>
+        </p:txBody>
+      </p:sp>
+      <p:pic>
+        <p:nvPicPr>
+          <p:cNvPr id="1027" name="Picture 3"/>
+          <p:cNvPicPr>
+            <a:picLocks noChangeAspect="1" noChangeArrowheads="1"/>
+          </p:cNvPicPr>
+          <p:nvPr/>
+        </p:nvPicPr>
+        <p:blipFill>
+          <a:blip r:embed="rId2" cstate="print"/>
+          <a:srcRect/>
+          <a:stretch>
+            <a:fillRect/>
+          </a:stretch>
+        </p:blipFill>
+        <p:spPr bwMode="auto">
+          <a:xfrm>
+            <a:off x="323528" y="2276872"/>
+            <a:ext cx="8599457" cy="4032448"/>
+          </a:xfrm>
+          <a:prstGeom prst="rect">
+            <a:avLst/>
+          </a:prstGeom>
+          <a:noFill/>
+          <a:ln w="9525">
+            <a:noFill/>
+            <a:miter lim="800000"/>
+            <a:headEnd/>
+            <a:tailEnd/>
+          </a:ln>
+        </p:spPr>
+      </p:pic>
+      <p:sp>
+        <p:nvSpPr>
+          <p:cNvPr id="6" name="Rectangle 5"/>
+          <p:cNvSpPr/>
+          <p:nvPr/>
+        </p:nvSpPr>
+        <p:spPr>
+          <a:xfrm>
+            <a:off x="539552" y="4581128"/>
+            <a:ext cx="8136904" cy="1656184"/>
+          </a:xfrm>
+          <a:prstGeom prst="rect">
+            <a:avLst/>
+          </a:prstGeom>
+          <a:solidFill>
+            <a:schemeClr val="bg1"/>
+          </a:solidFill>
+          <a:ln>
+            <a:solidFill>
+              <a:schemeClr val="tx1"/>
+            </a:solidFill>
+          </a:ln>
+        </p:spPr>
+        <p:style>
+          <a:lnRef idx="2">
+            <a:schemeClr val="accent1">
+              <a:shade val="50000"/>
+            </a:schemeClr>
+          </a:lnRef>
+          <a:fillRef idx="1">
+            <a:schemeClr val="accent1"/>
+          </a:fillRef>
+          <a:effectRef idx="0">
+            <a:schemeClr val="accent1"/>
+          </a:effectRef>
+          <a:fontRef idx="minor">
+            <a:schemeClr val="lt1"/>
+          </a:fontRef>
+        </p:style>
+        <p:txBody>
+          <a:bodyPr rtlCol="0" anchor="t"/>
+          <a:lstStyle/>
+          <a:p>
+            <a:pPr>
+              <a:buFont typeface="Arial" pitchFamily="34" charset="0"/>
+              <a:buChar char="•"/>
+            </a:pPr>
+            <a:r>
+              <a:rPr lang="en-GB" sz="2800" dirty="0" smtClean="0">
+                <a:solidFill>
+                  <a:schemeClr val="tx1"/>
+                </a:solidFill>
+              </a:rPr>
+              <a:t> Functions of the mean values of the image inside the contour (c</a:t>
+            </a:r>
+            <a:r>
+              <a:rPr lang="en-GB" sz="2800" baseline="-25000" dirty="0" smtClean="0">
+                <a:solidFill>
+                  <a:schemeClr val="tx1"/>
+                </a:solidFill>
+              </a:rPr>
+              <a:t>1</a:t>
+            </a:r>
+            <a:r>
+              <a:rPr lang="en-GB" sz="2800" dirty="0" smtClean="0">
+                <a:solidFill>
+                  <a:schemeClr val="tx1"/>
+                </a:solidFill>
+              </a:rPr>
+              <a:t>) and outside the contour (c</a:t>
+            </a:r>
+            <a:r>
+              <a:rPr lang="en-GB" sz="2800" baseline="-25000" dirty="0" smtClean="0">
+                <a:solidFill>
+                  <a:schemeClr val="tx1"/>
+                </a:solidFill>
+              </a:rPr>
+              <a:t>2</a:t>
+            </a:r>
+            <a:r>
+              <a:rPr lang="en-GB" sz="2800" dirty="0" smtClean="0">
+                <a:solidFill>
+                  <a:schemeClr val="tx1"/>
+                </a:solidFill>
+              </a:rPr>
+              <a:t>)</a:t>
+            </a:r>
+          </a:p>
+          <a:p>
+            <a:pPr>
+              <a:buFont typeface="Arial" pitchFamily="34" charset="0"/>
+              <a:buChar char="•"/>
+            </a:pPr>
+            <a:r>
+              <a:rPr lang="en-GB" sz="2800" b="1" dirty="0" smtClean="0">
+                <a:solidFill>
+                  <a:schemeClr val="tx1"/>
+                </a:solidFill>
+              </a:rPr>
+              <a:t> </a:t>
+            </a:r>
+            <a:r>
+              <a:rPr lang="el-GR" sz="2800" b="1" dirty="0" smtClean="0">
+                <a:solidFill>
+                  <a:schemeClr val="tx1"/>
+                </a:solidFill>
+              </a:rPr>
+              <a:t>λ</a:t>
+            </a:r>
+            <a:r>
+              <a:rPr lang="en-GB" sz="2800" b="1" baseline="-25000" dirty="0" smtClean="0">
+                <a:solidFill>
+                  <a:schemeClr val="tx1"/>
+                </a:solidFill>
+              </a:rPr>
+              <a:t>1</a:t>
+            </a:r>
+            <a:r>
+              <a:rPr lang="en-GB" sz="2800" b="1" dirty="0" smtClean="0">
+                <a:solidFill>
+                  <a:schemeClr val="tx1"/>
+                </a:solidFill>
+              </a:rPr>
+              <a:t> = </a:t>
+            </a:r>
+            <a:r>
+              <a:rPr lang="el-GR" sz="2800" b="1" dirty="0" smtClean="0">
+                <a:solidFill>
+                  <a:schemeClr val="tx1"/>
+                </a:solidFill>
+              </a:rPr>
+              <a:t>λ</a:t>
+            </a:r>
+            <a:r>
+              <a:rPr lang="en-GB" sz="2800" b="1" baseline="-25000" dirty="0" smtClean="0">
+                <a:solidFill>
+                  <a:schemeClr val="tx1"/>
+                </a:solidFill>
+              </a:rPr>
+              <a:t>2</a:t>
+            </a:r>
+            <a:r>
+              <a:rPr lang="en-GB" sz="2800" b="1" dirty="0" smtClean="0">
+                <a:solidFill>
+                  <a:schemeClr val="tx1"/>
+                </a:solidFill>
+              </a:rPr>
+              <a:t> </a:t>
+            </a:r>
+            <a:r>
+              <a:rPr lang="en-GB" sz="2800" dirty="0" smtClean="0">
+                <a:solidFill>
+                  <a:schemeClr val="tx1"/>
+                </a:solidFill>
+              </a:rPr>
+              <a:t>= 1 in our implementation</a:t>
+            </a:r>
+            <a:endParaRPr lang="en-GB" sz="2800" b="1" dirty="0">
+              <a:solidFill>
+                <a:schemeClr val="tx1"/>
+              </a:solidFill>
+            </a:endParaRPr>
+          </a:p>
+        </p:txBody>
+      </p:sp>
+      <p:sp>
+        <p:nvSpPr>
+          <p:cNvPr id="9" name="Rectangle 8"/>
+          <p:cNvSpPr/>
+          <p:nvPr/>
+        </p:nvSpPr>
+        <p:spPr>
+          <a:xfrm>
+            <a:off x="5868144" y="2492896"/>
+            <a:ext cx="2592288" cy="792088"/>
+          </a:xfrm>
+          <a:prstGeom prst="rect">
+            <a:avLst/>
+          </a:prstGeom>
+          <a:noFill/>
+          <a:ln w="76200">
+            <a:solidFill>
+              <a:srgbClr val="FF0000"/>
+            </a:solidFill>
+          </a:ln>
+        </p:spPr>
+        <p:style>
+          <a:lnRef idx="2">
+            <a:schemeClr val="accent1">
+              <a:shade val="50000"/>
+            </a:schemeClr>
+          </a:lnRef>
+          <a:fillRef idx="1">
+            <a:schemeClr val="accent1"/>
+          </a:fillRef>
+          <a:effectRef idx="0">
+            <a:schemeClr val="accent1"/>
+          </a:effectRef>
+          <a:fontRef idx="minor">
+            <a:schemeClr val="lt1"/>
+          </a:fontRef>
+        </p:style>
+        <p:txBody>
+          <a:bodyPr rtlCol="0" anchor="ctr"/>
+          <a:lstStyle/>
+          <a:p>
+            <a:pPr algn="ctr"/>
+            <a:endParaRPr lang="en-GB"/>
+          </a:p>
+        </p:txBody>
+      </p:sp>
+      <p:sp>
+        <p:nvSpPr>
+          <p:cNvPr id="10" name="Rectangle 9"/>
+          <p:cNvSpPr/>
+          <p:nvPr/>
+        </p:nvSpPr>
+        <p:spPr>
+          <a:xfrm>
+            <a:off x="2843808" y="3573016"/>
+            <a:ext cx="2592288" cy="792088"/>
+          </a:xfrm>
+          <a:prstGeom prst="rect">
+            <a:avLst/>
+          </a:prstGeom>
+          <a:noFill/>
+          <a:ln w="76200">
+            <a:solidFill>
+              <a:srgbClr val="FF0000"/>
+            </a:solidFill>
+          </a:ln>
+        </p:spPr>
+        <p:style>
+          <a:lnRef idx="2">
+            <a:schemeClr val="accent1">
+              <a:shade val="50000"/>
+            </a:schemeClr>
+          </a:lnRef>
+          <a:fillRef idx="1">
+            <a:schemeClr val="accent1"/>
+          </a:fillRef>
+          <a:effectRef idx="0">
+            <a:schemeClr val="accent1"/>
+          </a:effectRef>
+          <a:fontRef idx="minor">
+            <a:schemeClr val="lt1"/>
+          </a:fontRef>
+        </p:style>
+        <p:txBody>
+          <a:bodyPr rtlCol="0" anchor="ctr"/>
+          <a:lstStyle/>
+          <a:p>
+            <a:pPr algn="ctr"/>
+            <a:endParaRPr lang="en-GB"/>
+          </a:p>
+        </p:txBody>
+      </p:sp>
+    </p:spTree>
+  </p:cSld>
+  <p:clrMapOvr>
+    <a:masterClrMapping/>
+  </p:clrMapOvr>
+  <p:timing>
+    <p:tnLst>
+      <p:par>
+        <p:cTn id="1" dur="indefinite" restart="never" nodeType="tmRoot"/>
+      </p:par>
+    </p:tnLst>
+  </p:timing>
+</p:sld>
+</file>
+
+<file path=ppt/slides/slide14.xml><?xml version="1.0" encoding="utf-8"?>
+<p:sld xmlns:a="http://schemas.openxmlformats.org/drawingml/2006/main" xmlns:r="http://schemas.openxmlformats.org/officeDocument/2006/relationships" xmlns:p="http://schemas.openxmlformats.org/presentationml/2006/main">
+  <p:cSld>
+    <p:spTree>
+      <p:nvGrpSpPr>
+        <p:cNvPr id="1" name=""/>
+        <p:cNvGrpSpPr/>
+        <p:nvPr/>
+      </p:nvGrpSpPr>
+      <p:grpSpPr>
+        <a:xfrm>
+          <a:off x="0" y="0"/>
+          <a:ext cx="0" cy="0"/>
+          <a:chOff x="0" y="0"/>
+          <a:chExt cx="0" cy="0"/>
+        </a:xfrm>
+      </p:grpSpPr>
+      <p:sp>
+        <p:nvSpPr>
+          <p:cNvPr id="2" name="Title 1"/>
+          <p:cNvSpPr>
+            <a:spLocks noGrp="1"/>
+          </p:cNvSpPr>
+          <p:nvPr>
+            <p:ph type="ctrTitle"/>
+          </p:nvPr>
+        </p:nvSpPr>
+        <p:spPr/>
+        <p:txBody>
+          <a:bodyPr/>
+          <a:lstStyle/>
+          <a:p>
+            <a:r>
+              <a:rPr lang="en-GB" dirty="0" smtClean="0"/>
+              <a:t>Results</a:t>
+            </a:r>
+            <a:endParaRPr lang="en-GB" dirty="0"/>
+          </a:p>
+        </p:txBody>
+      </p:sp>
+      <p:sp>
+        <p:nvSpPr>
+          <p:cNvPr id="3" name="Subtitle 2"/>
+          <p:cNvSpPr>
+            <a:spLocks noGrp="1"/>
+          </p:cNvSpPr>
+          <p:nvPr>
+            <p:ph type="subTitle" idx="1"/>
+          </p:nvPr>
+        </p:nvSpPr>
+        <p:spPr/>
+        <p:txBody>
+          <a:bodyPr/>
+          <a:lstStyle/>
+          <a:p>
+            <a:endParaRPr lang="en-GB"/>
+          </a:p>
+        </p:txBody>
+      </p:sp>
+    </p:spTree>
+  </p:cSld>
+  <p:clrMapOvr>
+    <a:masterClrMapping/>
+  </p:clrMapOvr>
+  <p:timing>
+    <p:tnLst>
+      <p:par>
+        <p:cTn id="1" dur="indefinite" restart="never" nodeType="tmRoot"/>
+      </p:par>
+    </p:tnLst>
+  </p:timing>
+</p:sld>
+</file>
+
+<file path=ppt/slides/slide15.xml><?xml version="1.0" encoding="utf-8"?>
+<p:sld xmlns:a="http://schemas.openxmlformats.org/drawingml/2006/main" xmlns:r="http://schemas.openxmlformats.org/officeDocument/2006/relationships" xmlns:p="http://schemas.openxmlformats.org/presentationml/2006/main">
+  <p:cSld>
+    <p:spTree>
+      <p:nvGrpSpPr>
+        <p:cNvPr id="1" name=""/>
+        <p:cNvGrpSpPr/>
+        <p:nvPr/>
+      </p:nvGrpSpPr>
+      <p:grpSpPr>
+        <a:xfrm>
+          <a:off x="0" y="0"/>
+          <a:ext cx="0" cy="0"/>
+          <a:chOff x="0" y="0"/>
+          <a:chExt cx="0" cy="0"/>
+        </a:xfrm>
+      </p:grpSpPr>
+      <p:sp>
+        <p:nvSpPr>
+          <p:cNvPr id="2" name="Title 1"/>
+          <p:cNvSpPr>
+            <a:spLocks noGrp="1"/>
+          </p:cNvSpPr>
+          <p:nvPr>
+            <p:ph type="ctrTitle"/>
+          </p:nvPr>
+        </p:nvSpPr>
+        <p:spPr/>
+        <p:txBody>
+          <a:bodyPr/>
+          <a:lstStyle/>
+          <a:p>
+            <a:r>
+              <a:rPr lang="en-GB" dirty="0" smtClean="0"/>
+              <a:t>Results</a:t>
+            </a:r>
+            <a:endParaRPr lang="en-GB" dirty="0"/>
+          </a:p>
+        </p:txBody>
+      </p:sp>
+      <p:sp>
+        <p:nvSpPr>
+          <p:cNvPr id="6" name="Content Placeholder 2"/>
+          <p:cNvSpPr txBox="1">
+            <a:spLocks/>
+          </p:cNvSpPr>
+          <p:nvPr/>
+        </p:nvSpPr>
+        <p:spPr>
+          <a:xfrm>
+            <a:off x="457200" y="3789040"/>
+            <a:ext cx="8229600" cy="2337123"/>
+          </a:xfrm>
+          <a:prstGeom prst="rect">
+            <a:avLst/>
+          </a:prstGeom>
+        </p:spPr>
+        <p:txBody>
+          <a:bodyPr vert="horz" lIns="91440" tIns="45720" rIns="91440" bIns="45720" rtlCol="0">
+            <a:normAutofit/>
+          </a:bodyPr>
+          <a:lstStyle/>
+          <a:p>
+            <a:pPr marL="0" marR="0" lvl="0" indent="0" algn="ctr" defTabSz="914400" rtl="0" eaLnBrk="1" fontAlgn="auto" latinLnBrk="0" hangingPunct="1">
+              <a:lnSpc>
+                <a:spcPct val="100000"/>
+              </a:lnSpc>
+              <a:spcBef>
+                <a:spcPct val="20000"/>
+              </a:spcBef>
+              <a:spcAft>
+                <a:spcPts val="0"/>
+              </a:spcAft>
+              <a:buClrTx/>
+              <a:buSzTx/>
+              <a:buFont typeface="Arial" pitchFamily="34" charset="0"/>
+              <a:buNone/>
+              <a:tabLst/>
+              <a:defRPr/>
+            </a:pPr>
+            <a:r>
+              <a:rPr kumimoji="0" lang="en-GB" sz="3200" b="1" i="0" u="none" strike="noStrike" kern="1200" cap="none" spc="0" normalizeH="0" baseline="0" noProof="0" dirty="0" smtClean="0">
+                <a:ln>
+                  <a:noFill/>
+                </a:ln>
+                <a:effectLst/>
+                <a:uLnTx/>
+                <a:uFillTx/>
+                <a:latin typeface="+mn-lt"/>
+                <a:ea typeface="+mn-ea"/>
+                <a:cs typeface="+mn-cs"/>
+              </a:rPr>
+              <a:t>NB: We cheated</a:t>
+            </a:r>
+            <a:r>
+              <a:rPr kumimoji="0" lang="en-GB" sz="3200" b="1" i="0" u="none" strike="noStrike" kern="1200" cap="none" spc="0" normalizeH="0" noProof="0" dirty="0" smtClean="0">
+                <a:ln>
+                  <a:noFill/>
+                </a:ln>
+                <a:effectLst/>
+                <a:uLnTx/>
+                <a:uFillTx/>
+                <a:latin typeface="+mn-lt"/>
+                <a:ea typeface="+mn-ea"/>
+                <a:cs typeface="+mn-cs"/>
+              </a:rPr>
+              <a:t> - </a:t>
+            </a:r>
+            <a:r>
+              <a:rPr kumimoji="0" lang="en-GB" sz="2800" b="0" i="0" u="none" strike="noStrike" kern="1200" cap="none" spc="0" normalizeH="0" baseline="0" noProof="0" dirty="0" smtClean="0">
+                <a:ln>
+                  <a:noFill/>
+                </a:ln>
+                <a:effectLst/>
+                <a:uLnTx/>
+                <a:uFillTx/>
+                <a:latin typeface="+mn-lt"/>
+                <a:ea typeface="+mn-ea"/>
+                <a:cs typeface="+mn-cs"/>
+              </a:rPr>
+              <a:t>Re-implemented existing </a:t>
+            </a:r>
+            <a:r>
+              <a:rPr kumimoji="0" lang="en-GB" sz="2800" b="0" i="0" u="none" strike="noStrike" kern="1200" cap="none" spc="0" normalizeH="0" baseline="0" noProof="0" dirty="0" err="1" smtClean="0">
+                <a:ln>
+                  <a:noFill/>
+                </a:ln>
+                <a:effectLst/>
+                <a:uLnTx/>
+                <a:uFillTx/>
+                <a:latin typeface="+mn-lt"/>
+                <a:ea typeface="+mn-ea"/>
+                <a:cs typeface="+mn-cs"/>
+              </a:rPr>
+              <a:t>Matlab</a:t>
+            </a:r>
+            <a:r>
+              <a:rPr kumimoji="0" lang="en-GB" sz="2800" b="0" i="0" u="none" strike="noStrike" kern="1200" cap="none" spc="0" normalizeH="0" baseline="0" noProof="0" dirty="0" smtClean="0">
+                <a:ln>
+                  <a:noFill/>
+                </a:ln>
+                <a:effectLst/>
+                <a:uLnTx/>
+                <a:uFillTx/>
+                <a:latin typeface="+mn-lt"/>
+                <a:ea typeface="+mn-ea"/>
+                <a:cs typeface="+mn-cs"/>
+              </a:rPr>
+              <a:t> code in Python</a:t>
+            </a:r>
+          </a:p>
+        </p:txBody>
+      </p:sp>
+    </p:spTree>
+  </p:cSld>
+  <p:clrMapOvr>
+    <a:masterClrMapping/>
+  </p:clrMapOvr>
+  <p:timing>
+    <p:tnLst>
+      <p:par>
+        <p:cTn id="1" dur="indefinite" restart="never" nodeType="tmRoot"/>
+      </p:par>
+    </p:tnLst>
+  </p:timing>
+</p:sld>
+</file>
+
+<file path=ppt/slides/slide16.xml><?xml version="1.0" encoding="utf-8"?>
+<p:sld xmlns:a="http://schemas.openxmlformats.org/drawingml/2006/main" xmlns:r="http://schemas.openxmlformats.org/officeDocument/2006/relationships" xmlns:p="http://schemas.openxmlformats.org/presentationml/2006/main">
+  <p:cSld>
+    <p:spTree>
+      <p:nvGrpSpPr>
+        <p:cNvPr id="1" name=""/>
+        <p:cNvGrpSpPr/>
+        <p:nvPr/>
+      </p:nvGrpSpPr>
+      <p:grpSpPr>
+        <a:xfrm>
+          <a:off x="0" y="0"/>
+          <a:ext cx="0" cy="0"/>
+          <a:chOff x="0" y="0"/>
+          <a:chExt cx="0" cy="0"/>
+        </a:xfrm>
+      </p:grpSpPr>
+      <p:sp>
+        <p:nvSpPr>
+          <p:cNvPr id="2" name="Title 1"/>
+          <p:cNvSpPr>
+            <a:spLocks noGrp="1"/>
+          </p:cNvSpPr>
+          <p:nvPr>
+            <p:ph type="title"/>
+          </p:nvPr>
+        </p:nvSpPr>
+        <p:spPr/>
+        <p:txBody>
+          <a:bodyPr/>
+          <a:lstStyle/>
+          <a:p>
+            <a:r>
+              <a:rPr lang="en-GB" dirty="0" smtClean="0"/>
+              <a:t>Results</a:t>
+            </a:r>
+            <a:endParaRPr lang="en-GB" dirty="0"/>
+          </a:p>
+        </p:txBody>
+      </p:sp>
+      <p:pic>
+        <p:nvPicPr>
+          <p:cNvPr id="1026" name="Picture 2" descr="C:\Users\ames\Documents\activecontnoedge\test-images\coral-snake.jpg"/>
+          <p:cNvPicPr>
+            <a:picLocks noChangeAspect="1" noChangeArrowheads="1"/>
+          </p:cNvPicPr>
+          <p:nvPr/>
+        </p:nvPicPr>
+        <p:blipFill>
+          <a:blip r:embed="rId2" cstate="print"/>
+          <a:srcRect/>
+          <a:stretch>
+            <a:fillRect/>
+          </a:stretch>
+        </p:blipFill>
+        <p:spPr bwMode="auto">
+          <a:xfrm>
+            <a:off x="827584" y="2276872"/>
+            <a:ext cx="3132832" cy="2349624"/>
+          </a:xfrm>
+          <a:prstGeom prst="rect">
+            <a:avLst/>
+          </a:prstGeom>
+          <a:noFill/>
+        </p:spPr>
+      </p:pic>
+      <p:pic>
+        <p:nvPicPr>
+          <p:cNvPr id="1027" name="Picture 3" descr="C:\Users\ames\Documents\activecontnoedge\figures\coal_snake_mu_50000_n_50_cont.png"/>
+          <p:cNvPicPr>
+            <a:picLocks noChangeAspect="1" noChangeArrowheads="1"/>
+          </p:cNvPicPr>
+          <p:nvPr/>
+        </p:nvPicPr>
+        <p:blipFill>
+          <a:blip r:embed="rId3" cstate="print"/>
+          <a:srcRect/>
+          <a:stretch>
+            <a:fillRect/>
+          </a:stretch>
+        </p:blipFill>
+        <p:spPr bwMode="auto">
+          <a:xfrm>
+            <a:off x="4860032" y="1268760"/>
+            <a:ext cx="3456384" cy="2608119"/>
+          </a:xfrm>
+          <a:prstGeom prst="rect">
+            <a:avLst/>
+          </a:prstGeom>
+          <a:noFill/>
+        </p:spPr>
+      </p:pic>
+      <p:pic>
+        <p:nvPicPr>
+          <p:cNvPr id="1028" name="Picture 4" descr="C:\Users\ames\Documents\activecontnoedge\figures\coal_snake_mu_50000_n_50_thresh.png"/>
+          <p:cNvPicPr>
+            <a:picLocks noChangeAspect="1" noChangeArrowheads="1"/>
+          </p:cNvPicPr>
+          <p:nvPr/>
+        </p:nvPicPr>
+        <p:blipFill>
+          <a:blip r:embed="rId4" cstate="print"/>
+          <a:srcRect/>
+          <a:stretch>
+            <a:fillRect/>
+          </a:stretch>
+        </p:blipFill>
+        <p:spPr bwMode="auto">
+          <a:xfrm>
+            <a:off x="4860032" y="3701201"/>
+            <a:ext cx="3456384" cy="2608119"/>
+          </a:xfrm>
+          <a:prstGeom prst="rect">
+            <a:avLst/>
+          </a:prstGeom>
+          <a:noFill/>
+        </p:spPr>
+      </p:pic>
+      <p:cxnSp>
+        <p:nvCxnSpPr>
+          <p:cNvPr id="8" name="Straight Arrow Connector 7"/>
+          <p:cNvCxnSpPr/>
+          <p:nvPr/>
+        </p:nvCxnSpPr>
+        <p:spPr>
+          <a:xfrm>
+            <a:off x="4139952" y="3501008"/>
+            <a:ext cx="792088" cy="0"/>
+          </a:xfrm>
+          <a:prstGeom prst="straightConnector1">
+            <a:avLst/>
+          </a:prstGeom>
+          <a:ln w="57150">
+            <a:solidFill>
+              <a:schemeClr val="tx1"/>
+            </a:solidFill>
+            <a:tailEnd type="arrow"/>
+          </a:ln>
+        </p:spPr>
+        <p:style>
+          <a:lnRef idx="1">
+            <a:schemeClr val="accent1"/>
+          </a:lnRef>
+          <a:fillRef idx="0">
+            <a:schemeClr val="accent1"/>
+          </a:fillRef>
+          <a:effectRef idx="0">
+            <a:schemeClr val="accent1"/>
+          </a:effectRef>
+          <a:fontRef idx="minor">
+            <a:schemeClr val="tx1"/>
+          </a:fontRef>
+        </p:style>
+      </p:cxnSp>
+      <p:sp>
+        <p:nvSpPr>
+          <p:cNvPr id="10" name="Rectangle 9"/>
+          <p:cNvSpPr/>
+          <p:nvPr/>
+        </p:nvSpPr>
+        <p:spPr>
+          <a:xfrm>
+            <a:off x="1230814" y="4869160"/>
+            <a:ext cx="2405082" cy="369332"/>
+          </a:xfrm>
+          <a:prstGeom prst="rect">
+            <a:avLst/>
+          </a:prstGeom>
+        </p:spPr>
+        <p:txBody>
+          <a:bodyPr wrap="none">
+            <a:spAutoFit/>
+          </a:bodyPr>
+          <a:lstStyle/>
+          <a:p>
+            <a:r>
+              <a:rPr lang="en-GB" dirty="0" smtClean="0"/>
+              <a:t>50 iterations, </a:t>
+            </a:r>
+            <a:r>
+              <a:rPr lang="el-GR" dirty="0" smtClean="0"/>
+              <a:t>μ</a:t>
+            </a:r>
+            <a:r>
+              <a:rPr lang="en-GB" dirty="0" smtClean="0"/>
+              <a:t> = 50000</a:t>
+            </a:r>
+            <a:endParaRPr lang="en-GB" dirty="0"/>
+          </a:p>
+        </p:txBody>
+      </p:sp>
+      <p:sp>
+        <p:nvSpPr>
+          <p:cNvPr id="9" name="Rectangle 8"/>
+          <p:cNvSpPr/>
+          <p:nvPr/>
+        </p:nvSpPr>
+        <p:spPr>
+          <a:xfrm>
+            <a:off x="2195736" y="3212976"/>
+            <a:ext cx="504056" cy="288032"/>
+          </a:xfrm>
+          <a:prstGeom prst="rect">
+            <a:avLst/>
+          </a:prstGeom>
+          <a:noFill/>
+          <a:ln w="9525">
+            <a:solidFill>
+              <a:srgbClr val="FF0000"/>
+            </a:solidFill>
+          </a:ln>
+        </p:spPr>
+        <p:style>
+          <a:lnRef idx="2">
+            <a:schemeClr val="accent1">
+              <a:shade val="50000"/>
+            </a:schemeClr>
+          </a:lnRef>
+          <a:fillRef idx="1">
+            <a:schemeClr val="accent1"/>
+          </a:fillRef>
+          <a:effectRef idx="0">
+            <a:schemeClr val="accent1"/>
+          </a:effectRef>
+          <a:fontRef idx="minor">
+            <a:schemeClr val="lt1"/>
+          </a:fontRef>
+        </p:style>
+        <p:txBody>
+          <a:bodyPr rtlCol="0" anchor="ctr"/>
+          <a:lstStyle/>
+          <a:p>
+            <a:pPr algn="ctr"/>
+            <a:endParaRPr lang="en-GB"/>
+          </a:p>
+        </p:txBody>
+      </p:sp>
+    </p:spTree>
+  </p:cSld>
+  <p:clrMapOvr>
+    <a:masterClrMapping/>
+  </p:clrMapOvr>
+  <p:timing>
+    <p:tnLst>
+      <p:par>
+        <p:cTn id="1" dur="indefinite" restart="never" nodeType="tmRoot"/>
+      </p:par>
+    </p:tnLst>
+  </p:timing>
+</p:sld>
+</file>
+
+<file path=ppt/slides/slide17.xml><?xml version="1.0" encoding="utf-8"?>
+<p:sld xmlns:a="http://schemas.openxmlformats.org/drawingml/2006/main" xmlns:r="http://schemas.openxmlformats.org/officeDocument/2006/relationships" xmlns:p="http://schemas.openxmlformats.org/presentationml/2006/main">
+  <p:cSld>
+    <p:spTree>
+      <p:nvGrpSpPr>
+        <p:cNvPr id="1" name=""/>
+        <p:cNvGrpSpPr/>
+        <p:nvPr/>
+      </p:nvGrpSpPr>
+      <p:grpSpPr>
+        <a:xfrm>
+          <a:off x="0" y="0"/>
+          <a:ext cx="0" cy="0"/>
+          <a:chOff x="0" y="0"/>
+          <a:chExt cx="0" cy="0"/>
+        </a:xfrm>
+      </p:grpSpPr>
+      <p:sp>
+        <p:nvSpPr>
+          <p:cNvPr id="2" name="Title 1"/>
+          <p:cNvSpPr>
+            <a:spLocks noGrp="1"/>
+          </p:cNvSpPr>
+          <p:nvPr>
+            <p:ph type="title"/>
+          </p:nvPr>
+        </p:nvSpPr>
+        <p:spPr/>
+        <p:txBody>
+          <a:bodyPr/>
+          <a:lstStyle/>
+          <a:p>
+            <a:r>
+              <a:rPr lang="en-GB" dirty="0" smtClean="0"/>
+              <a:t>Results – Changing </a:t>
+            </a:r>
+            <a:r>
+              <a:rPr lang="el-GR" dirty="0" smtClean="0"/>
+              <a:t>μ</a:t>
+            </a:r>
+            <a:r>
+              <a:rPr lang="en-GB" dirty="0" smtClean="0"/>
+              <a:t> </a:t>
+            </a:r>
+            <a:endParaRPr lang="en-GB" dirty="0"/>
+          </a:p>
+        </p:txBody>
+      </p:sp>
+      <p:pic>
+        <p:nvPicPr>
+          <p:cNvPr id="2050" name="Picture 2" descr="C:\Users\ames\Documents\activecontnoedge\figures\europe_night_specs_mu_15000_n_100_contour.png"/>
+          <p:cNvPicPr>
+            <a:picLocks noChangeAspect="1" noChangeArrowheads="1"/>
+          </p:cNvPicPr>
+          <p:nvPr/>
+        </p:nvPicPr>
+        <p:blipFill>
+          <a:blip r:embed="rId2" cstate="print"/>
+          <a:srcRect/>
+          <a:stretch>
+            <a:fillRect/>
+          </a:stretch>
+        </p:blipFill>
+        <p:spPr bwMode="auto">
+          <a:xfrm>
+            <a:off x="4211960" y="3140968"/>
+            <a:ext cx="4298430" cy="3243511"/>
+          </a:xfrm>
+          <a:prstGeom prst="rect">
+            <a:avLst/>
+          </a:prstGeom>
+          <a:noFill/>
+        </p:spPr>
+      </p:pic>
+      <p:pic>
+        <p:nvPicPr>
+          <p:cNvPr id="2052" name="Picture 4" descr="C:\Users\ames\Documents\activecontnoedge\figures\europe_night_specs_mu_1_n_100_contour.png"/>
+          <p:cNvPicPr>
+            <a:picLocks noChangeAspect="1" noChangeArrowheads="1"/>
+          </p:cNvPicPr>
+          <p:nvPr/>
+        </p:nvPicPr>
+        <p:blipFill>
+          <a:blip r:embed="rId3" cstate="print"/>
+          <a:srcRect/>
+          <a:stretch>
+            <a:fillRect/>
+          </a:stretch>
+        </p:blipFill>
+        <p:spPr bwMode="auto">
+          <a:xfrm>
+            <a:off x="179512" y="3113092"/>
+            <a:ext cx="4298430" cy="3243511"/>
+          </a:xfrm>
+          <a:prstGeom prst="rect">
+            <a:avLst/>
+          </a:prstGeom>
+          <a:noFill/>
+        </p:spPr>
+      </p:pic>
+      <p:pic>
+        <p:nvPicPr>
+          <p:cNvPr id="2051" name="Picture 3" descr="C:\Users\ames\Documents\activecontnoedge\test-images\europe_night-specks.jpg"/>
+          <p:cNvPicPr>
+            <a:picLocks noChangeAspect="1" noChangeArrowheads="1"/>
+          </p:cNvPicPr>
+          <p:nvPr/>
+        </p:nvPicPr>
+        <p:blipFill>
+          <a:blip r:embed="rId4" cstate="print"/>
+          <a:srcRect/>
+          <a:stretch>
+            <a:fillRect/>
+          </a:stretch>
+        </p:blipFill>
+        <p:spPr bwMode="auto">
+          <a:xfrm>
+            <a:off x="3074144" y="1291084"/>
+            <a:ext cx="2794000" cy="1993900"/>
+          </a:xfrm>
+          <a:prstGeom prst="rect">
+            <a:avLst/>
+          </a:prstGeom>
+          <a:noFill/>
+        </p:spPr>
+      </p:pic>
+      <p:sp>
+        <p:nvSpPr>
+          <p:cNvPr id="10" name="Rectangle 9"/>
+          <p:cNvSpPr/>
+          <p:nvPr/>
+        </p:nvSpPr>
+        <p:spPr>
+          <a:xfrm>
+            <a:off x="5148064" y="6218728"/>
+            <a:ext cx="2522101" cy="369332"/>
+          </a:xfrm>
+          <a:prstGeom prst="rect">
+            <a:avLst/>
+          </a:prstGeom>
+        </p:spPr>
+        <p:txBody>
+          <a:bodyPr wrap="none">
+            <a:spAutoFit/>
+          </a:bodyPr>
+          <a:lstStyle/>
+          <a:p>
+            <a:r>
+              <a:rPr lang="en-GB" dirty="0" smtClean="0"/>
+              <a:t>100 iterations, </a:t>
+            </a:r>
+            <a:r>
+              <a:rPr lang="el-GR" dirty="0" smtClean="0"/>
+              <a:t>μ</a:t>
+            </a:r>
+            <a:r>
+              <a:rPr lang="en-GB" dirty="0" smtClean="0"/>
+              <a:t> = 15000</a:t>
+            </a:r>
+            <a:endParaRPr lang="en-GB" dirty="0"/>
+          </a:p>
+        </p:txBody>
+      </p:sp>
+      <p:sp>
+        <p:nvSpPr>
+          <p:cNvPr id="12" name="Rectangle 11"/>
+          <p:cNvSpPr/>
+          <p:nvPr/>
+        </p:nvSpPr>
+        <p:spPr>
+          <a:xfrm>
+            <a:off x="1475656" y="6228020"/>
+            <a:ext cx="2054024" cy="369332"/>
+          </a:xfrm>
+          <a:prstGeom prst="rect">
+            <a:avLst/>
+          </a:prstGeom>
+        </p:spPr>
+        <p:txBody>
+          <a:bodyPr wrap="none">
+            <a:spAutoFit/>
+          </a:bodyPr>
+          <a:lstStyle/>
+          <a:p>
+            <a:r>
+              <a:rPr lang="en-GB" dirty="0" smtClean="0"/>
+              <a:t>100 iterations, </a:t>
+            </a:r>
+            <a:r>
+              <a:rPr lang="el-GR" dirty="0" smtClean="0"/>
+              <a:t>μ</a:t>
+            </a:r>
+            <a:r>
+              <a:rPr lang="en-GB" dirty="0" smtClean="0"/>
+              <a:t> = 1</a:t>
+            </a:r>
+            <a:endParaRPr lang="en-GB" dirty="0"/>
+          </a:p>
+        </p:txBody>
+      </p:sp>
+      <p:sp>
+        <p:nvSpPr>
+          <p:cNvPr id="8" name="Rectangle 7"/>
+          <p:cNvSpPr/>
+          <p:nvPr/>
+        </p:nvSpPr>
+        <p:spPr>
+          <a:xfrm>
+            <a:off x="4283968" y="2132856"/>
+            <a:ext cx="504056" cy="288032"/>
+          </a:xfrm>
+          <a:prstGeom prst="rect">
+            <a:avLst/>
+          </a:prstGeom>
+          <a:noFill/>
+          <a:ln w="9525">
+            <a:solidFill>
+              <a:srgbClr val="FF0000"/>
+            </a:solidFill>
+          </a:ln>
+        </p:spPr>
+        <p:style>
+          <a:lnRef idx="2">
+            <a:schemeClr val="accent1">
+              <a:shade val="50000"/>
+            </a:schemeClr>
+          </a:lnRef>
+          <a:fillRef idx="1">
+            <a:schemeClr val="accent1"/>
+          </a:fillRef>
+          <a:effectRef idx="0">
+            <a:schemeClr val="accent1"/>
+          </a:effectRef>
+          <a:fontRef idx="minor">
+            <a:schemeClr val="lt1"/>
+          </a:fontRef>
+        </p:style>
+        <p:txBody>
+          <a:bodyPr rtlCol="0" anchor="ctr"/>
+          <a:lstStyle/>
+          <a:p>
+            <a:pPr algn="ctr"/>
+            <a:endParaRPr lang="en-GB"/>
+          </a:p>
+        </p:txBody>
+      </p:sp>
+    </p:spTree>
+  </p:cSld>
+  <p:clrMapOvr>
+    <a:masterClrMapping/>
+  </p:clrMapOvr>
+  <p:timing>
+    <p:tnLst>
+      <p:par>
+        <p:cTn id="1" dur="indefinite" restart="never" nodeType="tmRoot"/>
+      </p:par>
+    </p:tnLst>
+  </p:timing>
+</p:sld>
+</file>
+
+<file path=ppt/slides/slide18.xml><?xml version="1.0" encoding="utf-8"?>
+<p:sld xmlns:a="http://schemas.openxmlformats.org/drawingml/2006/main" xmlns:r="http://schemas.openxmlformats.org/officeDocument/2006/relationships" xmlns:p="http://schemas.openxmlformats.org/presentationml/2006/main">
+  <p:cSld>
+    <p:spTree>
+      <p:nvGrpSpPr>
+        <p:cNvPr id="1" name=""/>
+        <p:cNvGrpSpPr/>
+        <p:nvPr/>
+      </p:nvGrpSpPr>
+      <p:grpSpPr>
+        <a:xfrm>
+          <a:off x="0" y="0"/>
+          <a:ext cx="0" cy="0"/>
+          <a:chOff x="0" y="0"/>
+          <a:chExt cx="0" cy="0"/>
+        </a:xfrm>
+      </p:grpSpPr>
+      <p:sp>
+        <p:nvSpPr>
+          <p:cNvPr id="2" name="Title 1"/>
+          <p:cNvSpPr>
+            <a:spLocks noGrp="1"/>
+          </p:cNvSpPr>
+          <p:nvPr>
+            <p:ph type="title"/>
+          </p:nvPr>
+        </p:nvSpPr>
+        <p:spPr/>
+        <p:txBody>
+          <a:bodyPr>
+            <a:normAutofit/>
+          </a:bodyPr>
+          <a:lstStyle/>
+          <a:p>
+            <a:r>
+              <a:rPr lang="en-GB" dirty="0" smtClean="0"/>
+              <a:t>Results – Gradients</a:t>
+            </a:r>
+            <a:endParaRPr lang="en-GB" dirty="0"/>
+          </a:p>
+        </p:txBody>
+      </p:sp>
+      <p:sp>
+        <p:nvSpPr>
+          <p:cNvPr id="10" name="Rectangle 9"/>
+          <p:cNvSpPr/>
+          <p:nvPr/>
+        </p:nvSpPr>
+        <p:spPr>
+          <a:xfrm>
+            <a:off x="3419872" y="6165304"/>
+            <a:ext cx="1819985" cy="369332"/>
+          </a:xfrm>
+          <a:prstGeom prst="rect">
+            <a:avLst/>
+          </a:prstGeom>
+        </p:spPr>
+        <p:txBody>
+          <a:bodyPr wrap="none">
+            <a:spAutoFit/>
+          </a:bodyPr>
+          <a:lstStyle/>
+          <a:p>
+            <a:r>
+              <a:rPr lang="en-GB" dirty="0" smtClean="0"/>
+              <a:t>5 iterations, </a:t>
+            </a:r>
+            <a:r>
+              <a:rPr lang="el-GR" dirty="0" smtClean="0"/>
+              <a:t>μ</a:t>
+            </a:r>
+            <a:r>
+              <a:rPr lang="en-GB" dirty="0" smtClean="0"/>
+              <a:t> = 1</a:t>
+            </a:r>
+            <a:endParaRPr lang="en-GB" dirty="0"/>
+          </a:p>
+        </p:txBody>
+      </p:sp>
+      <p:pic>
+        <p:nvPicPr>
+          <p:cNvPr id="3074" name="Picture 2" descr="C:\Users\ames\Documents\activecontnoedge\figures\grad_shapes_mu_1_n_5_contour.png"/>
+          <p:cNvPicPr>
+            <a:picLocks noChangeAspect="1" noChangeArrowheads="1"/>
+          </p:cNvPicPr>
+          <p:nvPr/>
+        </p:nvPicPr>
+        <p:blipFill>
+          <a:blip r:embed="rId2" cstate="print"/>
+          <a:srcRect/>
+          <a:stretch>
+            <a:fillRect/>
+          </a:stretch>
+        </p:blipFill>
+        <p:spPr bwMode="auto">
+          <a:xfrm>
+            <a:off x="4572000" y="3539512"/>
+            <a:ext cx="3384376" cy="2553784"/>
+          </a:xfrm>
+          <a:prstGeom prst="rect">
+            <a:avLst/>
+          </a:prstGeom>
+          <a:noFill/>
+        </p:spPr>
+      </p:pic>
+      <p:pic>
+        <p:nvPicPr>
+          <p:cNvPr id="3075" name="Picture 3" descr="C:\Users\ames\Documents\activecontnoedge\test-images\grad-shapes.png"/>
+          <p:cNvPicPr>
+            <a:picLocks noChangeAspect="1" noChangeArrowheads="1"/>
+          </p:cNvPicPr>
+          <p:nvPr/>
+        </p:nvPicPr>
+        <p:blipFill>
+          <a:blip r:embed="rId3" cstate="print"/>
+          <a:srcRect/>
+          <a:stretch>
+            <a:fillRect/>
+          </a:stretch>
+        </p:blipFill>
+        <p:spPr bwMode="auto">
+          <a:xfrm>
+            <a:off x="1331640" y="3717032"/>
+            <a:ext cx="1996598" cy="1996598"/>
+          </a:xfrm>
+          <a:prstGeom prst="rect">
+            <a:avLst/>
+          </a:prstGeom>
+          <a:noFill/>
+        </p:spPr>
+      </p:pic>
+      <p:pic>
+        <p:nvPicPr>
+          <p:cNvPr id="3076" name="Picture 4" descr="C:\Users\ames\Documents\activecontnoedge\test-images\grad_circle.png"/>
+          <p:cNvPicPr>
+            <a:picLocks noChangeAspect="1" noChangeArrowheads="1"/>
+          </p:cNvPicPr>
+          <p:nvPr/>
+        </p:nvPicPr>
+        <p:blipFill>
+          <a:blip r:embed="rId4" cstate="print"/>
+          <a:srcRect/>
+          <a:stretch>
+            <a:fillRect/>
+          </a:stretch>
+        </p:blipFill>
+        <p:spPr bwMode="auto">
+          <a:xfrm>
+            <a:off x="1619672" y="1628800"/>
+            <a:ext cx="1688976" cy="1688976"/>
+          </a:xfrm>
+          <a:prstGeom prst="rect">
+            <a:avLst/>
+          </a:prstGeom>
+          <a:noFill/>
+        </p:spPr>
+      </p:pic>
+      <p:pic>
+        <p:nvPicPr>
+          <p:cNvPr id="3077" name="Picture 5" descr="C:\Users\ames\Documents\activecontnoedge\figures\grad_circle_mu_1_n_5_contour.png"/>
+          <p:cNvPicPr>
+            <a:picLocks noChangeAspect="1" noChangeArrowheads="1"/>
+          </p:cNvPicPr>
+          <p:nvPr/>
+        </p:nvPicPr>
+        <p:blipFill>
+          <a:blip r:embed="rId5" cstate="print"/>
+          <a:srcRect/>
+          <a:stretch>
+            <a:fillRect/>
+          </a:stretch>
+        </p:blipFill>
+        <p:spPr bwMode="auto">
+          <a:xfrm>
+            <a:off x="4572000" y="1190451"/>
+            <a:ext cx="3348326" cy="2526581"/>
+          </a:xfrm>
+          <a:prstGeom prst="rect">
+            <a:avLst/>
+          </a:prstGeom>
+          <a:noFill/>
+        </p:spPr>
+      </p:pic>
+      <p:cxnSp>
+        <p:nvCxnSpPr>
+          <p:cNvPr id="13" name="Straight Arrow Connector 12"/>
+          <p:cNvCxnSpPr/>
+          <p:nvPr/>
+        </p:nvCxnSpPr>
+        <p:spPr>
+          <a:xfrm>
+            <a:off x="4067944" y="2564904"/>
+            <a:ext cx="792088" cy="0"/>
+          </a:xfrm>
+          <a:prstGeom prst="straightConnector1">
+            <a:avLst/>
+          </a:prstGeom>
+          <a:ln w="57150">
+            <a:solidFill>
+              <a:schemeClr val="tx1"/>
+            </a:solidFill>
+            <a:tailEnd type="arrow"/>
+          </a:ln>
+        </p:spPr>
+        <p:style>
+          <a:lnRef idx="1">
+            <a:schemeClr val="accent1"/>
+          </a:lnRef>
+          <a:fillRef idx="0">
+            <a:schemeClr val="accent1"/>
+          </a:fillRef>
+          <a:effectRef idx="0">
+            <a:schemeClr val="accent1"/>
+          </a:effectRef>
+          <a:fontRef idx="minor">
+            <a:schemeClr val="tx1"/>
+          </a:fontRef>
+        </p:style>
+      </p:cxnSp>
+      <p:cxnSp>
+        <p:nvCxnSpPr>
+          <p:cNvPr id="14" name="Straight Arrow Connector 13"/>
+          <p:cNvCxnSpPr/>
+          <p:nvPr/>
+        </p:nvCxnSpPr>
+        <p:spPr>
+          <a:xfrm>
+            <a:off x="4067944" y="4797152"/>
+            <a:ext cx="792088" cy="0"/>
+          </a:xfrm>
+          <a:prstGeom prst="straightConnector1">
+            <a:avLst/>
+          </a:prstGeom>
+          <a:ln w="57150">
+            <a:solidFill>
+              <a:schemeClr val="tx1"/>
+            </a:solidFill>
+            <a:tailEnd type="arrow"/>
+          </a:ln>
+        </p:spPr>
+        <p:style>
+          <a:lnRef idx="1">
+            <a:schemeClr val="accent1"/>
+          </a:lnRef>
+          <a:fillRef idx="0">
+            <a:schemeClr val="accent1"/>
+          </a:fillRef>
+          <a:effectRef idx="0">
+            <a:schemeClr val="accent1"/>
+          </a:effectRef>
+          <a:fontRef idx="minor">
+            <a:schemeClr val="tx1"/>
+          </a:fontRef>
+        </p:style>
+      </p:cxnSp>
+      <p:sp>
+        <p:nvSpPr>
+          <p:cNvPr id="11" name="Rectangle 10"/>
+          <p:cNvSpPr/>
+          <p:nvPr/>
+        </p:nvSpPr>
+        <p:spPr>
+          <a:xfrm>
+            <a:off x="1691680" y="1628800"/>
+            <a:ext cx="1584176" cy="1584176"/>
+          </a:xfrm>
+          <a:prstGeom prst="rect">
+            <a:avLst/>
+          </a:prstGeom>
+          <a:noFill/>
+          <a:ln w="9525">
+            <a:solidFill>
+              <a:srgbClr val="FF0000"/>
+            </a:solidFill>
+          </a:ln>
+        </p:spPr>
+        <p:style>
+          <a:lnRef idx="2">
+            <a:schemeClr val="accent1">
+              <a:shade val="50000"/>
+            </a:schemeClr>
+          </a:lnRef>
+          <a:fillRef idx="1">
+            <a:schemeClr val="accent1"/>
+          </a:fillRef>
+          <a:effectRef idx="0">
+            <a:schemeClr val="accent1"/>
+          </a:effectRef>
+          <a:fontRef idx="minor">
+            <a:schemeClr val="lt1"/>
+          </a:fontRef>
+        </p:style>
+        <p:txBody>
+          <a:bodyPr rtlCol="0" anchor="ctr"/>
+          <a:lstStyle/>
+          <a:p>
+            <a:pPr algn="ctr"/>
+            <a:endParaRPr lang="en-GB"/>
+          </a:p>
+        </p:txBody>
+      </p:sp>
+      <p:sp>
+        <p:nvSpPr>
+          <p:cNvPr id="12" name="Rectangle 11"/>
+          <p:cNvSpPr/>
+          <p:nvPr/>
+        </p:nvSpPr>
+        <p:spPr>
+          <a:xfrm>
+            <a:off x="1835696" y="4725144"/>
+            <a:ext cx="792088" cy="720080"/>
+          </a:xfrm>
+          <a:prstGeom prst="rect">
+            <a:avLst/>
+          </a:prstGeom>
+          <a:noFill/>
+          <a:ln w="9525">
+            <a:solidFill>
+              <a:srgbClr val="FF0000"/>
+            </a:solidFill>
+          </a:ln>
+        </p:spPr>
+        <p:style>
+          <a:lnRef idx="2">
+            <a:schemeClr val="accent1">
+              <a:shade val="50000"/>
+            </a:schemeClr>
+          </a:lnRef>
+          <a:fillRef idx="1">
+            <a:schemeClr val="accent1"/>
+          </a:fillRef>
+          <a:effectRef idx="0">
+            <a:schemeClr val="accent1"/>
+          </a:effectRef>
+          <a:fontRef idx="minor">
+            <a:schemeClr val="lt1"/>
+          </a:fontRef>
+        </p:style>
+        <p:txBody>
+          <a:bodyPr rtlCol="0" anchor="ctr"/>
+          <a:lstStyle/>
+          <a:p>
+            <a:pPr algn="ctr"/>
+            <a:endParaRPr lang="en-GB"/>
+          </a:p>
+        </p:txBody>
+      </p:sp>
+    </p:spTree>
+  </p:cSld>
+  <p:clrMapOvr>
+    <a:masterClrMapping/>
+  </p:clrMapOvr>
+  <p:timing>
+    <p:tnLst>
+      <p:par>
+        <p:cTn id="1" dur="indefinite" restart="never" nodeType="tmRoot"/>
+      </p:par>
+    </p:tnLst>
+  </p:timing>
+</p:sld>
+</file>
+
+<file path=ppt/slides/slide19.xml><?xml version="1.0" encoding="utf-8"?>
+<p:sld xmlns:a="http://schemas.openxmlformats.org/drawingml/2006/main" xmlns:r="http://schemas.openxmlformats.org/officeDocument/2006/relationships" xmlns:p="http://schemas.openxmlformats.org/presentationml/2006/main">
+  <p:cSld>
+    <p:spTree>
+      <p:nvGrpSpPr>
+        <p:cNvPr id="1" name=""/>
+        <p:cNvGrpSpPr/>
+        <p:nvPr/>
+      </p:nvGrpSpPr>
+      <p:grpSpPr>
+        <a:xfrm>
+          <a:off x="0" y="0"/>
+          <a:ext cx="0" cy="0"/>
+          <a:chOff x="0" y="0"/>
+          <a:chExt cx="0" cy="0"/>
+        </a:xfrm>
+      </p:grpSpPr>
+      <p:pic>
+        <p:nvPicPr>
+          <p:cNvPr id="4102" name="Picture 6" descr="C:\Users\ames\Documents\activecontnoedge\figures\mines_mu_50000_n_100_initial_outside_contour.png"/>
+          <p:cNvPicPr>
+            <a:picLocks noChangeAspect="1" noChangeArrowheads="1"/>
+          </p:cNvPicPr>
+          <p:nvPr/>
+        </p:nvPicPr>
+        <p:blipFill>
+          <a:blip r:embed="rId2" cstate="print"/>
+          <a:srcRect/>
+          <a:stretch>
+            <a:fillRect/>
+          </a:stretch>
+        </p:blipFill>
+        <p:spPr bwMode="auto">
+          <a:xfrm>
+            <a:off x="2699793" y="3717032"/>
+            <a:ext cx="3888431" cy="2934133"/>
+          </a:xfrm>
+          <a:prstGeom prst="rect">
+            <a:avLst/>
+          </a:prstGeom>
+          <a:noFill/>
+        </p:spPr>
+      </p:pic>
+      <p:pic>
+        <p:nvPicPr>
+          <p:cNvPr id="15" name="Picture 2" descr="C:\Users\ames\Documents\activecontnoedge\test-images\mines.png"/>
+          <p:cNvPicPr>
+            <a:picLocks noChangeAspect="1" noChangeArrowheads="1"/>
+          </p:cNvPicPr>
+          <p:nvPr/>
+        </p:nvPicPr>
+        <p:blipFill>
+          <a:blip r:embed="rId3" cstate="print"/>
+          <a:srcRect/>
+          <a:stretch>
+            <a:fillRect/>
+          </a:stretch>
+        </p:blipFill>
+        <p:spPr bwMode="auto">
+          <a:xfrm>
+            <a:off x="395536" y="4005064"/>
+            <a:ext cx="1944216" cy="2286508"/>
+          </a:xfrm>
+          <a:prstGeom prst="rect">
+            <a:avLst/>
+          </a:prstGeom>
+          <a:noFill/>
+        </p:spPr>
+      </p:pic>
+      <p:pic>
+        <p:nvPicPr>
+          <p:cNvPr id="16" name="Picture 2" descr="C:\Users\ames\Documents\activecontnoedge\test-images\mines.png"/>
+          <p:cNvPicPr>
+            <a:picLocks noChangeAspect="1" noChangeArrowheads="1"/>
+          </p:cNvPicPr>
+          <p:nvPr/>
+        </p:nvPicPr>
+        <p:blipFill>
+          <a:blip r:embed="rId3" cstate="print"/>
+          <a:srcRect/>
+          <a:stretch>
+            <a:fillRect/>
+          </a:stretch>
+        </p:blipFill>
+        <p:spPr bwMode="auto">
+          <a:xfrm>
+            <a:off x="395536" y="1378800"/>
+            <a:ext cx="1944216" cy="2286508"/>
+          </a:xfrm>
+          <a:prstGeom prst="rect">
+            <a:avLst/>
+          </a:prstGeom>
+          <a:noFill/>
+        </p:spPr>
+      </p:pic>
+      <p:sp>
+        <p:nvSpPr>
+          <p:cNvPr id="2" name="Title 1"/>
+          <p:cNvSpPr>
+            <a:spLocks noGrp="1"/>
+          </p:cNvSpPr>
+          <p:nvPr>
+            <p:ph type="title"/>
+          </p:nvPr>
+        </p:nvSpPr>
+        <p:spPr/>
+        <p:txBody>
+          <a:bodyPr>
+            <a:normAutofit/>
+          </a:bodyPr>
+          <a:lstStyle/>
+          <a:p>
+            <a:r>
+              <a:rPr lang="en-GB" dirty="0" smtClean="0"/>
+              <a:t>Results – Initial Level Set Functions</a:t>
+            </a:r>
+            <a:endParaRPr lang="en-GB" dirty="0"/>
+          </a:p>
+        </p:txBody>
+      </p:sp>
+      <p:sp>
+        <p:nvSpPr>
+          <p:cNvPr id="10" name="Rectangle 9"/>
+          <p:cNvSpPr/>
+          <p:nvPr/>
+        </p:nvSpPr>
+        <p:spPr>
+          <a:xfrm>
+            <a:off x="3419872" y="6444044"/>
+            <a:ext cx="2522101" cy="369332"/>
+          </a:xfrm>
+          <a:prstGeom prst="rect">
+            <a:avLst/>
+          </a:prstGeom>
+        </p:spPr>
+        <p:txBody>
+          <a:bodyPr wrap="none">
+            <a:spAutoFit/>
+          </a:bodyPr>
+          <a:lstStyle/>
+          <a:p>
+            <a:r>
+              <a:rPr lang="en-GB" dirty="0" smtClean="0"/>
+              <a:t>100 iterations, </a:t>
+            </a:r>
+            <a:r>
+              <a:rPr lang="el-GR" dirty="0" smtClean="0"/>
+              <a:t>μ</a:t>
+            </a:r>
+            <a:r>
+              <a:rPr lang="en-GB" dirty="0" smtClean="0"/>
+              <a:t> = 50000</a:t>
+            </a:r>
+            <a:endParaRPr lang="en-GB" dirty="0"/>
+          </a:p>
+        </p:txBody>
+      </p:sp>
+      <p:cxnSp>
+        <p:nvCxnSpPr>
+          <p:cNvPr id="18" name="Straight Arrow Connector 17"/>
+          <p:cNvCxnSpPr/>
+          <p:nvPr/>
+        </p:nvCxnSpPr>
+        <p:spPr>
+          <a:xfrm>
+            <a:off x="2555776" y="4797152"/>
+            <a:ext cx="792088" cy="0"/>
+          </a:xfrm>
+          <a:prstGeom prst="straightConnector1">
+            <a:avLst/>
+          </a:prstGeom>
+          <a:ln w="57150">
+            <a:solidFill>
+              <a:schemeClr val="tx1"/>
+            </a:solidFill>
+            <a:tailEnd type="arrow"/>
+          </a:ln>
+        </p:spPr>
+        <p:style>
+          <a:lnRef idx="1">
+            <a:schemeClr val="accent1"/>
+          </a:lnRef>
+          <a:fillRef idx="0">
+            <a:schemeClr val="accent1"/>
+          </a:fillRef>
+          <a:effectRef idx="0">
+            <a:schemeClr val="accent1"/>
+          </a:effectRef>
+          <a:fontRef idx="minor">
+            <a:schemeClr val="tx1"/>
+          </a:fontRef>
+        </p:style>
+      </p:cxnSp>
+      <p:pic>
+        <p:nvPicPr>
+          <p:cNvPr id="4099" name="Picture 3" descr="C:\Users\ames\Documents\activecontnoedge\figures\mines_mu_50000_n_100_contour.png"/>
+          <p:cNvPicPr>
+            <a:picLocks noChangeAspect="1" noChangeArrowheads="1"/>
+          </p:cNvPicPr>
+          <p:nvPr/>
+        </p:nvPicPr>
+        <p:blipFill>
+          <a:blip r:embed="rId4" cstate="print"/>
+          <a:srcRect/>
+          <a:stretch>
+            <a:fillRect/>
+          </a:stretch>
+        </p:blipFill>
+        <p:spPr bwMode="auto">
+          <a:xfrm>
+            <a:off x="2699793" y="1052736"/>
+            <a:ext cx="3888431" cy="2934133"/>
+          </a:xfrm>
+          <a:prstGeom prst="rect">
+            <a:avLst/>
+          </a:prstGeom>
+          <a:noFill/>
+        </p:spPr>
+      </p:pic>
+      <p:cxnSp>
+        <p:nvCxnSpPr>
+          <p:cNvPr id="17" name="Straight Arrow Connector 16"/>
+          <p:cNvCxnSpPr/>
+          <p:nvPr/>
+        </p:nvCxnSpPr>
+        <p:spPr>
+          <a:xfrm>
+            <a:off x="2555776" y="2564904"/>
+            <a:ext cx="792088" cy="0"/>
+          </a:xfrm>
+          <a:prstGeom prst="straightConnector1">
+            <a:avLst/>
+          </a:prstGeom>
+          <a:ln w="57150">
+            <a:solidFill>
+              <a:schemeClr val="tx1"/>
+            </a:solidFill>
+            <a:tailEnd type="arrow"/>
+          </a:ln>
+        </p:spPr>
+        <p:style>
+          <a:lnRef idx="1">
+            <a:schemeClr val="accent1"/>
+          </a:lnRef>
+          <a:fillRef idx="0">
+            <a:schemeClr val="accent1"/>
+          </a:fillRef>
+          <a:effectRef idx="0">
+            <a:schemeClr val="accent1"/>
+          </a:effectRef>
+          <a:fontRef idx="minor">
+            <a:schemeClr val="tx1"/>
+          </a:fontRef>
+        </p:style>
+      </p:cxnSp>
+      <p:pic>
+        <p:nvPicPr>
+          <p:cNvPr id="4101" name="Picture 5" descr="C:\Users\ames\Documents\activecontnoedge\figures\mines_mu_50000_n_100_initial_outside_thresh.png"/>
+          <p:cNvPicPr>
+            <a:picLocks noChangeAspect="1" noChangeArrowheads="1"/>
+          </p:cNvPicPr>
+          <p:nvPr/>
+        </p:nvPicPr>
+        <p:blipFill>
+          <a:blip r:embed="rId5" cstate="print"/>
+          <a:srcRect l="19457"/>
+          <a:stretch>
+            <a:fillRect/>
+          </a:stretch>
+        </p:blipFill>
+        <p:spPr bwMode="auto">
+          <a:xfrm>
+            <a:off x="6012160" y="3735227"/>
+            <a:ext cx="3131840" cy="2934133"/>
+          </a:xfrm>
+          <a:prstGeom prst="rect">
+            <a:avLst/>
+          </a:prstGeom>
+          <a:noFill/>
+        </p:spPr>
+      </p:pic>
+      <p:pic>
+        <p:nvPicPr>
+          <p:cNvPr id="4100" name="Picture 4" descr="C:\Users\ames\Documents\activecontnoedge\figures\mines_mu_50000_n_100_thresh.png"/>
+          <p:cNvPicPr>
+            <a:picLocks noChangeAspect="1" noChangeArrowheads="1"/>
+          </p:cNvPicPr>
+          <p:nvPr/>
+        </p:nvPicPr>
+        <p:blipFill>
+          <a:blip r:embed="rId6" cstate="print"/>
+          <a:srcRect l="19457"/>
+          <a:stretch>
+            <a:fillRect/>
+          </a:stretch>
+        </p:blipFill>
+        <p:spPr bwMode="auto">
+          <a:xfrm>
+            <a:off x="6012160" y="1052736"/>
+            <a:ext cx="3131840" cy="2934133"/>
+          </a:xfrm>
+          <a:prstGeom prst="rect">
+            <a:avLst/>
+          </a:prstGeom>
+          <a:noFill/>
+        </p:spPr>
+      </p:pic>
+      <p:sp>
+        <p:nvSpPr>
+          <p:cNvPr id="19" name="Rectangle 18"/>
+          <p:cNvSpPr/>
+          <p:nvPr/>
+        </p:nvSpPr>
+        <p:spPr>
+          <a:xfrm>
+            <a:off x="611560" y="2204864"/>
+            <a:ext cx="936104" cy="864096"/>
+          </a:xfrm>
+          <a:prstGeom prst="rect">
+            <a:avLst/>
+          </a:prstGeom>
+          <a:noFill/>
+          <a:ln w="9525">
+            <a:solidFill>
+              <a:srgbClr val="FF0000"/>
+            </a:solidFill>
+          </a:ln>
+        </p:spPr>
+        <p:style>
+          <a:lnRef idx="2">
+            <a:schemeClr val="accent1">
+              <a:shade val="50000"/>
+            </a:schemeClr>
+          </a:lnRef>
+          <a:fillRef idx="1">
+            <a:schemeClr val="accent1"/>
+          </a:fillRef>
+          <a:effectRef idx="0">
+            <a:schemeClr val="accent1"/>
+          </a:effectRef>
+          <a:fontRef idx="minor">
+            <a:schemeClr val="lt1"/>
+          </a:fontRef>
+        </p:style>
+        <p:txBody>
+          <a:bodyPr rtlCol="0" anchor="ctr"/>
+          <a:lstStyle/>
+          <a:p>
+            <a:pPr algn="ctr"/>
+            <a:endParaRPr lang="en-GB"/>
+          </a:p>
+        </p:txBody>
+      </p:sp>
+      <p:sp>
+        <p:nvSpPr>
+          <p:cNvPr id="20" name="Rectangle 19"/>
+          <p:cNvSpPr/>
+          <p:nvPr/>
+        </p:nvSpPr>
+        <p:spPr>
+          <a:xfrm>
+            <a:off x="683568" y="4149080"/>
+            <a:ext cx="504056" cy="360040"/>
+          </a:xfrm>
+          <a:prstGeom prst="rect">
+            <a:avLst/>
+          </a:prstGeom>
+          <a:noFill/>
+          <a:ln w="9525">
+            <a:solidFill>
+              <a:srgbClr val="FF0000"/>
+            </a:solidFill>
+          </a:ln>
+        </p:spPr>
+        <p:style>
+          <a:lnRef idx="2">
+            <a:schemeClr val="accent1">
+              <a:shade val="50000"/>
+            </a:schemeClr>
+          </a:lnRef>
+          <a:fillRef idx="1">
+            <a:schemeClr val="accent1"/>
+          </a:fillRef>
+          <a:effectRef idx="0">
+            <a:schemeClr val="accent1"/>
+          </a:effectRef>
+          <a:fontRef idx="minor">
+            <a:schemeClr val="lt1"/>
+          </a:fontRef>
+        </p:style>
+        <p:txBody>
+          <a:bodyPr rtlCol="0" anchor="ctr"/>
+          <a:lstStyle/>
+          <a:p>
+            <a:pPr algn="ctr"/>
+            <a:endParaRPr lang="en-GB"/>
+          </a:p>
+        </p:txBody>
+      </p:sp>
+    </p:spTree>
+  </p:cSld>
+  <p:clrMapOvr>
+    <a:masterClrMapping/>
+  </p:clrMapOvr>
+  <p:timing>
+    <p:tnLst>
+      <p:par>
+        <p:cTn id="1" dur="indefinite" restart="never" nodeType="tmRoot"/>
+      </p:par>
+    </p:tnLst>
+  </p:timing>
 </p:sld>
 </file>
 
@@ -3569,8 +6423,9 @@
           <a:p>
             <a:r>
               <a:rPr lang="en-GB" dirty="0" smtClean="0"/>
-              <a:t>Implementation</a:t>
-            </a:r>
+              <a:t>Algorithm</a:t>
+            </a:r>
+            <a:endParaRPr lang="en-GB" dirty="0" smtClean="0"/>
           </a:p>
           <a:p>
             <a:r>
@@ -3583,28 +6438,695 @@
               <a:rPr lang="en-GB" dirty="0" smtClean="0"/>
               <a:t>Demo</a:t>
             </a:r>
-          </a:p>
-          <a:p>
-            <a:r>
-              <a:rPr lang="en-GB" dirty="0" smtClean="0"/>
-              <a:t>Extensions</a:t>
-            </a:r>
-          </a:p>
-          <a:p>
-            <a:endParaRPr lang="en-GB" dirty="0"/>
+            <a:endParaRPr lang="en-GB" dirty="0" smtClean="0"/>
           </a:p>
         </p:txBody>
       </p:sp>
     </p:spTree>
     <p:extLst>
       <p:ext uri="{BB962C8B-B14F-4D97-AF65-F5344CB8AC3E}">
-        <p14:creationId xmlns="" xmlns:p14="http://schemas.microsoft.com/office/powerpoint/2010/main" val="3109711924"/>
+        <p14:creationId xmlns:p14="http://schemas.microsoft.com/office/powerpoint/2010/main" xmlns="" val="3109711924"/>
       </p:ext>
     </p:extLst>
   </p:cSld>
   <p:clrMapOvr>
     <a:masterClrMapping/>
   </p:clrMapOvr>
+  <p:timing>
+    <p:tnLst>
+      <p:par>
+        <p:cTn id="1" dur="indefinite" restart="never" nodeType="tmRoot"/>
+      </p:par>
+    </p:tnLst>
+  </p:timing>
+</p:sld>
+</file>
+
+<file path=ppt/slides/slide20.xml><?xml version="1.0" encoding="utf-8"?>
+<p:sld xmlns:a="http://schemas.openxmlformats.org/drawingml/2006/main" xmlns:r="http://schemas.openxmlformats.org/officeDocument/2006/relationships" xmlns:p="http://schemas.openxmlformats.org/presentationml/2006/main">
+  <p:cSld>
+    <p:spTree>
+      <p:nvGrpSpPr>
+        <p:cNvPr id="1" name=""/>
+        <p:cNvGrpSpPr/>
+        <p:nvPr/>
+      </p:nvGrpSpPr>
+      <p:grpSpPr>
+        <a:xfrm>
+          <a:off x="0" y="0"/>
+          <a:ext cx="0" cy="0"/>
+          <a:chOff x="0" y="0"/>
+          <a:chExt cx="0" cy="0"/>
+        </a:xfrm>
+      </p:grpSpPr>
+      <p:pic>
+        <p:nvPicPr>
+          <p:cNvPr id="1026" name="Picture 2" descr="C:\Users\ames\Documents\activecontnoedge\figures\mines_nosie_width_20.png"/>
+          <p:cNvPicPr>
+            <a:picLocks noChangeAspect="1" noChangeArrowheads="1"/>
+          </p:cNvPicPr>
+          <p:nvPr/>
+        </p:nvPicPr>
+        <p:blipFill>
+          <a:blip r:embed="rId2" cstate="print"/>
+          <a:srcRect l="19102" t="6757" r="20986" b="3600"/>
+          <a:stretch>
+            <a:fillRect/>
+          </a:stretch>
+        </p:blipFill>
+        <p:spPr bwMode="auto">
+          <a:xfrm>
+            <a:off x="492232" y="1988840"/>
+            <a:ext cx="3071656" cy="3467998"/>
+          </a:xfrm>
+          <a:prstGeom prst="rect">
+            <a:avLst/>
+          </a:prstGeom>
+          <a:noFill/>
+        </p:spPr>
+      </p:pic>
+      <p:sp>
+        <p:nvSpPr>
+          <p:cNvPr id="2" name="Title 1"/>
+          <p:cNvSpPr>
+            <a:spLocks noGrp="1"/>
+          </p:cNvSpPr>
+          <p:nvPr>
+            <p:ph type="title"/>
+          </p:nvPr>
+        </p:nvSpPr>
+        <p:spPr/>
+        <p:txBody>
+          <a:bodyPr>
+            <a:normAutofit/>
+          </a:bodyPr>
+          <a:lstStyle/>
+          <a:p>
+            <a:r>
+              <a:rPr lang="en-GB" dirty="0" smtClean="0"/>
+              <a:t>Results – Noise</a:t>
+            </a:r>
+            <a:endParaRPr lang="en-GB" dirty="0"/>
+          </a:p>
+        </p:txBody>
+      </p:sp>
+      <p:sp>
+        <p:nvSpPr>
+          <p:cNvPr id="10" name="Rectangle 9"/>
+          <p:cNvSpPr/>
+          <p:nvPr/>
+        </p:nvSpPr>
+        <p:spPr>
+          <a:xfrm>
+            <a:off x="467544" y="5733256"/>
+            <a:ext cx="8352928" cy="646331"/>
+          </a:xfrm>
+          <a:prstGeom prst="rect">
+            <a:avLst/>
+          </a:prstGeom>
+        </p:spPr>
+        <p:txBody>
+          <a:bodyPr wrap="square">
+            <a:spAutoFit/>
+          </a:bodyPr>
+          <a:lstStyle/>
+          <a:p>
+            <a:pPr algn="ctr"/>
+            <a:r>
+              <a:rPr lang="en-GB" dirty="0" smtClean="0"/>
+              <a:t>100 iterations, </a:t>
+            </a:r>
+            <a:r>
+              <a:rPr lang="el-GR" dirty="0" smtClean="0"/>
+              <a:t>μ</a:t>
+            </a:r>
+            <a:r>
+              <a:rPr lang="en-GB" dirty="0" smtClean="0"/>
+              <a:t> = 50000</a:t>
+            </a:r>
+          </a:p>
+          <a:p>
+            <a:pPr algn="ctr"/>
+            <a:r>
+              <a:rPr lang="en-GB" dirty="0" smtClean="0"/>
+              <a:t>Additive Gaussian noise: mean = 0, std deviation = 20 (approx 0.1% of image mean)</a:t>
+            </a:r>
+            <a:endParaRPr lang="en-GB" dirty="0"/>
+          </a:p>
+        </p:txBody>
+      </p:sp>
+      <p:cxnSp>
+        <p:nvCxnSpPr>
+          <p:cNvPr id="17" name="Straight Arrow Connector 16"/>
+          <p:cNvCxnSpPr/>
+          <p:nvPr/>
+        </p:nvCxnSpPr>
+        <p:spPr>
+          <a:xfrm>
+            <a:off x="3995936" y="3429000"/>
+            <a:ext cx="792088" cy="0"/>
+          </a:xfrm>
+          <a:prstGeom prst="straightConnector1">
+            <a:avLst/>
+          </a:prstGeom>
+          <a:ln w="57150">
+            <a:solidFill>
+              <a:schemeClr val="tx1"/>
+            </a:solidFill>
+            <a:tailEnd type="arrow"/>
+          </a:ln>
+        </p:spPr>
+        <p:style>
+          <a:lnRef idx="1">
+            <a:schemeClr val="accent1"/>
+          </a:lnRef>
+          <a:fillRef idx="0">
+            <a:schemeClr val="accent1"/>
+          </a:fillRef>
+          <a:effectRef idx="0">
+            <a:schemeClr val="accent1"/>
+          </a:effectRef>
+          <a:fontRef idx="minor">
+            <a:schemeClr val="tx1"/>
+          </a:fontRef>
+        </p:style>
+      </p:cxnSp>
+      <p:sp>
+        <p:nvSpPr>
+          <p:cNvPr id="19" name="Rectangle 18"/>
+          <p:cNvSpPr/>
+          <p:nvPr/>
+        </p:nvSpPr>
+        <p:spPr>
+          <a:xfrm>
+            <a:off x="1187624" y="3140968"/>
+            <a:ext cx="1224136" cy="1296144"/>
+          </a:xfrm>
+          <a:prstGeom prst="rect">
+            <a:avLst/>
+          </a:prstGeom>
+          <a:noFill/>
+          <a:ln w="9525">
+            <a:solidFill>
+              <a:srgbClr val="FF0000"/>
+            </a:solidFill>
+          </a:ln>
+        </p:spPr>
+        <p:style>
+          <a:lnRef idx="2">
+            <a:schemeClr val="accent1">
+              <a:shade val="50000"/>
+            </a:schemeClr>
+          </a:lnRef>
+          <a:fillRef idx="1">
+            <a:schemeClr val="accent1"/>
+          </a:fillRef>
+          <a:effectRef idx="0">
+            <a:schemeClr val="accent1"/>
+          </a:effectRef>
+          <a:fontRef idx="minor">
+            <a:schemeClr val="lt1"/>
+          </a:fontRef>
+        </p:style>
+        <p:txBody>
+          <a:bodyPr rtlCol="0" anchor="ctr"/>
+          <a:lstStyle/>
+          <a:p>
+            <a:pPr algn="ctr"/>
+            <a:endParaRPr lang="en-GB"/>
+          </a:p>
+        </p:txBody>
+      </p:sp>
+      <p:pic>
+        <p:nvPicPr>
+          <p:cNvPr id="1028" name="Picture 4" descr="C:\Users\ames\Documents\activecontnoedge\figures\mines_nosie_width_20_mu_50000_n100_contour.png"/>
+          <p:cNvPicPr>
+            <a:picLocks noChangeAspect="1" noChangeArrowheads="1"/>
+          </p:cNvPicPr>
+          <p:nvPr/>
+        </p:nvPicPr>
+        <p:blipFill>
+          <a:blip r:embed="rId3" cstate="print"/>
+          <a:srcRect l="20961" t="5556" r="20350" b="3704"/>
+          <a:stretch>
+            <a:fillRect/>
+          </a:stretch>
+        </p:blipFill>
+        <p:spPr bwMode="auto">
+          <a:xfrm>
+            <a:off x="5148064" y="1916832"/>
+            <a:ext cx="3024336" cy="3528392"/>
+          </a:xfrm>
+          <a:prstGeom prst="rect">
+            <a:avLst/>
+          </a:prstGeom>
+          <a:noFill/>
+        </p:spPr>
+      </p:pic>
+    </p:spTree>
+  </p:cSld>
+  <p:clrMapOvr>
+    <a:masterClrMapping/>
+  </p:clrMapOvr>
+  <p:timing>
+    <p:tnLst>
+      <p:par>
+        <p:cTn id="1" dur="indefinite" restart="never" nodeType="tmRoot"/>
+      </p:par>
+    </p:tnLst>
+  </p:timing>
+</p:sld>
+</file>
+
+<file path=ppt/slides/slide21.xml><?xml version="1.0" encoding="utf-8"?>
+<p:sld xmlns:a="http://schemas.openxmlformats.org/drawingml/2006/main" xmlns:r="http://schemas.openxmlformats.org/officeDocument/2006/relationships" xmlns:p="http://schemas.openxmlformats.org/presentationml/2006/main">
+  <p:cSld>
+    <p:spTree>
+      <p:nvGrpSpPr>
+        <p:cNvPr id="1" name=""/>
+        <p:cNvGrpSpPr/>
+        <p:nvPr/>
+      </p:nvGrpSpPr>
+      <p:grpSpPr>
+        <a:xfrm>
+          <a:off x="0" y="0"/>
+          <a:ext cx="0" cy="0"/>
+          <a:chOff x="0" y="0"/>
+          <a:chExt cx="0" cy="0"/>
+        </a:xfrm>
+      </p:grpSpPr>
+      <p:sp>
+        <p:nvSpPr>
+          <p:cNvPr id="4" name="Title 3"/>
+          <p:cNvSpPr>
+            <a:spLocks noGrp="1"/>
+          </p:cNvSpPr>
+          <p:nvPr>
+            <p:ph type="ctrTitle"/>
+          </p:nvPr>
+        </p:nvSpPr>
+        <p:spPr/>
+        <p:txBody>
+          <a:bodyPr/>
+          <a:lstStyle/>
+          <a:p>
+            <a:r>
+              <a:rPr lang="en-GB" dirty="0" smtClean="0"/>
+              <a:t>Demo</a:t>
+            </a:r>
+            <a:endParaRPr lang="en-GB" dirty="0"/>
+          </a:p>
+        </p:txBody>
+      </p:sp>
+      <p:sp>
+        <p:nvSpPr>
+          <p:cNvPr id="5" name="Subtitle 4"/>
+          <p:cNvSpPr>
+            <a:spLocks noGrp="1"/>
+          </p:cNvSpPr>
+          <p:nvPr>
+            <p:ph type="subTitle" idx="1"/>
+          </p:nvPr>
+        </p:nvSpPr>
+        <p:spPr/>
+        <p:txBody>
+          <a:bodyPr/>
+          <a:lstStyle/>
+          <a:p>
+            <a:endParaRPr lang="en-GB"/>
+          </a:p>
+        </p:txBody>
+      </p:sp>
+    </p:spTree>
+  </p:cSld>
+  <p:clrMapOvr>
+    <a:masterClrMapping/>
+  </p:clrMapOvr>
+  <p:timing>
+    <p:tnLst>
+      <p:par>
+        <p:cTn id="1" dur="indefinite" restart="never" nodeType="tmRoot"/>
+      </p:par>
+    </p:tnLst>
+  </p:timing>
+</p:sld>
+</file>
+
+<file path=ppt/slides/slide22.xml><?xml version="1.0" encoding="utf-8"?>
+<p:sld xmlns:a="http://schemas.openxmlformats.org/drawingml/2006/main" xmlns:r="http://schemas.openxmlformats.org/officeDocument/2006/relationships" xmlns:p="http://schemas.openxmlformats.org/presentationml/2006/main">
+  <p:cSld>
+    <p:spTree>
+      <p:nvGrpSpPr>
+        <p:cNvPr id="1" name=""/>
+        <p:cNvGrpSpPr/>
+        <p:nvPr/>
+      </p:nvGrpSpPr>
+      <p:grpSpPr>
+        <a:xfrm>
+          <a:off x="0" y="0"/>
+          <a:ext cx="0" cy="0"/>
+          <a:chOff x="0" y="0"/>
+          <a:chExt cx="0" cy="0"/>
+        </a:xfrm>
+      </p:grpSpPr>
+      <p:sp>
+        <p:nvSpPr>
+          <p:cNvPr id="2" name="Title 1"/>
+          <p:cNvSpPr>
+            <a:spLocks noGrp="1"/>
+          </p:cNvSpPr>
+          <p:nvPr>
+            <p:ph type="title"/>
+          </p:nvPr>
+        </p:nvSpPr>
+        <p:spPr/>
+        <p:txBody>
+          <a:bodyPr>
+            <a:normAutofit/>
+          </a:bodyPr>
+          <a:lstStyle/>
+          <a:p>
+            <a:r>
+              <a:rPr lang="en-GB" dirty="0" smtClean="0"/>
+              <a:t>Summary</a:t>
+            </a:r>
+            <a:endParaRPr lang="en-GB" dirty="0"/>
+          </a:p>
+        </p:txBody>
+      </p:sp>
+      <p:sp>
+        <p:nvSpPr>
+          <p:cNvPr id="3" name="Content Placeholder 2"/>
+          <p:cNvSpPr>
+            <a:spLocks noGrp="1"/>
+          </p:cNvSpPr>
+          <p:nvPr>
+            <p:ph idx="1"/>
+          </p:nvPr>
+        </p:nvSpPr>
+        <p:spPr/>
+        <p:txBody>
+          <a:bodyPr/>
+          <a:lstStyle/>
+          <a:p>
+            <a:r>
+              <a:rPr lang="en-GB" dirty="0" smtClean="0"/>
+              <a:t>Advantages:</a:t>
+            </a:r>
+          </a:p>
+          <a:p>
+            <a:pPr lvl="1"/>
+            <a:r>
+              <a:rPr lang="en-GB" dirty="0" smtClean="0"/>
+              <a:t>Responds well to noise (no noise reduction required)</a:t>
+            </a:r>
+          </a:p>
+          <a:p>
+            <a:pPr lvl="1"/>
+            <a:r>
+              <a:rPr lang="en-GB" dirty="0" smtClean="0"/>
+              <a:t>Extracts groupings of objects well</a:t>
+            </a:r>
+          </a:p>
+          <a:p>
+            <a:pPr lvl="1"/>
+            <a:r>
+              <a:rPr lang="en-GB" dirty="0" smtClean="0"/>
+              <a:t>Objects need not be defined by edges</a:t>
+            </a:r>
+          </a:p>
+          <a:p>
+            <a:pPr lvl="1"/>
+            <a:r>
+              <a:rPr lang="en-GB" dirty="0" smtClean="0"/>
+              <a:t>Exact placement of initial contour not critical</a:t>
+            </a:r>
+          </a:p>
+          <a:p>
+            <a:pPr lvl="1"/>
+            <a:r>
+              <a:rPr lang="en-GB" dirty="0" smtClean="0"/>
+              <a:t>Extracts multiple separate objects with one contour</a:t>
+            </a:r>
+          </a:p>
+        </p:txBody>
+      </p:sp>
+    </p:spTree>
+  </p:cSld>
+  <p:clrMapOvr>
+    <a:masterClrMapping/>
+  </p:clrMapOvr>
+  <p:timing>
+    <p:tnLst>
+      <p:par>
+        <p:cTn id="1" dur="indefinite" restart="never" nodeType="tmRoot"/>
+      </p:par>
+    </p:tnLst>
+  </p:timing>
+</p:sld>
+</file>
+
+<file path=ppt/slides/slide23.xml><?xml version="1.0" encoding="utf-8"?>
+<p:sld xmlns:a="http://schemas.openxmlformats.org/drawingml/2006/main" xmlns:r="http://schemas.openxmlformats.org/officeDocument/2006/relationships" xmlns:p="http://schemas.openxmlformats.org/presentationml/2006/main">
+  <p:cSld>
+    <p:spTree>
+      <p:nvGrpSpPr>
+        <p:cNvPr id="1" name=""/>
+        <p:cNvGrpSpPr/>
+        <p:nvPr/>
+      </p:nvGrpSpPr>
+      <p:grpSpPr>
+        <a:xfrm>
+          <a:off x="0" y="0"/>
+          <a:ext cx="0" cy="0"/>
+          <a:chOff x="0" y="0"/>
+          <a:chExt cx="0" cy="0"/>
+        </a:xfrm>
+      </p:grpSpPr>
+      <p:sp>
+        <p:nvSpPr>
+          <p:cNvPr id="2" name="Title 1"/>
+          <p:cNvSpPr>
+            <a:spLocks noGrp="1"/>
+          </p:cNvSpPr>
+          <p:nvPr>
+            <p:ph type="title"/>
+          </p:nvPr>
+        </p:nvSpPr>
+        <p:spPr/>
+        <p:txBody>
+          <a:bodyPr>
+            <a:normAutofit/>
+          </a:bodyPr>
+          <a:lstStyle/>
+          <a:p>
+            <a:r>
+              <a:rPr lang="en-GB" dirty="0" smtClean="0"/>
+              <a:t>Summary</a:t>
+            </a:r>
+            <a:endParaRPr lang="en-GB" dirty="0"/>
+          </a:p>
+        </p:txBody>
+      </p:sp>
+      <p:sp>
+        <p:nvSpPr>
+          <p:cNvPr id="3" name="Content Placeholder 2"/>
+          <p:cNvSpPr>
+            <a:spLocks noGrp="1"/>
+          </p:cNvSpPr>
+          <p:nvPr>
+            <p:ph idx="1"/>
+          </p:nvPr>
+        </p:nvSpPr>
+        <p:spPr/>
+        <p:txBody>
+          <a:bodyPr/>
+          <a:lstStyle/>
+          <a:p>
+            <a:r>
+              <a:rPr lang="en-GB" dirty="0" smtClean="0"/>
+              <a:t>Disadvantages:</a:t>
+            </a:r>
+          </a:p>
+          <a:p>
+            <a:pPr lvl="1"/>
+            <a:r>
+              <a:rPr lang="en-GB" dirty="0" smtClean="0"/>
+              <a:t>Computation time</a:t>
+            </a:r>
+          </a:p>
+          <a:p>
+            <a:pPr lvl="1"/>
+            <a:r>
+              <a:rPr lang="en-GB" dirty="0" smtClean="0"/>
+              <a:t>Extracts multiple separate objects with one contour</a:t>
+            </a:r>
+          </a:p>
+          <a:p>
+            <a:pPr lvl="1"/>
+            <a:r>
+              <a:rPr lang="en-GB" dirty="0" smtClean="0"/>
+              <a:t>Good parameters for different situations vary significantly</a:t>
+            </a:r>
+          </a:p>
+        </p:txBody>
+      </p:sp>
+    </p:spTree>
+  </p:cSld>
+  <p:clrMapOvr>
+    <a:masterClrMapping/>
+  </p:clrMapOvr>
+  <p:timing>
+    <p:tnLst>
+      <p:par>
+        <p:cTn id="1" dur="indefinite" restart="never" nodeType="tmRoot"/>
+      </p:par>
+    </p:tnLst>
+  </p:timing>
+</p:sld>
+</file>
+
+<file path=ppt/slides/slide24.xml><?xml version="1.0" encoding="utf-8"?>
+<p:sld xmlns:a="http://schemas.openxmlformats.org/drawingml/2006/main" xmlns:r="http://schemas.openxmlformats.org/officeDocument/2006/relationships" xmlns:p="http://schemas.openxmlformats.org/presentationml/2006/main">
+  <p:cSld>
+    <p:spTree>
+      <p:nvGrpSpPr>
+        <p:cNvPr id="1" name=""/>
+        <p:cNvGrpSpPr/>
+        <p:nvPr/>
+      </p:nvGrpSpPr>
+      <p:grpSpPr>
+        <a:xfrm>
+          <a:off x="0" y="0"/>
+          <a:ext cx="0" cy="0"/>
+          <a:chOff x="0" y="0"/>
+          <a:chExt cx="0" cy="0"/>
+        </a:xfrm>
+      </p:grpSpPr>
+      <p:sp>
+        <p:nvSpPr>
+          <p:cNvPr id="2" name="Title 1"/>
+          <p:cNvSpPr>
+            <a:spLocks noGrp="1"/>
+          </p:cNvSpPr>
+          <p:nvPr>
+            <p:ph type="title"/>
+          </p:nvPr>
+        </p:nvSpPr>
+        <p:spPr/>
+        <p:txBody>
+          <a:bodyPr/>
+          <a:lstStyle/>
+          <a:p>
+            <a:r>
+              <a:rPr lang="en-GB" dirty="0" smtClean="0"/>
+              <a:t>References</a:t>
+            </a:r>
+            <a:endParaRPr lang="en-GB" dirty="0"/>
+          </a:p>
+        </p:txBody>
+      </p:sp>
+      <p:sp>
+        <p:nvSpPr>
+          <p:cNvPr id="3" name="Content Placeholder 2"/>
+          <p:cNvSpPr>
+            <a:spLocks noGrp="1"/>
+          </p:cNvSpPr>
+          <p:nvPr>
+            <p:ph idx="1"/>
+          </p:nvPr>
+        </p:nvSpPr>
+        <p:spPr/>
+        <p:txBody>
+          <a:bodyPr>
+            <a:normAutofit fontScale="62500" lnSpcReduction="20000"/>
+          </a:bodyPr>
+          <a:lstStyle/>
+          <a:p>
+            <a:r>
+              <a:rPr lang="en-GB" dirty="0" smtClean="0"/>
+              <a:t>[1] - http://www.mathworks.com/matlabcentral/fileexchange/34548-active-contour-without-edge</a:t>
+            </a:r>
+          </a:p>
+          <a:p>
+            <a:r>
+              <a:rPr lang="en-GB" dirty="0" smtClean="0"/>
+              <a:t>[</a:t>
+            </a:r>
+            <a:r>
+              <a:rPr lang="en-GB" dirty="0" smtClean="0"/>
+              <a:t>2] - Chan, T.F.; </a:t>
+            </a:r>
+            <a:r>
+              <a:rPr lang="en-GB" dirty="0" err="1" smtClean="0"/>
+              <a:t>Vese</a:t>
+            </a:r>
+            <a:r>
+              <a:rPr lang="en-GB" dirty="0" smtClean="0"/>
+              <a:t>, L.A.; , "Active contours without edges," Image Processing, IEEE Transactions on , vol.10, no.2, pp.266-277, Feb 2001 URL: http://ieeexplore.ieee.org/stamp/stamp.jsp?tp=&amp;arnumber=902291&amp;isnumber=19508</a:t>
+            </a:r>
+          </a:p>
+          <a:p>
+            <a:r>
+              <a:rPr lang="en-GB" dirty="0" smtClean="0"/>
+              <a:t>[</a:t>
+            </a:r>
+            <a:r>
+              <a:rPr lang="en-GB" dirty="0" smtClean="0"/>
+              <a:t>3] - http://www.mathworks.com/matlabcentral/fileexchange/12711-level-set-for-image-segmentation</a:t>
+            </a:r>
+          </a:p>
+          <a:p>
+            <a:r>
+              <a:rPr lang="en-GB" dirty="0" smtClean="0"/>
+              <a:t>[</a:t>
+            </a:r>
+            <a:r>
+              <a:rPr lang="en-GB" dirty="0" smtClean="0"/>
+              <a:t>4] - </a:t>
+            </a:r>
+            <a:r>
+              <a:rPr lang="en-GB" dirty="0" err="1" smtClean="0"/>
+              <a:t>Chunming</a:t>
+            </a:r>
+            <a:r>
+              <a:rPr lang="en-GB" dirty="0" smtClean="0"/>
+              <a:t> Li; Chiu-Yen Kao; Gore, J.C.; </a:t>
+            </a:r>
+            <a:r>
+              <a:rPr lang="en-GB" dirty="0" err="1" smtClean="0"/>
+              <a:t>Zhaohua</a:t>
+            </a:r>
+            <a:r>
+              <a:rPr lang="en-GB" dirty="0" smtClean="0"/>
+              <a:t> Ding; , "Minimization of Region-Scalable Fitting Energy for Image Segmentation," Image Processing, IEEE Transactions on , vol.17, no.10, pp.1940-1949, Oct. 2008 URL: http://www.ncbi.nlm.nih.gov/pmc/articles/PMC2720140/</a:t>
+            </a:r>
+          </a:p>
+          <a:p>
+            <a:r>
+              <a:rPr lang="en-GB" dirty="0" smtClean="0"/>
+              <a:t>[</a:t>
+            </a:r>
+            <a:r>
+              <a:rPr lang="en-GB" dirty="0" smtClean="0"/>
+              <a:t>5] - http://www.mathworks.co.uk/help/techdoc/ref/del2.html</a:t>
+            </a:r>
+            <a:endParaRPr lang="en-GB" dirty="0"/>
+          </a:p>
+        </p:txBody>
+      </p:sp>
+    </p:spTree>
+  </p:cSld>
+  <p:clrMapOvr>
+    <a:masterClrMapping/>
+  </p:clrMapOvr>
+  <p:timing>
+    <p:tnLst>
+      <p:par>
+        <p:cTn id="1" dur="indefinite" restart="never" nodeType="tmRoot"/>
+      </p:par>
+    </p:tnLst>
+  </p:timing>
 </p:sld>
 </file>
 
@@ -3686,13 +7208,20 @@
     </p:spTree>
     <p:extLst>
       <p:ext uri="{BB962C8B-B14F-4D97-AF65-F5344CB8AC3E}">
-        <p14:creationId xmlns="" xmlns:p14="http://schemas.microsoft.com/office/powerpoint/2010/main" val="3674118470"/>
+        <p14:creationId xmlns:p14="http://schemas.microsoft.com/office/powerpoint/2010/main" xmlns="" val="3674118470"/>
       </p:ext>
     </p:extLst>
   </p:cSld>
   <p:clrMapOvr>
     <a:masterClrMapping/>
   </p:clrMapOvr>
+  <p:timing>
+    <p:tnLst>
+      <p:par>
+        <p:cTn id="1" dur="indefinite" restart="never" nodeType="tmRoot"/>
+      </p:par>
+    </p:tnLst>
+  </p:timing>
 </p:sld>
 </file>
 
@@ -3957,6 +7486,13 @@
   <p:clrMapOvr>
     <a:masterClrMapping/>
   </p:clrMapOvr>
+  <p:timing>
+    <p:tnLst>
+      <p:par>
+        <p:cTn id="1" dur="indefinite" restart="never" nodeType="tmRoot"/>
+      </p:par>
+    </p:tnLst>
+  </p:timing>
 </p:sld>
 </file>
 
@@ -4071,6 +7607,13 @@
   <p:clrMapOvr>
     <a:masterClrMapping/>
   </p:clrMapOvr>
+  <p:timing>
+    <p:tnLst>
+      <p:par>
+        <p:cTn id="1" dur="indefinite" restart="never" nodeType="tmRoot"/>
+      </p:par>
+    </p:tnLst>
+  </p:timing>
 </p:sld>
 </file>
 
@@ -4223,6 +7766,13 @@
   <p:clrMapOvr>
     <a:masterClrMapping/>
   </p:clrMapOvr>
+  <p:timing>
+    <p:tnLst>
+      <p:par>
+        <p:cTn id="1" dur="indefinite" restart="never" nodeType="tmRoot"/>
+      </p:par>
+    </p:tnLst>
+  </p:timing>
 </p:sld>
 </file>
 
@@ -4285,7 +7835,7 @@
         </p:blipFill>
         <p:spPr bwMode="auto">
           <a:xfrm>
-            <a:off x="755576" y="1844824"/>
+            <a:off x="683568" y="1700808"/>
             <a:ext cx="7353300" cy="2190750"/>
           </a:xfrm>
           <a:prstGeom prst="rect">
@@ -4305,6 +7855,814 @@
   <p:clrMapOvr>
     <a:masterClrMapping/>
   </p:clrMapOvr>
+  <p:timing>
+    <p:tnLst>
+      <p:par>
+        <p:cTn id="1" dur="indefinite" restart="never" nodeType="tmRoot"/>
+      </p:par>
+    </p:tnLst>
+  </p:timing>
+</p:sld>
+</file>
+
+<file path=ppt/slides/slide8.xml><?xml version="1.0" encoding="utf-8"?>
+<p:sld xmlns:a="http://schemas.openxmlformats.org/drawingml/2006/main" xmlns:r="http://schemas.openxmlformats.org/officeDocument/2006/relationships" xmlns:p="http://schemas.openxmlformats.org/presentationml/2006/main">
+  <p:cSld>
+    <p:spTree>
+      <p:nvGrpSpPr>
+        <p:cNvPr id="1" name=""/>
+        <p:cNvGrpSpPr/>
+        <p:nvPr/>
+      </p:nvGrpSpPr>
+      <p:grpSpPr>
+        <a:xfrm>
+          <a:off x="0" y="0"/>
+          <a:ext cx="0" cy="0"/>
+          <a:chOff x="0" y="0"/>
+          <a:chExt cx="0" cy="0"/>
+        </a:xfrm>
+      </p:grpSpPr>
+      <p:sp>
+        <p:nvSpPr>
+          <p:cNvPr id="2" name="Title 1"/>
+          <p:cNvSpPr>
+            <a:spLocks noGrp="1"/>
+          </p:cNvSpPr>
+          <p:nvPr>
+            <p:ph type="title"/>
+          </p:nvPr>
+        </p:nvSpPr>
+        <p:spPr/>
+        <p:txBody>
+          <a:bodyPr/>
+          <a:lstStyle/>
+          <a:p>
+            <a:r>
+              <a:rPr lang="en-GB" dirty="0" smtClean="0"/>
+              <a:t>Algorithm</a:t>
+            </a:r>
+            <a:endParaRPr lang="en-GB" dirty="0"/>
+          </a:p>
+        </p:txBody>
+      </p:sp>
+      <p:sp>
+        <p:nvSpPr>
+          <p:cNvPr id="3" name="Content Placeholder 2"/>
+          <p:cNvSpPr>
+            <a:spLocks noGrp="1"/>
+          </p:cNvSpPr>
+          <p:nvPr>
+            <p:ph idx="1"/>
+          </p:nvPr>
+        </p:nvSpPr>
+        <p:spPr/>
+        <p:txBody>
+          <a:bodyPr/>
+          <a:lstStyle/>
+          <a:p>
+            <a:r>
+              <a:rPr lang="en-GB" dirty="0" smtClean="0"/>
+              <a:t>Want to minimize energy</a:t>
+            </a:r>
+          </a:p>
+          <a:p>
+            <a:pPr lvl="1"/>
+            <a:r>
+              <a:rPr lang="en-GB" dirty="0" smtClean="0"/>
+              <a:t>Iterative gradient descent</a:t>
+            </a:r>
+            <a:endParaRPr lang="en-GB" dirty="0"/>
+          </a:p>
+        </p:txBody>
+      </p:sp>
+      <p:grpSp>
+        <p:nvGrpSpPr>
+          <p:cNvPr id="10" name="Group 35"/>
+          <p:cNvGrpSpPr/>
+          <p:nvPr/>
+        </p:nvGrpSpPr>
+        <p:grpSpPr>
+          <a:xfrm>
+            <a:off x="4644008" y="2984467"/>
+            <a:ext cx="4320480" cy="3873533"/>
+            <a:chOff x="4067944" y="2276872"/>
+            <a:chExt cx="4176464" cy="3744416"/>
+          </a:xfrm>
+        </p:grpSpPr>
+        <p:sp>
+          <p:nvSpPr>
+            <p:cNvPr id="4" name="Oval 3"/>
+            <p:cNvSpPr/>
+            <p:nvPr/>
+          </p:nvSpPr>
+          <p:spPr>
+            <a:xfrm>
+              <a:off x="4067944" y="2276872"/>
+              <a:ext cx="4176464" cy="3528392"/>
+            </a:xfrm>
+            <a:prstGeom prst="ellipse">
+              <a:avLst/>
+            </a:prstGeom>
+            <a:solidFill>
+              <a:schemeClr val="bg1"/>
+            </a:solidFill>
+          </p:spPr>
+          <p:style>
+            <a:lnRef idx="2">
+              <a:schemeClr val="accent1">
+                <a:shade val="50000"/>
+              </a:schemeClr>
+            </a:lnRef>
+            <a:fillRef idx="1">
+              <a:schemeClr val="accent1"/>
+            </a:fillRef>
+            <a:effectRef idx="0">
+              <a:schemeClr val="accent1"/>
+            </a:effectRef>
+            <a:fontRef idx="minor">
+              <a:schemeClr val="lt1"/>
+            </a:fontRef>
+          </p:style>
+          <p:txBody>
+            <a:bodyPr rtlCol="0" anchor="ctr"/>
+            <a:lstStyle/>
+            <a:p>
+              <a:pPr algn="ctr"/>
+              <a:endParaRPr lang="en-GB" dirty="0"/>
+            </a:p>
+          </p:txBody>
+        </p:sp>
+        <p:sp>
+          <p:nvSpPr>
+            <p:cNvPr id="5" name="Oval 4"/>
+            <p:cNvSpPr/>
+            <p:nvPr/>
+          </p:nvSpPr>
+          <p:spPr>
+            <a:xfrm>
+              <a:off x="4355976" y="2636912"/>
+              <a:ext cx="3104728" cy="2744688"/>
+            </a:xfrm>
+            <a:prstGeom prst="ellipse">
+              <a:avLst/>
+            </a:prstGeom>
+            <a:solidFill>
+              <a:schemeClr val="bg1"/>
+            </a:solidFill>
+          </p:spPr>
+          <p:style>
+            <a:lnRef idx="2">
+              <a:schemeClr val="accent1">
+                <a:shade val="50000"/>
+              </a:schemeClr>
+            </a:lnRef>
+            <a:fillRef idx="1">
+              <a:schemeClr val="accent1"/>
+            </a:fillRef>
+            <a:effectRef idx="0">
+              <a:schemeClr val="accent1"/>
+            </a:effectRef>
+            <a:fontRef idx="minor">
+              <a:schemeClr val="lt1"/>
+            </a:fontRef>
+          </p:style>
+          <p:txBody>
+            <a:bodyPr rtlCol="0" anchor="ctr"/>
+            <a:lstStyle/>
+            <a:p>
+              <a:pPr algn="ctr"/>
+              <a:endParaRPr lang="en-GB"/>
+            </a:p>
+          </p:txBody>
+        </p:sp>
+        <p:sp>
+          <p:nvSpPr>
+            <p:cNvPr id="6" name="Oval 5"/>
+            <p:cNvSpPr/>
+            <p:nvPr/>
+          </p:nvSpPr>
+          <p:spPr>
+            <a:xfrm>
+              <a:off x="4860032" y="2780928"/>
+              <a:ext cx="2232248" cy="1872208"/>
+            </a:xfrm>
+            <a:prstGeom prst="ellipse">
+              <a:avLst/>
+            </a:prstGeom>
+            <a:solidFill>
+              <a:schemeClr val="bg1"/>
+            </a:solidFill>
+          </p:spPr>
+          <p:style>
+            <a:lnRef idx="2">
+              <a:schemeClr val="accent1">
+                <a:shade val="50000"/>
+              </a:schemeClr>
+            </a:lnRef>
+            <a:fillRef idx="1">
+              <a:schemeClr val="accent1"/>
+            </a:fillRef>
+            <a:effectRef idx="0">
+              <a:schemeClr val="accent1"/>
+            </a:effectRef>
+            <a:fontRef idx="minor">
+              <a:schemeClr val="lt1"/>
+            </a:fontRef>
+          </p:style>
+          <p:txBody>
+            <a:bodyPr rtlCol="0" anchor="ctr"/>
+            <a:lstStyle/>
+            <a:p>
+              <a:pPr algn="ctr"/>
+              <a:endParaRPr lang="en-GB"/>
+            </a:p>
+          </p:txBody>
+        </p:sp>
+        <p:sp>
+          <p:nvSpPr>
+            <p:cNvPr id="7" name="Oval 6"/>
+            <p:cNvSpPr/>
+            <p:nvPr/>
+          </p:nvSpPr>
+          <p:spPr>
+            <a:xfrm>
+              <a:off x="5012432" y="2933328"/>
+              <a:ext cx="1719808" cy="1215752"/>
+            </a:xfrm>
+            <a:prstGeom prst="ellipse">
+              <a:avLst/>
+            </a:prstGeom>
+            <a:solidFill>
+              <a:schemeClr val="bg1"/>
+            </a:solidFill>
+          </p:spPr>
+          <p:style>
+            <a:lnRef idx="2">
+              <a:schemeClr val="accent1">
+                <a:shade val="50000"/>
+              </a:schemeClr>
+            </a:lnRef>
+            <a:fillRef idx="1">
+              <a:schemeClr val="accent1"/>
+            </a:fillRef>
+            <a:effectRef idx="0">
+              <a:schemeClr val="accent1"/>
+            </a:effectRef>
+            <a:fontRef idx="minor">
+              <a:schemeClr val="lt1"/>
+            </a:fontRef>
+          </p:style>
+          <p:txBody>
+            <a:bodyPr rtlCol="0" anchor="ctr"/>
+            <a:lstStyle/>
+            <a:p>
+              <a:pPr algn="ctr"/>
+              <a:endParaRPr lang="en-GB"/>
+            </a:p>
+          </p:txBody>
+        </p:sp>
+        <p:sp>
+          <p:nvSpPr>
+            <p:cNvPr id="8" name="Oval 7"/>
+            <p:cNvSpPr/>
+            <p:nvPr/>
+          </p:nvSpPr>
+          <p:spPr>
+            <a:xfrm>
+              <a:off x="5164832" y="3085728"/>
+              <a:ext cx="919336" cy="703312"/>
+            </a:xfrm>
+            <a:prstGeom prst="ellipse">
+              <a:avLst/>
+            </a:prstGeom>
+            <a:solidFill>
+              <a:schemeClr val="bg1"/>
+            </a:solidFill>
+          </p:spPr>
+          <p:style>
+            <a:lnRef idx="2">
+              <a:schemeClr val="accent1">
+                <a:shade val="50000"/>
+              </a:schemeClr>
+            </a:lnRef>
+            <a:fillRef idx="1">
+              <a:schemeClr val="accent1"/>
+            </a:fillRef>
+            <a:effectRef idx="0">
+              <a:schemeClr val="accent1"/>
+            </a:effectRef>
+            <a:fontRef idx="minor">
+              <a:schemeClr val="lt1"/>
+            </a:fontRef>
+          </p:style>
+          <p:txBody>
+            <a:bodyPr rtlCol="0" anchor="ctr"/>
+            <a:lstStyle/>
+            <a:p>
+              <a:pPr algn="ctr"/>
+              <a:endParaRPr lang="en-GB"/>
+            </a:p>
+          </p:txBody>
+        </p:sp>
+        <p:sp>
+          <p:nvSpPr>
+            <p:cNvPr id="9" name="Oval 8"/>
+            <p:cNvSpPr/>
+            <p:nvPr/>
+          </p:nvSpPr>
+          <p:spPr>
+            <a:xfrm>
+              <a:off x="5364088" y="3140968"/>
+              <a:ext cx="478904" cy="478904"/>
+            </a:xfrm>
+            <a:prstGeom prst="ellipse">
+              <a:avLst/>
+            </a:prstGeom>
+            <a:solidFill>
+              <a:schemeClr val="bg1"/>
+            </a:solidFill>
+          </p:spPr>
+          <p:style>
+            <a:lnRef idx="2">
+              <a:schemeClr val="accent1">
+                <a:shade val="50000"/>
+              </a:schemeClr>
+            </a:lnRef>
+            <a:fillRef idx="1">
+              <a:schemeClr val="accent1"/>
+            </a:fillRef>
+            <a:effectRef idx="0">
+              <a:schemeClr val="accent1"/>
+            </a:effectRef>
+            <a:fontRef idx="minor">
+              <a:schemeClr val="lt1"/>
+            </a:fontRef>
+          </p:style>
+          <p:txBody>
+            <a:bodyPr rtlCol="0" anchor="ctr"/>
+            <a:lstStyle/>
+            <a:p>
+              <a:pPr algn="ctr"/>
+              <a:endParaRPr lang="en-GB"/>
+            </a:p>
+          </p:txBody>
+        </p:sp>
+        <p:cxnSp>
+          <p:nvCxnSpPr>
+            <p:cNvPr id="11" name="Straight Arrow Connector 10"/>
+            <p:cNvCxnSpPr/>
+            <p:nvPr/>
+          </p:nvCxnSpPr>
+          <p:spPr>
+            <a:xfrm flipH="1" flipV="1">
+              <a:off x="6228184" y="5373216"/>
+              <a:ext cx="144016" cy="432048"/>
+            </a:xfrm>
+            <a:prstGeom prst="straightConnector1">
+              <a:avLst/>
+            </a:prstGeom>
+            <a:ln w="28575">
+              <a:solidFill>
+                <a:srgbClr val="FF0000"/>
+              </a:solidFill>
+              <a:tailEnd type="arrow"/>
+            </a:ln>
+          </p:spPr>
+          <p:style>
+            <a:lnRef idx="1">
+              <a:schemeClr val="accent1"/>
+            </a:lnRef>
+            <a:fillRef idx="0">
+              <a:schemeClr val="accent1"/>
+            </a:fillRef>
+            <a:effectRef idx="0">
+              <a:schemeClr val="accent1"/>
+            </a:effectRef>
+            <a:fontRef idx="minor">
+              <a:schemeClr val="tx1"/>
+            </a:fontRef>
+          </p:style>
+        </p:cxnSp>
+        <p:cxnSp>
+          <p:nvCxnSpPr>
+            <p:cNvPr id="12" name="Straight Arrow Connector 11"/>
+            <p:cNvCxnSpPr/>
+            <p:nvPr/>
+          </p:nvCxnSpPr>
+          <p:spPr>
+            <a:xfrm flipH="1" flipV="1">
+              <a:off x="6156176" y="4653136"/>
+              <a:ext cx="72008" cy="720080"/>
+            </a:xfrm>
+            <a:prstGeom prst="straightConnector1">
+              <a:avLst/>
+            </a:prstGeom>
+            <a:ln w="28575">
+              <a:solidFill>
+                <a:srgbClr val="FF0000"/>
+              </a:solidFill>
+              <a:tailEnd type="arrow"/>
+            </a:ln>
+          </p:spPr>
+          <p:style>
+            <a:lnRef idx="1">
+              <a:schemeClr val="accent1"/>
+            </a:lnRef>
+            <a:fillRef idx="0">
+              <a:schemeClr val="accent1"/>
+            </a:fillRef>
+            <a:effectRef idx="0">
+              <a:schemeClr val="accent1"/>
+            </a:effectRef>
+            <a:fontRef idx="minor">
+              <a:schemeClr val="tx1"/>
+            </a:fontRef>
+          </p:style>
+        </p:cxnSp>
+        <p:cxnSp>
+          <p:nvCxnSpPr>
+            <p:cNvPr id="14" name="Straight Arrow Connector 13"/>
+            <p:cNvCxnSpPr/>
+            <p:nvPr/>
+          </p:nvCxnSpPr>
+          <p:spPr>
+            <a:xfrm flipH="1" flipV="1">
+              <a:off x="6012160" y="4149080"/>
+              <a:ext cx="144016" cy="504056"/>
+            </a:xfrm>
+            <a:prstGeom prst="straightConnector1">
+              <a:avLst/>
+            </a:prstGeom>
+            <a:ln w="28575">
+              <a:solidFill>
+                <a:srgbClr val="FF0000"/>
+              </a:solidFill>
+              <a:tailEnd type="arrow"/>
+            </a:ln>
+          </p:spPr>
+          <p:style>
+            <a:lnRef idx="1">
+              <a:schemeClr val="accent1"/>
+            </a:lnRef>
+            <a:fillRef idx="0">
+              <a:schemeClr val="accent1"/>
+            </a:fillRef>
+            <a:effectRef idx="0">
+              <a:schemeClr val="accent1"/>
+            </a:effectRef>
+            <a:fontRef idx="minor">
+              <a:schemeClr val="tx1"/>
+            </a:fontRef>
+          </p:style>
+        </p:cxnSp>
+        <p:cxnSp>
+          <p:nvCxnSpPr>
+            <p:cNvPr id="17" name="Straight Arrow Connector 16"/>
+            <p:cNvCxnSpPr>
+              <a:stCxn id="9" idx="5"/>
+              <a:endCxn id="22" idx="5"/>
+            </p:cNvCxnSpPr>
+            <p:nvPr/>
+          </p:nvCxnSpPr>
+          <p:spPr>
+            <a:xfrm flipH="1" flipV="1">
+              <a:off x="5602405" y="3415066"/>
+              <a:ext cx="170453" cy="134672"/>
+            </a:xfrm>
+            <a:prstGeom prst="straightConnector1">
+              <a:avLst/>
+            </a:prstGeom>
+            <a:ln w="28575">
+              <a:solidFill>
+                <a:srgbClr val="FF0000"/>
+              </a:solidFill>
+              <a:tailEnd type="arrow"/>
+            </a:ln>
+          </p:spPr>
+          <p:style>
+            <a:lnRef idx="1">
+              <a:schemeClr val="accent1"/>
+            </a:lnRef>
+            <a:fillRef idx="0">
+              <a:schemeClr val="accent1"/>
+            </a:fillRef>
+            <a:effectRef idx="0">
+              <a:schemeClr val="accent1"/>
+            </a:effectRef>
+            <a:fontRef idx="minor">
+              <a:schemeClr val="tx1"/>
+            </a:fontRef>
+          </p:style>
+        </p:cxnSp>
+        <p:cxnSp>
+          <p:nvCxnSpPr>
+            <p:cNvPr id="19" name="Straight Arrow Connector 18"/>
+            <p:cNvCxnSpPr>
+              <a:endCxn id="9" idx="5"/>
+            </p:cNvCxnSpPr>
+            <p:nvPr/>
+          </p:nvCxnSpPr>
+          <p:spPr>
+            <a:xfrm flipH="1" flipV="1">
+              <a:off x="5772858" y="3549738"/>
+              <a:ext cx="95286" cy="167294"/>
+            </a:xfrm>
+            <a:prstGeom prst="straightConnector1">
+              <a:avLst/>
+            </a:prstGeom>
+            <a:ln w="28575">
+              <a:solidFill>
+                <a:srgbClr val="FF0000"/>
+              </a:solidFill>
+              <a:tailEnd type="arrow"/>
+            </a:ln>
+          </p:spPr>
+          <p:style>
+            <a:lnRef idx="1">
+              <a:schemeClr val="accent1"/>
+            </a:lnRef>
+            <a:fillRef idx="0">
+              <a:schemeClr val="accent1"/>
+            </a:fillRef>
+            <a:effectRef idx="0">
+              <a:schemeClr val="accent1"/>
+            </a:effectRef>
+            <a:fontRef idx="minor">
+              <a:schemeClr val="tx1"/>
+            </a:fontRef>
+          </p:style>
+        </p:cxnSp>
+        <p:sp>
+          <p:nvSpPr>
+            <p:cNvPr id="22" name="Oval 21"/>
+            <p:cNvSpPr/>
+            <p:nvPr/>
+          </p:nvSpPr>
+          <p:spPr>
+            <a:xfrm>
+              <a:off x="5508104" y="3284984"/>
+              <a:ext cx="110480" cy="152400"/>
+            </a:xfrm>
+            <a:prstGeom prst="ellipse">
+              <a:avLst/>
+            </a:prstGeom>
+            <a:solidFill>
+              <a:schemeClr val="bg1"/>
+            </a:solidFill>
+          </p:spPr>
+          <p:style>
+            <a:lnRef idx="2">
+              <a:schemeClr val="accent1">
+                <a:shade val="50000"/>
+              </a:schemeClr>
+            </a:lnRef>
+            <a:fillRef idx="1">
+              <a:schemeClr val="accent1"/>
+            </a:fillRef>
+            <a:effectRef idx="0">
+              <a:schemeClr val="accent1"/>
+            </a:effectRef>
+            <a:fontRef idx="minor">
+              <a:schemeClr val="lt1"/>
+            </a:fontRef>
+          </p:style>
+          <p:txBody>
+            <a:bodyPr rtlCol="0" anchor="ctr"/>
+            <a:lstStyle/>
+            <a:p>
+              <a:pPr algn="ctr"/>
+              <a:endParaRPr lang="en-GB"/>
+            </a:p>
+          </p:txBody>
+        </p:sp>
+        <p:cxnSp>
+          <p:nvCxnSpPr>
+            <p:cNvPr id="23" name="Straight Arrow Connector 22"/>
+            <p:cNvCxnSpPr/>
+            <p:nvPr/>
+          </p:nvCxnSpPr>
+          <p:spPr>
+            <a:xfrm flipH="1" flipV="1">
+              <a:off x="5868144" y="3717032"/>
+              <a:ext cx="144016" cy="432048"/>
+            </a:xfrm>
+            <a:prstGeom prst="straightConnector1">
+              <a:avLst/>
+            </a:prstGeom>
+            <a:ln w="28575">
+              <a:solidFill>
+                <a:srgbClr val="FF0000"/>
+              </a:solidFill>
+              <a:tailEnd type="arrow"/>
+            </a:ln>
+          </p:spPr>
+          <p:style>
+            <a:lnRef idx="1">
+              <a:schemeClr val="accent1"/>
+            </a:lnRef>
+            <a:fillRef idx="0">
+              <a:schemeClr val="accent1"/>
+            </a:fillRef>
+            <a:effectRef idx="0">
+              <a:schemeClr val="accent1"/>
+            </a:effectRef>
+            <a:fontRef idx="minor">
+              <a:schemeClr val="tx1"/>
+            </a:fontRef>
+          </p:style>
+        </p:cxnSp>
+        <p:sp>
+          <p:nvSpPr>
+            <p:cNvPr id="35" name="TextBox 34"/>
+            <p:cNvSpPr txBox="1"/>
+            <p:nvPr/>
+          </p:nvSpPr>
+          <p:spPr>
+            <a:xfrm>
+              <a:off x="6190486" y="5559623"/>
+              <a:ext cx="354584" cy="461665"/>
+            </a:xfrm>
+            <a:prstGeom prst="rect">
+              <a:avLst/>
+            </a:prstGeom>
+            <a:noFill/>
+          </p:spPr>
+          <p:txBody>
+            <a:bodyPr wrap="none" rtlCol="0">
+              <a:spAutoFit/>
+            </a:bodyPr>
+            <a:lstStyle/>
+            <a:p>
+              <a:r>
+                <a:rPr lang="en-GB" sz="2400" b="1" dirty="0" smtClean="0">
+                  <a:solidFill>
+                    <a:srgbClr val="FF0000"/>
+                  </a:solidFill>
+                </a:rPr>
+                <a:t>X</a:t>
+              </a:r>
+              <a:endParaRPr lang="en-GB" sz="2400" b="1" dirty="0">
+                <a:solidFill>
+                  <a:srgbClr val="FF0000"/>
+                </a:solidFill>
+              </a:endParaRPr>
+            </a:p>
+          </p:txBody>
+        </p:sp>
+      </p:grpSp>
+      <p:pic>
+        <p:nvPicPr>
+          <p:cNvPr id="17410" name="Picture 2" descr="The gradient descent algorithm in action. (1: contour)"/>
+          <p:cNvPicPr>
+            <a:picLocks noChangeAspect="1" noChangeArrowheads="1"/>
+          </p:cNvPicPr>
+          <p:nvPr/>
+        </p:nvPicPr>
+        <p:blipFill>
+          <a:blip r:embed="rId2" cstate="print"/>
+          <a:srcRect b="32259"/>
+          <a:stretch>
+            <a:fillRect/>
+          </a:stretch>
+        </p:blipFill>
+        <p:spPr bwMode="auto">
+          <a:xfrm>
+            <a:off x="395536" y="3429000"/>
+            <a:ext cx="3955660" cy="2664296"/>
+          </a:xfrm>
+          <a:prstGeom prst="rect">
+            <a:avLst/>
+          </a:prstGeom>
+          <a:noFill/>
+        </p:spPr>
+      </p:pic>
+    </p:spTree>
+  </p:cSld>
+  <p:clrMapOvr>
+    <a:masterClrMapping/>
+  </p:clrMapOvr>
+  <p:timing>
+    <p:tnLst>
+      <p:par>
+        <p:cTn id="1" dur="indefinite" restart="never" nodeType="tmRoot"/>
+      </p:par>
+    </p:tnLst>
+  </p:timing>
+</p:sld>
+</file>
+
+<file path=ppt/slides/slide9.xml><?xml version="1.0" encoding="utf-8"?>
+<p:sld xmlns:a="http://schemas.openxmlformats.org/drawingml/2006/main" xmlns:r="http://schemas.openxmlformats.org/officeDocument/2006/relationships" xmlns:p="http://schemas.openxmlformats.org/presentationml/2006/main">
+  <p:cSld>
+    <p:spTree>
+      <p:nvGrpSpPr>
+        <p:cNvPr id="1" name=""/>
+        <p:cNvGrpSpPr/>
+        <p:nvPr/>
+      </p:nvGrpSpPr>
+      <p:grpSpPr>
+        <a:xfrm>
+          <a:off x="0" y="0"/>
+          <a:ext cx="0" cy="0"/>
+          <a:chOff x="0" y="0"/>
+          <a:chExt cx="0" cy="0"/>
+        </a:xfrm>
+      </p:grpSpPr>
+      <p:sp>
+        <p:nvSpPr>
+          <p:cNvPr id="2" name="Title 1"/>
+          <p:cNvSpPr>
+            <a:spLocks noGrp="1"/>
+          </p:cNvSpPr>
+          <p:nvPr>
+            <p:ph type="title"/>
+          </p:nvPr>
+        </p:nvSpPr>
+        <p:spPr/>
+        <p:txBody>
+          <a:bodyPr/>
+          <a:lstStyle/>
+          <a:p>
+            <a:r>
+              <a:rPr lang="en-GB" dirty="0" smtClean="0"/>
+              <a:t>Algorithm</a:t>
+            </a:r>
+            <a:endParaRPr lang="en-GB" dirty="0"/>
+          </a:p>
+        </p:txBody>
+      </p:sp>
+      <p:pic>
+        <p:nvPicPr>
+          <p:cNvPr id="1027" name="Picture 3"/>
+          <p:cNvPicPr>
+            <a:picLocks noChangeAspect="1" noChangeArrowheads="1"/>
+          </p:cNvPicPr>
+          <p:nvPr/>
+        </p:nvPicPr>
+        <p:blipFill>
+          <a:blip r:embed="rId2" cstate="print"/>
+          <a:srcRect b="44643"/>
+          <a:stretch>
+            <a:fillRect/>
+          </a:stretch>
+        </p:blipFill>
+        <p:spPr bwMode="auto">
+          <a:xfrm>
+            <a:off x="323528" y="2276872"/>
+            <a:ext cx="8599457" cy="2232248"/>
+          </a:xfrm>
+          <a:prstGeom prst="rect">
+            <a:avLst/>
+          </a:prstGeom>
+          <a:noFill/>
+          <a:ln w="9525">
+            <a:noFill/>
+            <a:miter lim="800000"/>
+            <a:headEnd/>
+            <a:tailEnd/>
+          </a:ln>
+        </p:spPr>
+      </p:pic>
+      <p:sp>
+        <p:nvSpPr>
+          <p:cNvPr id="26" name="Content Placeholder 2"/>
+          <p:cNvSpPr>
+            <a:spLocks noGrp="1"/>
+          </p:cNvSpPr>
+          <p:nvPr>
+            <p:ph idx="1"/>
+          </p:nvPr>
+        </p:nvSpPr>
+        <p:spPr>
+          <a:xfrm>
+            <a:off x="467544" y="1628800"/>
+            <a:ext cx="8229600" cy="4525963"/>
+          </a:xfrm>
+        </p:spPr>
+        <p:txBody>
+          <a:bodyPr/>
+          <a:lstStyle/>
+          <a:p>
+            <a:r>
+              <a:rPr lang="en-GB" dirty="0" smtClean="0"/>
+              <a:t>Gradient given by:</a:t>
+            </a:r>
+            <a:endParaRPr lang="en-GB" dirty="0"/>
+          </a:p>
+        </p:txBody>
+      </p:sp>
+    </p:spTree>
+  </p:cSld>
+  <p:clrMapOvr>
+    <a:masterClrMapping/>
+  </p:clrMapOvr>
+  <p:timing>
+    <p:tnLst>
+      <p:par>
+        <p:cTn id="1" dur="indefinite" restart="never" nodeType="tmRoot"/>
+      </p:par>
+    </p:tnLst>
+  </p:timing>
 </p:sld>
 </file>
 

--- a/Active Contours Without Edges.pptx
+++ b/Active Contours Without Edges.pptx
@@ -3589,7 +3589,7 @@
     </p:spTree>
     <p:extLst>
       <p:ext uri="{BB962C8B-B14F-4D97-AF65-F5344CB8AC3E}">
-        <p14:creationId xmlns:p14="http://schemas.microsoft.com/office/powerpoint/2010/main" xmlns="" val="504168143"/>
+        <p14:creationId xmlns="" xmlns:p14="http://schemas.microsoft.com/office/powerpoint/2010/main" val="504168143"/>
       </p:ext>
     </p:extLst>
   </p:cSld>
@@ -4416,15 +4416,7 @@
                   <a:schemeClr val="tx1"/>
                 </a:solidFill>
               </a:rPr>
-              <a:t> </a:t>
-            </a:r>
-            <a:r>
-              <a:rPr lang="en-GB" sz="2800" dirty="0" smtClean="0">
-                <a:solidFill>
-                  <a:schemeClr val="tx1"/>
-                </a:solidFill>
-              </a:rPr>
-              <a:t>is set to zero in our implementation</a:t>
+              <a:t> is set to zero in our implementation</a:t>
             </a:r>
             <a:endParaRPr lang="en-GB" sz="2800" dirty="0">
               <a:solidFill>
@@ -6425,7 +6417,6 @@
               <a:rPr lang="en-GB" dirty="0" smtClean="0"/>
               <a:t>Algorithm</a:t>
             </a:r>
-            <a:endParaRPr lang="en-GB" dirty="0" smtClean="0"/>
           </a:p>
           <a:p>
             <a:r>
@@ -6438,14 +6429,13 @@
               <a:rPr lang="en-GB" dirty="0" smtClean="0"/>
               <a:t>Demo</a:t>
             </a:r>
-            <a:endParaRPr lang="en-GB" dirty="0" smtClean="0"/>
           </a:p>
         </p:txBody>
       </p:sp>
     </p:spTree>
     <p:extLst>
       <p:ext uri="{BB962C8B-B14F-4D97-AF65-F5344CB8AC3E}">
-        <p14:creationId xmlns:p14="http://schemas.microsoft.com/office/powerpoint/2010/main" xmlns="" val="3109711924"/>
+        <p14:creationId xmlns="" xmlns:p14="http://schemas.microsoft.com/office/powerpoint/2010/main" val="3109711924"/>
       </p:ext>
     </p:extLst>
   </p:cSld>
@@ -7039,79 +7029,67 @@
         <p:spPr/>
         <p:txBody>
           <a:bodyPr>
-            <a:normAutofit fontScale="62500" lnSpcReduction="20000"/>
+            <a:noAutofit/>
           </a:bodyPr>
           <a:lstStyle/>
           <a:p>
             <a:r>
-              <a:rPr lang="en-GB" dirty="0" smtClean="0"/>
-              <a:t>[1] - http://www.mathworks.com/matlabcentral/fileexchange/34548-active-contour-without-edge</a:t>
-            </a:r>
-          </a:p>
-          <a:p>
-            <a:r>
-              <a:rPr lang="en-GB" dirty="0" smtClean="0"/>
+              <a:rPr lang="en-GB" sz="2000" dirty="0" smtClean="0"/>
+              <a:t>[1] - </a:t>
+            </a:r>
+            <a:r>
+              <a:rPr lang="en-GB" sz="2000" dirty="0" smtClean="0"/>
+              <a:t>http</a:t>
+            </a:r>
+            <a:r>
+              <a:rPr lang="en-GB" sz="2000" dirty="0" smtClean="0"/>
+              <a:t>://www.mathworks.com/matlabcentral/fileexchange/34548-active-contour-without-edge</a:t>
+            </a:r>
+          </a:p>
+          <a:p>
+            <a:r>
+              <a:rPr lang="en-GB" sz="2000" dirty="0" smtClean="0"/>
+              <a:t>[2] - Chan, T.F.; </a:t>
+            </a:r>
+            <a:r>
+              <a:rPr lang="en-GB" sz="2000" dirty="0" err="1" smtClean="0"/>
+              <a:t>Vese</a:t>
+            </a:r>
+            <a:r>
+              <a:rPr lang="en-GB" sz="2000" dirty="0" smtClean="0"/>
+              <a:t>, L.A.; , "Active contours without edges," Image Processing, IEEE Transactions on , vol.10, no.2, pp.266-277, Feb 2001 URL: http://ieeexplore.ieee.org/stamp/stamp.jsp?tp=&amp;arnumber=902291&amp;isnumber=19508</a:t>
+            </a:r>
+          </a:p>
+          <a:p>
+            <a:r>
+              <a:rPr lang="en-GB" sz="2000" dirty="0" smtClean="0"/>
               <a:t>[</a:t>
             </a:r>
             <a:r>
-              <a:rPr lang="en-GB" dirty="0" smtClean="0"/>
-              <a:t>2] - Chan, T.F.; </a:t>
-            </a:r>
-            <a:r>
-              <a:rPr lang="en-GB" dirty="0" err="1" smtClean="0"/>
-              <a:t>Vese</a:t>
-            </a:r>
-            <a:r>
-              <a:rPr lang="en-GB" dirty="0" smtClean="0"/>
-              <a:t>, L.A.; , "Active contours without edges," Image Processing, IEEE Transactions on , vol.10, no.2, pp.266-277, Feb 2001 URL: http://ieeexplore.ieee.org/stamp/stamp.jsp?tp=&amp;arnumber=902291&amp;isnumber=19508</a:t>
-            </a:r>
-          </a:p>
-          <a:p>
-            <a:r>
-              <a:rPr lang="en-GB" dirty="0" smtClean="0"/>
-              <a:t>[</a:t>
-            </a:r>
-            <a:r>
-              <a:rPr lang="en-GB" dirty="0" smtClean="0"/>
-              <a:t>3] - http://www.mathworks.com/matlabcentral/fileexchange/12711-level-set-for-image-segmentation</a:t>
-            </a:r>
-          </a:p>
-          <a:p>
-            <a:r>
-              <a:rPr lang="en-GB" dirty="0" smtClean="0"/>
-              <a:t>[</a:t>
-            </a:r>
-            <a:r>
-              <a:rPr lang="en-GB" dirty="0" smtClean="0"/>
+              <a:rPr lang="en-GB" sz="2000" dirty="0" smtClean="0"/>
               <a:t>4] - </a:t>
             </a:r>
             <a:r>
-              <a:rPr lang="en-GB" dirty="0" err="1" smtClean="0"/>
+              <a:rPr lang="en-GB" sz="2000" dirty="0" err="1" smtClean="0"/>
               <a:t>Chunming</a:t>
             </a:r>
             <a:r>
-              <a:rPr lang="en-GB" dirty="0" smtClean="0"/>
+              <a:rPr lang="en-GB" sz="2000" dirty="0" smtClean="0"/>
               <a:t> Li; Chiu-Yen Kao; Gore, J.C.; </a:t>
             </a:r>
             <a:r>
-              <a:rPr lang="en-GB" dirty="0" err="1" smtClean="0"/>
+              <a:rPr lang="en-GB" sz="2000" dirty="0" err="1" smtClean="0"/>
               <a:t>Zhaohua</a:t>
             </a:r>
             <a:r>
-              <a:rPr lang="en-GB" dirty="0" smtClean="0"/>
-              <a:t> Ding; , "Minimization of Region-Scalable Fitting Energy for Image Segmentation," Image Processing, IEEE Transactions on , vol.17, no.10, pp.1940-1949, Oct. 2008 URL: http://www.ncbi.nlm.nih.gov/pmc/articles/PMC2720140/</a:t>
-            </a:r>
-          </a:p>
-          <a:p>
-            <a:r>
-              <a:rPr lang="en-GB" dirty="0" smtClean="0"/>
-              <a:t>[</a:t>
-            </a:r>
-            <a:r>
-              <a:rPr lang="en-GB" dirty="0" smtClean="0"/>
-              <a:t>5] - http://www.mathworks.co.uk/help/techdoc/ref/del2.html</a:t>
-            </a:r>
-            <a:endParaRPr lang="en-GB" dirty="0"/>
+              <a:rPr lang="en-GB" sz="2000" dirty="0" smtClean="0"/>
+              <a:t> Ding; , "Minimization of Region-Scalable Fitting Energy for Image Segmentation," Image Processing, IEEE Transactions on , vol.17, no.10, pp.1940-1949, Oct. 2008 URL: http://www.ncbi.nlm.nih.gov/pmc/articles/PMC2720140</a:t>
+            </a:r>
+            <a:r>
+              <a:rPr lang="en-GB" sz="2000" dirty="0" smtClean="0"/>
+              <a:t>/</a:t>
+            </a:r>
+            <a:endParaRPr lang="en-GB" sz="2000" dirty="0" smtClean="0"/>
           </a:p>
         </p:txBody>
       </p:sp>
@@ -7208,7 +7186,7 @@
     </p:spTree>
     <p:extLst>
       <p:ext uri="{BB962C8B-B14F-4D97-AF65-F5344CB8AC3E}">
-        <p14:creationId xmlns:p14="http://schemas.microsoft.com/office/powerpoint/2010/main" xmlns="" val="3674118470"/>
+        <p14:creationId xmlns="" xmlns:p14="http://schemas.microsoft.com/office/powerpoint/2010/main" val="3674118470"/>
       </p:ext>
     </p:extLst>
   </p:cSld>
